--- a/fig/shippable-v01.pptx
+++ b/fig/shippable-v01.pptx
@@ -5,18 +5,19 @@
     <p:sldMasterId id="2147483660" r:id="rId1"/>
   </p:sldMasterIdLst>
   <p:notesMasterIdLst>
-    <p:notesMasterId r:id="rId8"/>
+    <p:notesMasterId r:id="rId9"/>
   </p:notesMasterIdLst>
   <p:handoutMasterIdLst>
-    <p:handoutMasterId r:id="rId9"/>
+    <p:handoutMasterId r:id="rId10"/>
   </p:handoutMasterIdLst>
   <p:sldIdLst>
     <p:sldId id="334" r:id="rId2"/>
-    <p:sldId id="333" r:id="rId3"/>
-    <p:sldId id="332" r:id="rId4"/>
-    <p:sldId id="331" r:id="rId5"/>
-    <p:sldId id="335" r:id="rId6"/>
+    <p:sldId id="332" r:id="rId3"/>
+    <p:sldId id="335" r:id="rId4"/>
+    <p:sldId id="337" r:id="rId5"/>
+    <p:sldId id="331" r:id="rId6"/>
     <p:sldId id="330" r:id="rId7"/>
+    <p:sldId id="336" r:id="rId8"/>
   </p:sldIdLst>
   <p:sldSz cx="9144000" cy="5143500" type="screen16x9"/>
   <p:notesSz cx="9144000" cy="6858000"/>
@@ -256,7 +257,7 @@
               <a:pPr>
                 <a:defRPr/>
               </a:pPr>
-              <a:t>7/15/16</a:t>
+              <a:t>7/17/16</a:t>
             </a:fld>
             <a:endParaRPr lang="en-US"/>
           </a:p>
@@ -470,7 +471,7 @@
               <a:pPr>
                 <a:defRPr/>
               </a:pPr>
-              <a:t>7/15/16</a:t>
+              <a:t>7/17/16</a:t>
             </a:fld>
             <a:endParaRPr lang="en-US"/>
           </a:p>
@@ -792,6 +793,266 @@
 </p:notesMaster>
 </file>
 
+<file path=ppt/notesSlides/notesSlide1.xml><?xml version="1.0" encoding="utf-8"?>
+<p:notes xmlns:a="http://schemas.openxmlformats.org/drawingml/2006/main" xmlns:r="http://schemas.openxmlformats.org/officeDocument/2006/relationships" xmlns:p="http://schemas.openxmlformats.org/presentationml/2006/main">
+  <p:cSld>
+    <p:spTree>
+      <p:nvGrpSpPr>
+        <p:cNvPr id="1" name=""/>
+        <p:cNvGrpSpPr/>
+        <p:nvPr/>
+      </p:nvGrpSpPr>
+      <p:grpSpPr>
+        <a:xfrm>
+          <a:off x="0" y="0"/>
+          <a:ext cx="0" cy="0"/>
+          <a:chOff x="0" y="0"/>
+          <a:chExt cx="0" cy="0"/>
+        </a:xfrm>
+      </p:grpSpPr>
+      <p:sp>
+        <p:nvSpPr>
+          <p:cNvPr id="2" name="Slide Image Placeholder 1"/>
+          <p:cNvSpPr>
+            <a:spLocks noGrp="1" noRot="1" noChangeAspect="1"/>
+          </p:cNvSpPr>
+          <p:nvPr>
+            <p:ph type="sldImg"/>
+          </p:nvPr>
+        </p:nvSpPr>
+        <p:spPr/>
+      </p:sp>
+      <p:sp>
+        <p:nvSpPr>
+          <p:cNvPr id="3" name="Notes Placeholder 2"/>
+          <p:cNvSpPr>
+            <a:spLocks noGrp="1"/>
+          </p:cNvSpPr>
+          <p:nvPr>
+            <p:ph type="body" idx="1"/>
+          </p:nvPr>
+        </p:nvSpPr>
+        <p:spPr/>
+        <p:txBody>
+          <a:bodyPr/>
+          <a:lstStyle/>
+          <a:p>
+            <a:r>
+              <a:rPr lang="en-US" dirty="0" smtClean="0"/>
+              <a:t>http://</a:t>
+            </a:r>
+            <a:r>
+              <a:rPr lang="en-US" dirty="0" err="1" smtClean="0"/>
+              <a:t>blog.shippable.com</a:t>
+            </a:r>
+            <a:r>
+              <a:rPr lang="en-US" dirty="0" smtClean="0"/>
+              <a:t>/</a:t>
+            </a:r>
+            <a:r>
+              <a:rPr lang="en-US" dirty="0" err="1" smtClean="0"/>
+              <a:t>shippables</a:t>
+            </a:r>
+            <a:r>
+              <a:rPr lang="en-US" dirty="0" smtClean="0"/>
+              <a:t>-</a:t>
+            </a:r>
+            <a:r>
+              <a:rPr lang="en-US" dirty="0" err="1" smtClean="0"/>
+              <a:t>idk</a:t>
+            </a:r>
+            <a:r>
+              <a:rPr lang="en-US" dirty="0" smtClean="0"/>
+              <a:t>-journey-</a:t>
+            </a:r>
+            <a:r>
+              <a:rPr lang="en-US" dirty="0" err="1" smtClean="0"/>
+              <a:t>i</a:t>
+            </a:r>
+            <a:r>
+              <a:rPr lang="en-US" dirty="0" smtClean="0"/>
+              <a:t>-delegate-to-</a:t>
+            </a:r>
+            <a:r>
+              <a:rPr lang="en-US" dirty="0" err="1" smtClean="0"/>
+              <a:t>kubernetes</a:t>
+            </a:r>
+            <a:endParaRPr lang="en-US" dirty="0"/>
+          </a:p>
+        </p:txBody>
+      </p:sp>
+      <p:sp>
+        <p:nvSpPr>
+          <p:cNvPr id="4" name="Slide Number Placeholder 3"/>
+          <p:cNvSpPr>
+            <a:spLocks noGrp="1"/>
+          </p:cNvSpPr>
+          <p:nvPr>
+            <p:ph type="sldNum" sz="quarter" idx="10"/>
+          </p:nvPr>
+        </p:nvSpPr>
+        <p:spPr/>
+        <p:txBody>
+          <a:bodyPr/>
+          <a:lstStyle/>
+          <a:p>
+            <a:pPr>
+              <a:defRPr/>
+            </a:pPr>
+            <a:fld id="{631C2E65-C48E-EB49-B8DF-701DB40EA457}" type="slidenum">
+              <a:rPr lang="en-US" smtClean="0"/>
+              <a:pPr>
+                <a:defRPr/>
+              </a:pPr>
+              <a:t>3</a:t>
+            </a:fld>
+            <a:endParaRPr lang="en-US"/>
+          </a:p>
+        </p:txBody>
+      </p:sp>
+    </p:spTree>
+    <p:extLst>
+      <p:ext uri="{BB962C8B-B14F-4D97-AF65-F5344CB8AC3E}">
+        <p14:creationId xmlns:p14="http://schemas.microsoft.com/office/powerpoint/2010/main" val="3330040866"/>
+      </p:ext>
+    </p:extLst>
+  </p:cSld>
+  <p:clrMapOvr>
+    <a:masterClrMapping/>
+  </p:clrMapOvr>
+</p:notes>
+</file>
+
+<file path=ppt/notesSlides/notesSlide2.xml><?xml version="1.0" encoding="utf-8"?>
+<p:notes xmlns:a="http://schemas.openxmlformats.org/drawingml/2006/main" xmlns:r="http://schemas.openxmlformats.org/officeDocument/2006/relationships" xmlns:p="http://schemas.openxmlformats.org/presentationml/2006/main">
+  <p:cSld>
+    <p:spTree>
+      <p:nvGrpSpPr>
+        <p:cNvPr id="1" name=""/>
+        <p:cNvGrpSpPr/>
+        <p:nvPr/>
+      </p:nvGrpSpPr>
+      <p:grpSpPr>
+        <a:xfrm>
+          <a:off x="0" y="0"/>
+          <a:ext cx="0" cy="0"/>
+          <a:chOff x="0" y="0"/>
+          <a:chExt cx="0" cy="0"/>
+        </a:xfrm>
+      </p:grpSpPr>
+      <p:sp>
+        <p:nvSpPr>
+          <p:cNvPr id="2" name="Slide Image Placeholder 1"/>
+          <p:cNvSpPr>
+            <a:spLocks noGrp="1" noRot="1" noChangeAspect="1"/>
+          </p:cNvSpPr>
+          <p:nvPr>
+            <p:ph type="sldImg"/>
+          </p:nvPr>
+        </p:nvSpPr>
+        <p:spPr/>
+      </p:sp>
+      <p:sp>
+        <p:nvSpPr>
+          <p:cNvPr id="3" name="Notes Placeholder 2"/>
+          <p:cNvSpPr>
+            <a:spLocks noGrp="1"/>
+          </p:cNvSpPr>
+          <p:nvPr>
+            <p:ph type="body" idx="1"/>
+          </p:nvPr>
+        </p:nvSpPr>
+        <p:spPr/>
+        <p:txBody>
+          <a:bodyPr/>
+          <a:lstStyle/>
+          <a:p>
+            <a:r>
+              <a:rPr lang="en-US" dirty="0" smtClean="0"/>
+              <a:t>http://</a:t>
+            </a:r>
+            <a:r>
+              <a:rPr lang="en-US" dirty="0" err="1" smtClean="0"/>
+              <a:t>blog.shippable.com</a:t>
+            </a:r>
+            <a:r>
+              <a:rPr lang="en-US" dirty="0" smtClean="0"/>
+              <a:t>/</a:t>
+            </a:r>
+            <a:r>
+              <a:rPr lang="en-US" dirty="0" err="1" smtClean="0"/>
+              <a:t>shippables</a:t>
+            </a:r>
+            <a:r>
+              <a:rPr lang="en-US" dirty="0" smtClean="0"/>
+              <a:t>-</a:t>
+            </a:r>
+            <a:r>
+              <a:rPr lang="en-US" dirty="0" err="1" smtClean="0"/>
+              <a:t>idk</a:t>
+            </a:r>
+            <a:r>
+              <a:rPr lang="en-US" dirty="0" smtClean="0"/>
+              <a:t>-journey-</a:t>
+            </a:r>
+            <a:r>
+              <a:rPr lang="en-US" dirty="0" err="1" smtClean="0"/>
+              <a:t>i</a:t>
+            </a:r>
+            <a:r>
+              <a:rPr lang="en-US" dirty="0" smtClean="0"/>
+              <a:t>-delegate-to-</a:t>
+            </a:r>
+            <a:r>
+              <a:rPr lang="en-US" dirty="0" err="1" smtClean="0"/>
+              <a:t>kubernetes</a:t>
+            </a:r>
+            <a:endParaRPr lang="en-US" dirty="0"/>
+          </a:p>
+        </p:txBody>
+      </p:sp>
+      <p:sp>
+        <p:nvSpPr>
+          <p:cNvPr id="4" name="Slide Number Placeholder 3"/>
+          <p:cNvSpPr>
+            <a:spLocks noGrp="1"/>
+          </p:cNvSpPr>
+          <p:nvPr>
+            <p:ph type="sldNum" sz="quarter" idx="10"/>
+          </p:nvPr>
+        </p:nvSpPr>
+        <p:spPr/>
+        <p:txBody>
+          <a:bodyPr/>
+          <a:lstStyle/>
+          <a:p>
+            <a:pPr>
+              <a:defRPr/>
+            </a:pPr>
+            <a:fld id="{631C2E65-C48E-EB49-B8DF-701DB40EA457}" type="slidenum">
+              <a:rPr lang="en-US" smtClean="0"/>
+              <a:pPr>
+                <a:defRPr/>
+              </a:pPr>
+              <a:t>4</a:t>
+            </a:fld>
+            <a:endParaRPr lang="en-US"/>
+          </a:p>
+        </p:txBody>
+      </p:sp>
+    </p:spTree>
+    <p:extLst>
+      <p:ext uri="{BB962C8B-B14F-4D97-AF65-F5344CB8AC3E}">
+        <p14:creationId xmlns:p14="http://schemas.microsoft.com/office/powerpoint/2010/main" val="3330040866"/>
+      </p:ext>
+    </p:extLst>
+  </p:cSld>
+  <p:clrMapOvr>
+    <a:masterClrMapping/>
+  </p:clrMapOvr>
+</p:notes>
+</file>
+
 <file path=ppt/slideLayouts/slideLayout1.xml><?xml version="1.0" encoding="utf-8"?>
 <p:sldLayout xmlns:a="http://schemas.openxmlformats.org/drawingml/2006/main" xmlns:r="http://schemas.openxmlformats.org/officeDocument/2006/relationships" xmlns:p="http://schemas.openxmlformats.org/presentationml/2006/main" type="title" preserve="1">
   <p:cSld name="Title Slide">
@@ -1399,7 +1660,7 @@
               <a:pPr>
                 <a:defRPr/>
               </a:pPr>
-              <a:t>7/15/16</a:t>
+              <a:t>7/17/16</a:t>
             </a:fld>
             <a:endParaRPr lang="en-US"/>
           </a:p>
@@ -2303,592 +2564,106 @@
           <a:bodyPr/>
           <a:lstStyle/>
           <a:p>
+            <a:r>
+              <a:rPr lang="en-US" dirty="0" smtClean="0"/>
+              <a:t>Keywords</a:t>
+            </a:r>
             <a:endParaRPr lang="en-US" dirty="0"/>
           </a:p>
         </p:txBody>
       </p:sp>
-      <p:graphicFrame>
-        <p:nvGraphicFramePr>
-          <p:cNvPr id="4" name="Content Placeholder 3"/>
-          <p:cNvGraphicFramePr>
-            <a:graphicFrameLocks noGrp="1"/>
-          </p:cNvGraphicFramePr>
+      <p:sp>
+        <p:nvSpPr>
+          <p:cNvPr id="3" name="Content Placeholder 2"/>
+          <p:cNvSpPr>
+            <a:spLocks noGrp="1"/>
+          </p:cNvSpPr>
           <p:nvPr>
             <p:ph idx="1"/>
-            <p:extLst>
-              <p:ext uri="{D42A27DB-BD31-4B8C-83A1-F6EECF244321}">
-                <p14:modId xmlns:p14="http://schemas.microsoft.com/office/powerpoint/2010/main" val="3489873485"/>
-              </p:ext>
-            </p:extLst>
           </p:nvPr>
-        </p:nvGraphicFramePr>
-        <p:xfrm>
-          <a:off x="734827" y="207300"/>
-          <a:ext cx="6853182" cy="3408679"/>
-        </p:xfrm>
-        <a:graphic>
-          <a:graphicData uri="http://schemas.openxmlformats.org/drawingml/2006/table">
-            <a:tbl>
-              <a:tblPr firstRow="1" bandRow="1">
-                <a:tableStyleId>{5C22544A-7EE6-4342-B048-85BDC9FD1C3A}</a:tableStyleId>
-              </a:tblPr>
-              <a:tblGrid>
-                <a:gridCol w="1286490"/>
-                <a:gridCol w="2851009"/>
-                <a:gridCol w="2715683"/>
-              </a:tblGrid>
-              <a:tr h="370840">
-                <a:tc>
-                  <a:txBody>
-                    <a:bodyPr/>
-                    <a:lstStyle/>
-                    <a:p>
-                      <a:r>
-                        <a:rPr lang="en-US" dirty="0" smtClean="0"/>
-                        <a:t>Dev. vs. Ops.</a:t>
-                      </a:r>
-                      <a:endParaRPr lang="en-US" dirty="0"/>
-                    </a:p>
-                  </a:txBody>
-                  <a:tcPr/>
-                </a:tc>
-                <a:tc>
-                  <a:txBody>
-                    <a:bodyPr/>
-                    <a:lstStyle/>
-                    <a:p>
-                      <a:r>
-                        <a:rPr lang="en-US" dirty="0" smtClean="0"/>
-                        <a:t>DevOps 1.0</a:t>
-                      </a:r>
-                      <a:endParaRPr lang="en-US" dirty="0"/>
-                    </a:p>
-                  </a:txBody>
-                  <a:tcPr/>
-                </a:tc>
-                <a:tc>
-                  <a:txBody>
-                    <a:bodyPr/>
-                    <a:lstStyle/>
-                    <a:p>
-                      <a:r>
-                        <a:rPr lang="en-US" dirty="0" smtClean="0"/>
-                        <a:t>DevOps 2.0</a:t>
-                      </a:r>
-                      <a:endParaRPr lang="en-US" dirty="0"/>
-                    </a:p>
-                  </a:txBody>
-                  <a:tcPr/>
-                </a:tc>
-              </a:tr>
-              <a:tr h="370840">
-                <a:tc>
-                  <a:txBody>
-                    <a:bodyPr/>
-                    <a:lstStyle/>
-                    <a:p>
-                      <a:endParaRPr lang="en-US" dirty="0"/>
-                    </a:p>
-                  </a:txBody>
-                  <a:tcPr/>
-                </a:tc>
-                <a:tc>
-                  <a:txBody>
-                    <a:bodyPr/>
-                    <a:lstStyle/>
-                    <a:p>
-                      <a:r>
-                        <a:rPr lang="en-US" dirty="0" smtClean="0"/>
-                        <a:t>Centralized versions </a:t>
-                      </a:r>
-                      <a:r>
-                        <a:rPr lang="en-US" dirty="0" smtClean="0"/>
-                        <a:t/>
-                      </a:r>
-                      <a:br>
-                        <a:rPr lang="en-US" dirty="0" smtClean="0"/>
-                      </a:br>
-                      <a:r>
-                        <a:rPr lang="en-US" dirty="0" smtClean="0"/>
-                        <a:t>(</a:t>
-                      </a:r>
-                      <a:r>
-                        <a:rPr lang="en-US" dirty="0" smtClean="0"/>
-                        <a:t>Subversion)</a:t>
-                      </a:r>
-                      <a:endParaRPr lang="en-US" dirty="0"/>
-                    </a:p>
-                  </a:txBody>
-                  <a:tcPr/>
-                </a:tc>
-                <a:tc>
-                  <a:txBody>
-                    <a:bodyPr/>
-                    <a:lstStyle/>
-                    <a:p>
-                      <a:r>
-                        <a:rPr lang="en-US" dirty="0" smtClean="0"/>
-                        <a:t>Distributed versions </a:t>
-                      </a:r>
-                      <a:br>
-                        <a:rPr lang="en-US" dirty="0" smtClean="0"/>
-                      </a:br>
-                      <a:r>
-                        <a:rPr lang="en-US" dirty="0" smtClean="0"/>
-                        <a:t>(GitHub)</a:t>
-                      </a:r>
-                      <a:endParaRPr lang="en-US" dirty="0"/>
-                    </a:p>
-                  </a:txBody>
-                  <a:tcPr/>
-                </a:tc>
-              </a:tr>
-              <a:tr h="370840">
-                <a:tc>
-                  <a:txBody>
-                    <a:bodyPr/>
-                    <a:lstStyle/>
-                    <a:p>
-                      <a:endParaRPr lang="en-US" dirty="0"/>
-                    </a:p>
-                  </a:txBody>
-                  <a:tcPr/>
-                </a:tc>
-                <a:tc>
-                  <a:txBody>
-                    <a:bodyPr/>
-                    <a:lstStyle/>
-                    <a:p>
-                      <a:pPr marL="0" marR="0" indent="0" algn="l" defTabSz="686806" rtl="0" eaLnBrk="1" fontAlgn="auto" latinLnBrk="0" hangingPunct="1">
-                        <a:lnSpc>
-                          <a:spcPct val="100000"/>
-                        </a:lnSpc>
-                        <a:spcBef>
-                          <a:spcPts val="0"/>
-                        </a:spcBef>
-                        <a:spcAft>
-                          <a:spcPts val="0"/>
-                        </a:spcAft>
-                        <a:buClrTx/>
-                        <a:buSzTx/>
-                        <a:buFontTx/>
-                        <a:buNone/>
-                        <a:tabLst/>
-                        <a:defRPr/>
-                      </a:pPr>
-                      <a:r>
-                        <a:rPr lang="en-US" dirty="0" smtClean="0"/>
-                        <a:t>(Jenkins)</a:t>
-                      </a:r>
-                    </a:p>
-                  </a:txBody>
-                  <a:tcPr/>
-                </a:tc>
-                <a:tc>
-                  <a:txBody>
-                    <a:bodyPr/>
-                    <a:lstStyle/>
-                    <a:p>
-                      <a:pPr marL="0" marR="0" indent="0" algn="l" defTabSz="686806" rtl="0" eaLnBrk="1" fontAlgn="auto" latinLnBrk="0" hangingPunct="1">
-                        <a:lnSpc>
-                          <a:spcPct val="100000"/>
-                        </a:lnSpc>
-                        <a:spcBef>
-                          <a:spcPts val="0"/>
-                        </a:spcBef>
-                        <a:spcAft>
-                          <a:spcPts val="0"/>
-                        </a:spcAft>
-                        <a:buClrTx/>
-                        <a:buSzTx/>
-                        <a:buFontTx/>
-                        <a:buNone/>
-                        <a:tabLst/>
-                        <a:defRPr/>
-                      </a:pPr>
-                      <a:r>
-                        <a:rPr lang="en-US" dirty="0" smtClean="0"/>
-                        <a:t>(Shippable)</a:t>
-                      </a:r>
-                    </a:p>
-                  </a:txBody>
-                  <a:tcPr/>
-                </a:tc>
-              </a:tr>
-              <a:tr h="370840">
-                <a:tc>
-                  <a:txBody>
-                    <a:bodyPr/>
-                    <a:lstStyle/>
-                    <a:p>
-                      <a:endParaRPr lang="en-US" dirty="0"/>
-                    </a:p>
-                  </a:txBody>
-                  <a:tcPr/>
-                </a:tc>
-                <a:tc>
-                  <a:txBody>
-                    <a:bodyPr/>
-                    <a:lstStyle/>
-                    <a:p>
-                      <a:r>
-                        <a:rPr lang="en-US" dirty="0" smtClean="0"/>
-                        <a:t>Hypervisors</a:t>
-                      </a:r>
-                      <a:r>
-                        <a:rPr lang="en-US" baseline="0" dirty="0" smtClean="0"/>
-                        <a:t> </a:t>
-                      </a:r>
-                      <a:br>
-                        <a:rPr lang="en-US" baseline="0" dirty="0" smtClean="0"/>
-                      </a:br>
-                      <a:r>
-                        <a:rPr lang="en-US" baseline="0" dirty="0" smtClean="0"/>
-                        <a:t>(</a:t>
-                      </a:r>
-                      <a:r>
-                        <a:rPr lang="en-US" dirty="0" smtClean="0"/>
-                        <a:t>VMware)</a:t>
-                      </a:r>
-                      <a:endParaRPr lang="en-US" dirty="0"/>
-                    </a:p>
-                  </a:txBody>
-                  <a:tcPr/>
-                </a:tc>
-                <a:tc>
-                  <a:txBody>
-                    <a:bodyPr/>
-                    <a:lstStyle/>
-                    <a:p>
-                      <a:pPr marL="0" marR="0" indent="0" algn="l" defTabSz="686806" rtl="0" eaLnBrk="1" fontAlgn="auto" latinLnBrk="0" hangingPunct="1">
-                        <a:lnSpc>
-                          <a:spcPct val="100000"/>
-                        </a:lnSpc>
-                        <a:spcBef>
-                          <a:spcPts val="0"/>
-                        </a:spcBef>
-                        <a:spcAft>
-                          <a:spcPts val="0"/>
-                        </a:spcAft>
-                        <a:buClrTx/>
-                        <a:buSzTx/>
-                        <a:buFontTx/>
-                        <a:buNone/>
-                        <a:tabLst/>
-                        <a:defRPr/>
-                      </a:pPr>
-                      <a:r>
-                        <a:rPr lang="en-US" dirty="0" smtClean="0"/>
-                        <a:t>Containers</a:t>
-                      </a:r>
-                      <a:r>
-                        <a:rPr lang="en-US" baseline="0" dirty="0" smtClean="0"/>
-                        <a:t> </a:t>
-                      </a:r>
-                      <a:br>
-                        <a:rPr lang="en-US" baseline="0" dirty="0" smtClean="0"/>
-                      </a:br>
-                      <a:r>
-                        <a:rPr lang="en-US" dirty="0" smtClean="0"/>
-                        <a:t>(Docker)</a:t>
-                      </a:r>
-                    </a:p>
-                  </a:txBody>
-                  <a:tcPr/>
-                </a:tc>
-              </a:tr>
-              <a:tr h="370840">
-                <a:tc>
-                  <a:txBody>
-                    <a:bodyPr/>
-                    <a:lstStyle/>
-                    <a:p>
-                      <a:r>
-                        <a:rPr lang="en-US" dirty="0" smtClean="0"/>
-                        <a:t>KVM</a:t>
-                      </a:r>
-                      <a:endParaRPr lang="en-US" dirty="0"/>
-                    </a:p>
-                  </a:txBody>
-                  <a:tcPr/>
-                </a:tc>
-                <a:tc>
-                  <a:txBody>
-                    <a:bodyPr/>
-                    <a:lstStyle/>
-                    <a:p>
-                      <a:pPr marL="0" marR="0" indent="0" algn="l" defTabSz="686806" rtl="0" eaLnBrk="1" fontAlgn="auto" latinLnBrk="0" hangingPunct="1">
-                        <a:lnSpc>
-                          <a:spcPct val="100000"/>
-                        </a:lnSpc>
-                        <a:spcBef>
-                          <a:spcPts val="0"/>
-                        </a:spcBef>
-                        <a:spcAft>
-                          <a:spcPts val="0"/>
-                        </a:spcAft>
-                        <a:buClrTx/>
-                        <a:buSzTx/>
-                        <a:buFontTx/>
-                        <a:buNone/>
-                        <a:tabLst/>
-                        <a:defRPr/>
-                      </a:pPr>
-                      <a:r>
-                        <a:rPr lang="en-US" dirty="0" smtClean="0"/>
-                        <a:t>On-premises to Cloud</a:t>
-                      </a:r>
-                    </a:p>
-                  </a:txBody>
-                  <a:tcPr/>
-                </a:tc>
-                <a:tc>
-                  <a:txBody>
-                    <a:bodyPr/>
-                    <a:lstStyle/>
-                    <a:p>
-                      <a:r>
-                        <a:rPr lang="en-US" dirty="0" smtClean="0"/>
-                        <a:t>Hybrid Cloud &amp; On-premises</a:t>
-                      </a:r>
-                      <a:endParaRPr lang="en-US" dirty="0"/>
-                    </a:p>
-                  </a:txBody>
-                  <a:tcPr/>
-                </a:tc>
-              </a:tr>
-              <a:tr h="370840">
-                <a:tc>
-                  <a:txBody>
-                    <a:bodyPr/>
-                    <a:lstStyle/>
-                    <a:p>
-                      <a:endParaRPr lang="en-US"/>
-                    </a:p>
-                  </a:txBody>
-                  <a:tcPr/>
-                </a:tc>
-                <a:tc>
-                  <a:txBody>
-                    <a:bodyPr/>
-                    <a:lstStyle/>
-                    <a:p>
-                      <a:r>
-                        <a:rPr lang="it-IT" dirty="0" smtClean="0"/>
-                        <a:t>Imperative scripts</a:t>
-                      </a:r>
-                      <a:br>
-                        <a:rPr lang="it-IT" dirty="0" smtClean="0"/>
-                      </a:br>
-                      <a:r>
-                        <a:rPr lang="it-IT" dirty="0" smtClean="0"/>
-                        <a:t>(Puppet)</a:t>
-                      </a:r>
-                      <a:endParaRPr lang="en-US" dirty="0"/>
-                    </a:p>
-                  </a:txBody>
-                  <a:tcPr/>
-                </a:tc>
-                <a:tc>
-                  <a:txBody>
-                    <a:bodyPr/>
-                    <a:lstStyle/>
-                    <a:p>
-                      <a:r>
-                        <a:rPr lang="en-US" dirty="0" smtClean="0"/>
-                        <a:t>Declarative specifications</a:t>
-                      </a:r>
-                      <a:br>
-                        <a:rPr lang="en-US" dirty="0" smtClean="0"/>
-                      </a:br>
-                      <a:r>
-                        <a:rPr lang="en-US" dirty="0" smtClean="0"/>
-                        <a:t>(Ansible)</a:t>
-                      </a:r>
-                      <a:endParaRPr lang="en-US" dirty="0"/>
-                    </a:p>
-                  </a:txBody>
-                  <a:tcPr/>
-                </a:tc>
-              </a:tr>
-              <a:tr h="370840">
-                <a:tc>
-                  <a:txBody>
-                    <a:bodyPr/>
-                    <a:lstStyle/>
-                    <a:p>
-                      <a:endParaRPr lang="en-US" dirty="0"/>
-                    </a:p>
-                  </a:txBody>
-                  <a:tcPr/>
-                </a:tc>
-                <a:tc>
-                  <a:txBody>
-                    <a:bodyPr/>
-                    <a:lstStyle/>
-                    <a:p>
-                      <a:r>
-                        <a:rPr lang="en-US" dirty="0" smtClean="0"/>
-                        <a:t>Build each from</a:t>
-                      </a:r>
-                      <a:r>
-                        <a:rPr lang="en-US" baseline="0" dirty="0" smtClean="0"/>
-                        <a:t> scratch</a:t>
-                      </a:r>
-                      <a:endParaRPr lang="en-US" dirty="0"/>
-                    </a:p>
-                  </a:txBody>
-                  <a:tcPr/>
-                </a:tc>
-                <a:tc>
-                  <a:txBody>
-                    <a:bodyPr/>
-                    <a:lstStyle/>
-                    <a:p>
-                      <a:r>
-                        <a:rPr lang="en-US" dirty="0" smtClean="0"/>
-                        <a:t>(Artifactory)</a:t>
-                      </a:r>
-                      <a:endParaRPr lang="en-US" dirty="0"/>
-                    </a:p>
-                  </a:txBody>
-                  <a:tcPr/>
-                </a:tc>
-              </a:tr>
-              <a:tr h="370840">
-                <a:tc>
-                  <a:txBody>
-                    <a:bodyPr/>
-                    <a:lstStyle/>
-                    <a:p>
-                      <a:endParaRPr lang="en-US" dirty="0"/>
-                    </a:p>
-                  </a:txBody>
-                  <a:tcPr/>
-                </a:tc>
-                <a:tc>
-                  <a:txBody>
-                    <a:bodyPr/>
-                    <a:lstStyle/>
-                    <a:p>
-                      <a:r>
-                        <a:rPr lang="en-US" dirty="0" smtClean="0"/>
-                        <a:t>SSH to</a:t>
-                      </a:r>
-                      <a:r>
-                        <a:rPr lang="en-US" baseline="0" dirty="0" smtClean="0"/>
-                        <a:t> fix machines</a:t>
-                      </a:r>
-                      <a:endParaRPr lang="en-US" dirty="0"/>
-                    </a:p>
-                  </a:txBody>
-                  <a:tcPr/>
-                </a:tc>
-                <a:tc>
-                  <a:txBody>
-                    <a:bodyPr/>
-                    <a:lstStyle/>
-                    <a:p>
-                      <a:r>
-                        <a:rPr lang="en-US" dirty="0" smtClean="0"/>
-                        <a:t>SSH only to setup machines</a:t>
-                      </a:r>
-                      <a:endParaRPr lang="en-US" dirty="0"/>
-                    </a:p>
-                  </a:txBody>
-                  <a:tcPr/>
-                </a:tc>
-              </a:tr>
-            </a:tbl>
-          </a:graphicData>
-        </a:graphic>
-      </p:graphicFrame>
-      <p:sp>
-        <p:nvSpPr>
-          <p:cNvPr id="5" name="Rounded Rectangle 4"/>
-          <p:cNvSpPr/>
-          <p:nvPr/>
-        </p:nvSpPr>
-        <p:spPr>
-          <a:xfrm>
-            <a:off x="628409" y="3615979"/>
-            <a:ext cx="3830746" cy="205513"/>
-          </a:xfrm>
-          <a:prstGeom prst="roundRect">
-            <a:avLst>
-              <a:gd name="adj" fmla="val 50000"/>
-            </a:avLst>
-          </a:prstGeom>
-          <a:noFill/>
-          <a:ln>
-            <a:noFill/>
-          </a:ln>
-          <a:effectLst/>
-        </p:spPr>
-        <p:style>
-          <a:lnRef idx="1">
-            <a:schemeClr val="accent1"/>
-          </a:lnRef>
-          <a:fillRef idx="3">
-            <a:schemeClr val="accent1"/>
-          </a:fillRef>
-          <a:effectRef idx="2">
-            <a:schemeClr val="accent1"/>
-          </a:effectRef>
-          <a:fontRef idx="minor">
-            <a:schemeClr val="lt1"/>
-          </a:fontRef>
-        </p:style>
-        <p:txBody>
-          <a:bodyPr anchor="ctr"/>
+        </p:nvSpPr>
+        <p:spPr>
+          <a:xfrm>
+            <a:off x="628650" y="333494"/>
+            <a:ext cx="7941244" cy="4089281"/>
+          </a:xfrm>
+        </p:spPr>
+        <p:txBody>
+          <a:bodyPr/>
           <a:lstStyle/>
           <a:p>
             <a:r>
-              <a:rPr lang="en-US" sz="600" dirty="0" smtClean="0">
-                <a:solidFill>
-                  <a:schemeClr val="bg1">
-                    <a:lumMod val="75000"/>
-                  </a:schemeClr>
-                </a:solidFill>
-                <a:latin typeface="Open Sans Light"/>
-                <a:cs typeface="Open Sans Light"/>
-              </a:rPr>
-              <a:t>devops_2.0-</a:t>
-            </a:r>
-            <a:r>
-              <a:rPr lang="en-US" sz="600" dirty="0" smtClean="0">
-                <a:solidFill>
-                  <a:schemeClr val="bg1">
-                    <a:lumMod val="75000"/>
-                  </a:schemeClr>
-                </a:solidFill>
-                <a:latin typeface="Open Sans Light"/>
-                <a:cs typeface="Open Sans Light"/>
-              </a:rPr>
-              <a:t>v01.pptx Copyright 2016 Wilson Mar.  All rights reserved.</a:t>
-            </a:r>
-            <a:endParaRPr lang="en-US" sz="600" dirty="0">
-              <a:solidFill>
-                <a:schemeClr val="bg1">
-                  <a:lumMod val="75000"/>
-                </a:schemeClr>
-              </a:solidFill>
-              <a:latin typeface="Open Sans Light"/>
-              <a:cs typeface="Open Sans Light"/>
-            </a:endParaRPr>
+              <a:rPr lang="en-US" dirty="0" smtClean="0"/>
+              <a:t>Focus on innovation</a:t>
+            </a:r>
+          </a:p>
+          <a:p>
+            <a:r>
+              <a:rPr lang="en-US" dirty="0" smtClean="0"/>
+              <a:t>Versioned source control</a:t>
+            </a:r>
+          </a:p>
+          <a:p>
+            <a:r>
+              <a:rPr lang="en-US" b="1" dirty="0" smtClean="0"/>
+              <a:t>Frictionless</a:t>
+            </a:r>
+          </a:p>
+          <a:p>
+            <a:r>
+              <a:rPr lang="en-US" dirty="0" smtClean="0"/>
+              <a:t>Fast</a:t>
+            </a:r>
+          </a:p>
+          <a:p>
+            <a:r>
+              <a:rPr lang="en-US" dirty="0" smtClean="0"/>
+              <a:t>Multi-region</a:t>
+            </a:r>
+          </a:p>
+          <a:p>
+            <a:r>
+              <a:rPr lang="en-US" dirty="0" smtClean="0"/>
+              <a:t>Multi-platform (AWS, Microsoft, Google)</a:t>
+            </a:r>
+          </a:p>
+          <a:p>
+            <a:r>
+              <a:rPr lang="en-US" dirty="0" smtClean="0"/>
+              <a:t>On-premises</a:t>
+            </a:r>
+          </a:p>
+          <a:p>
+            <a:r>
+              <a:rPr lang="en-US" dirty="0" smtClean="0"/>
+              <a:t>Arbitrage</a:t>
+            </a:r>
+          </a:p>
+          <a:p>
+            <a:r>
+              <a:rPr lang="en-US" dirty="0" smtClean="0"/>
+              <a:t>No SSH</a:t>
+            </a:r>
           </a:p>
         </p:txBody>
       </p:sp>
     </p:spTree>
     <p:extLst>
       <p:ext uri="{BB962C8B-B14F-4D97-AF65-F5344CB8AC3E}">
-        <p14:creationId xmlns:p14="http://schemas.microsoft.com/office/powerpoint/2010/main" val="3862612271"/>
+        <p14:creationId xmlns:p14="http://schemas.microsoft.com/office/powerpoint/2010/main" val="4161082294"/>
       </p:ext>
     </p:extLst>
   </p:cSld>
   <p:clrMapOvr>
     <a:masterClrMapping/>
   </p:clrMapOvr>
+  <p:timing>
+    <p:tnLst>
+      <p:par>
+        <p:cTn xmlns:p14="http://schemas.microsoft.com/office/powerpoint/2010/main" id="1" dur="indefinite" restart="never" nodeType="tmRoot"/>
+      </p:par>
+    </p:tnLst>
+  </p:timing>
 </p:sld>
 </file>
 
@@ -2911,7 +2686,1580 @@
       </p:grpSpPr>
       <p:sp>
         <p:nvSpPr>
-          <p:cNvPr id="2" name="Title 1"/>
+          <p:cNvPr id="39" name="Rectangle 38"/>
+          <p:cNvSpPr/>
+          <p:nvPr/>
+        </p:nvSpPr>
+        <p:spPr>
+          <a:xfrm>
+            <a:off x="2504023" y="627118"/>
+            <a:ext cx="4344810" cy="1352124"/>
+          </a:xfrm>
+          <a:prstGeom prst="rect">
+            <a:avLst/>
+          </a:prstGeom>
+          <a:solidFill>
+            <a:srgbClr val="548D3D"/>
+          </a:solidFill>
+          <a:ln>
+            <a:solidFill>
+              <a:schemeClr val="bg1"/>
+            </a:solidFill>
+          </a:ln>
+        </p:spPr>
+        <p:style>
+          <a:lnRef idx="2">
+            <a:schemeClr val="accent1">
+              <a:shade val="50000"/>
+            </a:schemeClr>
+          </a:lnRef>
+          <a:fillRef idx="1">
+            <a:schemeClr val="accent1"/>
+          </a:fillRef>
+          <a:effectRef idx="0">
+            <a:schemeClr val="accent1"/>
+          </a:effectRef>
+          <a:fontRef idx="minor">
+            <a:schemeClr val="lt1"/>
+          </a:fontRef>
+        </p:style>
+        <p:txBody>
+          <a:bodyPr lIns="68681" tIns="34340" rIns="68681" bIns="34340" anchor="t"/>
+          <a:lstStyle/>
+          <a:p>
+            <a:r>
+              <a:rPr lang="en-US" sz="1600" dirty="0" smtClean="0">
+                <a:latin typeface="Open Sans Light"/>
+                <a:cs typeface="Open Sans Light"/>
+              </a:rPr>
+              <a:t>Shippable</a:t>
+            </a:r>
+            <a:endParaRPr lang="en-US" sz="1600" dirty="0">
+              <a:latin typeface="Open Sans Light"/>
+              <a:cs typeface="Open Sans Light"/>
+            </a:endParaRPr>
+          </a:p>
+        </p:txBody>
+      </p:sp>
+      <p:sp>
+        <p:nvSpPr>
+          <p:cNvPr id="60" name="Rectangle 59"/>
+          <p:cNvSpPr/>
+          <p:nvPr/>
+        </p:nvSpPr>
+        <p:spPr>
+          <a:xfrm>
+            <a:off x="3954720" y="2086810"/>
+            <a:ext cx="1922629" cy="1095315"/>
+          </a:xfrm>
+          <a:prstGeom prst="rect">
+            <a:avLst/>
+          </a:prstGeom>
+          <a:solidFill>
+            <a:schemeClr val="accent1"/>
+          </a:solidFill>
+          <a:ln>
+            <a:solidFill>
+              <a:schemeClr val="bg1"/>
+            </a:solidFill>
+          </a:ln>
+        </p:spPr>
+        <p:style>
+          <a:lnRef idx="2">
+            <a:schemeClr val="accent1">
+              <a:shade val="50000"/>
+            </a:schemeClr>
+          </a:lnRef>
+          <a:fillRef idx="1">
+            <a:schemeClr val="accent1"/>
+          </a:fillRef>
+          <a:effectRef idx="0">
+            <a:schemeClr val="accent1"/>
+          </a:effectRef>
+          <a:fontRef idx="minor">
+            <a:schemeClr val="lt1"/>
+          </a:fontRef>
+        </p:style>
+        <p:txBody>
+          <a:bodyPr lIns="68681" tIns="34340" rIns="68681" bIns="34340" anchor="b"/>
+          <a:lstStyle/>
+          <a:p>
+            <a:pPr algn="ctr" defTabSz="343403" eaLnBrk="1" fontAlgn="auto" hangingPunct="1">
+              <a:spcBef>
+                <a:spcPts val="0"/>
+              </a:spcBef>
+              <a:spcAft>
+                <a:spcPts val="0"/>
+              </a:spcAft>
+              <a:defRPr/>
+            </a:pPr>
+            <a:r>
+              <a:rPr lang="en-US" sz="1600" dirty="0" smtClean="0">
+                <a:latin typeface="Open Sans Light"/>
+                <a:cs typeface="Open Sans Light"/>
+              </a:rPr>
+              <a:t>Artifactory </a:t>
+            </a:r>
+            <a:r>
+              <a:rPr lang="en-US" sz="1600" dirty="0" smtClean="0">
+                <a:latin typeface="Open Sans Light"/>
+                <a:ea typeface="Open Sans Light" charset="0"/>
+                <a:cs typeface="Open Sans Light"/>
+              </a:rPr>
+              <a:t>service</a:t>
+            </a:r>
+            <a:endParaRPr lang="en-US" sz="1600" dirty="0">
+              <a:latin typeface="Open Sans Light"/>
+              <a:ea typeface="Open Sans Light" charset="0"/>
+              <a:cs typeface="Open Sans Light"/>
+            </a:endParaRPr>
+          </a:p>
+        </p:txBody>
+      </p:sp>
+      <p:sp>
+        <p:nvSpPr>
+          <p:cNvPr id="53" name="Rounded Rectangle 52"/>
+          <p:cNvSpPr/>
+          <p:nvPr/>
+        </p:nvSpPr>
+        <p:spPr>
+          <a:xfrm>
+            <a:off x="7071050" y="493618"/>
+            <a:ext cx="1556060" cy="2471164"/>
+          </a:xfrm>
+          <a:prstGeom prst="roundRect">
+            <a:avLst/>
+          </a:prstGeom>
+          <a:solidFill>
+            <a:srgbClr val="548D3D"/>
+          </a:solidFill>
+          <a:ln>
+            <a:solidFill>
+              <a:schemeClr val="bg1"/>
+            </a:solidFill>
+          </a:ln>
+        </p:spPr>
+        <p:style>
+          <a:lnRef idx="2">
+            <a:schemeClr val="accent1">
+              <a:shade val="50000"/>
+            </a:schemeClr>
+          </a:lnRef>
+          <a:fillRef idx="1">
+            <a:schemeClr val="accent1"/>
+          </a:fillRef>
+          <a:effectRef idx="0">
+            <a:schemeClr val="accent1"/>
+          </a:effectRef>
+          <a:fontRef idx="minor">
+            <a:schemeClr val="lt1"/>
+          </a:fontRef>
+        </p:style>
+        <p:txBody>
+          <a:bodyPr anchor="t"/>
+          <a:lstStyle/>
+          <a:p>
+            <a:pPr algn="ctr"/>
+            <a:r>
+              <a:rPr lang="en-US" sz="1600" dirty="0" smtClean="0">
+                <a:latin typeface="Open Sans Light"/>
+                <a:ea typeface="Open Sans Light" charset="0"/>
+                <a:cs typeface="Open Sans Light"/>
+              </a:rPr>
+              <a:t>run</a:t>
+            </a:r>
+            <a:br>
+              <a:rPr lang="en-US" sz="1600" dirty="0" smtClean="0">
+                <a:latin typeface="Open Sans Light"/>
+                <a:ea typeface="Open Sans Light" charset="0"/>
+                <a:cs typeface="Open Sans Light"/>
+              </a:rPr>
+            </a:br>
+            <a:r>
+              <a:rPr lang="en-US" sz="1600" dirty="0" smtClean="0">
+                <a:latin typeface="Open Sans Light"/>
+                <a:ea typeface="Open Sans Light" charset="0"/>
+                <a:cs typeface="Open Sans Light"/>
+              </a:rPr>
+              <a:t>environment</a:t>
+            </a:r>
+            <a:endParaRPr lang="en-US" sz="1600" dirty="0">
+              <a:latin typeface="Open Sans Light"/>
+              <a:ea typeface="Open Sans Light" charset="0"/>
+              <a:cs typeface="Open Sans Light"/>
+            </a:endParaRPr>
+          </a:p>
+          <a:p>
+            <a:pPr algn="ctr"/>
+            <a:endParaRPr lang="en-US" sz="1600" dirty="0">
+              <a:latin typeface="Open Sans Light"/>
+              <a:cs typeface="Open Sans Light"/>
+            </a:endParaRPr>
+          </a:p>
+        </p:txBody>
+      </p:sp>
+      <p:cxnSp>
+        <p:nvCxnSpPr>
+          <p:cNvPr id="40" name="Straight Arrow Connector 39"/>
+          <p:cNvCxnSpPr>
+            <a:stCxn id="38" idx="3"/>
+            <a:endCxn id="18" idx="1"/>
+          </p:cNvCxnSpPr>
+          <p:nvPr/>
+        </p:nvCxnSpPr>
+        <p:spPr>
+          <a:xfrm>
+            <a:off x="3718271" y="1410812"/>
+            <a:ext cx="3679607" cy="2287"/>
+          </a:xfrm>
+          <a:prstGeom prst="straightConnector1">
+            <a:avLst/>
+          </a:prstGeom>
+          <a:ln>
+            <a:solidFill>
+              <a:schemeClr val="tx1"/>
+            </a:solidFill>
+            <a:prstDash val="dash"/>
+            <a:tailEnd type="triangle" w="lg" len="lg"/>
+          </a:ln>
+        </p:spPr>
+        <p:style>
+          <a:lnRef idx="1">
+            <a:schemeClr val="accent1"/>
+          </a:lnRef>
+          <a:fillRef idx="0">
+            <a:schemeClr val="accent1"/>
+          </a:fillRef>
+          <a:effectRef idx="0">
+            <a:schemeClr val="accent1"/>
+          </a:effectRef>
+          <a:fontRef idx="minor">
+            <a:schemeClr val="tx1"/>
+          </a:fontRef>
+        </p:style>
+      </p:cxnSp>
+      <p:sp>
+        <p:nvSpPr>
+          <p:cNvPr id="15" name="TextBox 14"/>
+          <p:cNvSpPr txBox="1"/>
+          <p:nvPr/>
+        </p:nvSpPr>
+        <p:spPr>
+          <a:xfrm>
+            <a:off x="6033957" y="314876"/>
+            <a:ext cx="1079442" cy="338554"/>
+          </a:xfrm>
+          <a:prstGeom prst="rect">
+            <a:avLst/>
+          </a:prstGeom>
+          <a:noFill/>
+        </p:spPr>
+        <p:txBody>
+          <a:bodyPr wrap="none" rtlCol="0">
+            <a:spAutoFit/>
+          </a:bodyPr>
+          <a:lstStyle/>
+          <a:p>
+            <a:pPr algn="ctr"/>
+            <a:r>
+              <a:rPr lang="en-US" sz="1600" dirty="0" smtClean="0">
+                <a:solidFill>
+                  <a:srgbClr val="548D3D"/>
+                </a:solidFill>
+                <a:latin typeface="Open Sans Light"/>
+                <a:cs typeface="Open Sans Light"/>
+              </a:rPr>
+              <a:t>provision:</a:t>
+            </a:r>
+            <a:endParaRPr lang="en-US" sz="1600" dirty="0">
+              <a:solidFill>
+                <a:srgbClr val="548D3D"/>
+              </a:solidFill>
+              <a:latin typeface="Open Sans Light"/>
+              <a:cs typeface="Open Sans Light"/>
+            </a:endParaRPr>
+          </a:p>
+        </p:txBody>
+      </p:sp>
+      <p:sp>
+        <p:nvSpPr>
+          <p:cNvPr id="16" name="TextBox 15"/>
+          <p:cNvSpPr txBox="1"/>
+          <p:nvPr/>
+        </p:nvSpPr>
+        <p:spPr>
+          <a:xfrm>
+            <a:off x="2253703" y="314876"/>
+            <a:ext cx="1253969" cy="338554"/>
+          </a:xfrm>
+          <a:prstGeom prst="rect">
+            <a:avLst/>
+          </a:prstGeom>
+          <a:noFill/>
+        </p:spPr>
+        <p:txBody>
+          <a:bodyPr wrap="none" rtlCol="0">
+            <a:spAutoFit/>
+          </a:bodyPr>
+          <a:lstStyle/>
+          <a:p>
+            <a:pPr algn="ctr"/>
+            <a:r>
+              <a:rPr lang="en-US" sz="1600" dirty="0" smtClean="0">
+                <a:latin typeface="Open Sans Light"/>
+                <a:cs typeface="Open Sans Light"/>
+              </a:rPr>
+              <a:t>declarative:</a:t>
+            </a:r>
+            <a:endParaRPr lang="en-US" sz="1600" dirty="0">
+              <a:latin typeface="Open Sans Light"/>
+              <a:cs typeface="Open Sans Light"/>
+            </a:endParaRPr>
+          </a:p>
+        </p:txBody>
+      </p:sp>
+      <p:sp>
+        <p:nvSpPr>
+          <p:cNvPr id="25" name="Can 24"/>
+          <p:cNvSpPr/>
+          <p:nvPr/>
+        </p:nvSpPr>
+        <p:spPr>
+          <a:xfrm>
+            <a:off x="4198234" y="2231170"/>
+            <a:ext cx="1427228" cy="611020"/>
+          </a:xfrm>
+          <a:prstGeom prst="can">
+            <a:avLst/>
+          </a:prstGeom>
+          <a:solidFill>
+            <a:schemeClr val="tx2"/>
+          </a:solidFill>
+          <a:ln>
+            <a:solidFill>
+              <a:schemeClr val="bg1"/>
+            </a:solidFill>
+          </a:ln>
+        </p:spPr>
+        <p:style>
+          <a:lnRef idx="2">
+            <a:schemeClr val="accent1">
+              <a:shade val="50000"/>
+            </a:schemeClr>
+          </a:lnRef>
+          <a:fillRef idx="1">
+            <a:schemeClr val="accent1"/>
+          </a:fillRef>
+          <a:effectRef idx="0">
+            <a:schemeClr val="accent1"/>
+          </a:effectRef>
+          <a:fontRef idx="minor">
+            <a:schemeClr val="lt1"/>
+          </a:fontRef>
+        </p:style>
+        <p:txBody>
+          <a:bodyPr/>
+          <a:lstStyle/>
+          <a:p>
+            <a:pPr algn="ctr"/>
+            <a:r>
+              <a:rPr lang="en-US" sz="1600" dirty="0" smtClean="0">
+                <a:latin typeface="Open Sans Light"/>
+                <a:cs typeface="Open Sans Light"/>
+              </a:rPr>
+              <a:t>build images</a:t>
+            </a:r>
+            <a:endParaRPr lang="en-US" sz="1600" dirty="0">
+              <a:latin typeface="Open Sans Light"/>
+              <a:cs typeface="Open Sans Light"/>
+            </a:endParaRPr>
+          </a:p>
+        </p:txBody>
+      </p:sp>
+      <p:sp>
+        <p:nvSpPr>
+          <p:cNvPr id="26" name="Can 25"/>
+          <p:cNvSpPr/>
+          <p:nvPr/>
+        </p:nvSpPr>
+        <p:spPr>
+          <a:xfrm>
+            <a:off x="792173" y="301205"/>
+            <a:ext cx="1443315" cy="1010910"/>
+          </a:xfrm>
+          <a:prstGeom prst="can">
+            <a:avLst/>
+          </a:prstGeom>
+          <a:solidFill>
+            <a:srgbClr val="FF6600"/>
+          </a:solidFill>
+          <a:ln>
+            <a:solidFill>
+              <a:schemeClr val="bg1"/>
+            </a:solidFill>
+          </a:ln>
+        </p:spPr>
+        <p:style>
+          <a:lnRef idx="2">
+            <a:schemeClr val="accent1">
+              <a:shade val="50000"/>
+            </a:schemeClr>
+          </a:lnRef>
+          <a:fillRef idx="1">
+            <a:schemeClr val="accent1"/>
+          </a:fillRef>
+          <a:effectRef idx="0">
+            <a:schemeClr val="accent1"/>
+          </a:effectRef>
+          <a:fontRef idx="minor">
+            <a:schemeClr val="lt1"/>
+          </a:fontRef>
+        </p:style>
+        <p:txBody>
+          <a:bodyPr/>
+          <a:lstStyle/>
+          <a:p>
+            <a:pPr algn="ctr"/>
+            <a:endParaRPr lang="en-US" sz="1600" dirty="0">
+              <a:latin typeface="Open Sans Light"/>
+              <a:cs typeface="Open Sans Light"/>
+            </a:endParaRPr>
+          </a:p>
+        </p:txBody>
+      </p:sp>
+      <p:cxnSp>
+        <p:nvCxnSpPr>
+          <p:cNvPr id="24" name="Straight Arrow Connector 23"/>
+          <p:cNvCxnSpPr>
+            <a:stCxn id="26" idx="4"/>
+            <a:endCxn id="38" idx="1"/>
+          </p:cNvCxnSpPr>
+          <p:nvPr/>
+        </p:nvCxnSpPr>
+        <p:spPr>
+          <a:xfrm>
+            <a:off x="2235488" y="806660"/>
+            <a:ext cx="452083" cy="604152"/>
+          </a:xfrm>
+          <a:prstGeom prst="straightConnector1">
+            <a:avLst/>
+          </a:prstGeom>
+          <a:ln>
+            <a:solidFill>
+              <a:schemeClr val="tx1"/>
+            </a:solidFill>
+            <a:tailEnd type="triangle" w="lg" len="lg"/>
+          </a:ln>
+        </p:spPr>
+        <p:style>
+          <a:lnRef idx="1">
+            <a:schemeClr val="accent1"/>
+          </a:lnRef>
+          <a:fillRef idx="0">
+            <a:schemeClr val="accent1"/>
+          </a:fillRef>
+          <a:effectRef idx="0">
+            <a:schemeClr val="accent1"/>
+          </a:effectRef>
+          <a:fontRef idx="minor">
+            <a:schemeClr val="tx1"/>
+          </a:fontRef>
+        </p:style>
+      </p:cxnSp>
+      <p:cxnSp>
+        <p:nvCxnSpPr>
+          <p:cNvPr id="33" name="Straight Arrow Connector 32"/>
+          <p:cNvCxnSpPr>
+            <a:stCxn id="38" idx="3"/>
+            <a:endCxn id="25" idx="2"/>
+          </p:cNvCxnSpPr>
+          <p:nvPr/>
+        </p:nvCxnSpPr>
+        <p:spPr>
+          <a:xfrm>
+            <a:off x="3718271" y="1410812"/>
+            <a:ext cx="479963" cy="1125868"/>
+          </a:xfrm>
+          <a:prstGeom prst="straightConnector1">
+            <a:avLst/>
+          </a:prstGeom>
+          <a:ln>
+            <a:solidFill>
+              <a:schemeClr val="tx1"/>
+            </a:solidFill>
+            <a:tailEnd type="triangle" w="lg" len="lg"/>
+          </a:ln>
+        </p:spPr>
+        <p:style>
+          <a:lnRef idx="1">
+            <a:schemeClr val="accent1"/>
+          </a:lnRef>
+          <a:fillRef idx="0">
+            <a:schemeClr val="accent1"/>
+          </a:fillRef>
+          <a:effectRef idx="0">
+            <a:schemeClr val="accent1"/>
+          </a:effectRef>
+          <a:fontRef idx="minor">
+            <a:schemeClr val="tx1"/>
+          </a:fontRef>
+        </p:style>
+      </p:cxnSp>
+      <p:sp>
+        <p:nvSpPr>
+          <p:cNvPr id="36" name="Rectangle 35"/>
+          <p:cNvSpPr/>
+          <p:nvPr/>
+        </p:nvSpPr>
+        <p:spPr>
+          <a:xfrm>
+            <a:off x="650707" y="1402602"/>
+            <a:ext cx="1563792" cy="1614665"/>
+          </a:xfrm>
+          <a:prstGeom prst="rect">
+            <a:avLst/>
+          </a:prstGeom>
+          <a:solidFill>
+            <a:schemeClr val="accent1"/>
+          </a:solidFill>
+          <a:ln>
+            <a:solidFill>
+              <a:schemeClr val="bg1"/>
+            </a:solidFill>
+          </a:ln>
+        </p:spPr>
+        <p:style>
+          <a:lnRef idx="2">
+            <a:schemeClr val="accent1">
+              <a:shade val="50000"/>
+            </a:schemeClr>
+          </a:lnRef>
+          <a:fillRef idx="1">
+            <a:schemeClr val="accent1"/>
+          </a:fillRef>
+          <a:effectRef idx="0">
+            <a:schemeClr val="accent1"/>
+          </a:effectRef>
+          <a:fontRef idx="minor">
+            <a:schemeClr val="lt1"/>
+          </a:fontRef>
+        </p:style>
+        <p:txBody>
+          <a:bodyPr lIns="68681" tIns="34340" rIns="68681" bIns="34340" anchor="b"/>
+          <a:lstStyle/>
+          <a:p>
+            <a:pPr algn="ctr" defTabSz="343403" eaLnBrk="1" fontAlgn="auto" hangingPunct="1">
+              <a:spcBef>
+                <a:spcPts val="0"/>
+              </a:spcBef>
+              <a:spcAft>
+                <a:spcPts val="0"/>
+              </a:spcAft>
+              <a:defRPr/>
+            </a:pPr>
+            <a:r>
+              <a:rPr lang="en-US" sz="1600" dirty="0" smtClean="0">
+                <a:latin typeface="Open Sans Light"/>
+                <a:ea typeface="Open Sans Light" charset="0"/>
+                <a:cs typeface="Open Sans Light"/>
+              </a:rPr>
+              <a:t>container registry</a:t>
+            </a:r>
+            <a:endParaRPr lang="en-US" sz="1600" dirty="0">
+              <a:latin typeface="Open Sans Light"/>
+              <a:ea typeface="Open Sans Light" charset="0"/>
+              <a:cs typeface="Open Sans Light"/>
+            </a:endParaRPr>
+          </a:p>
+        </p:txBody>
+      </p:sp>
+      <p:sp>
+        <p:nvSpPr>
+          <p:cNvPr id="37" name="Can 36"/>
+          <p:cNvSpPr/>
+          <p:nvPr/>
+        </p:nvSpPr>
+        <p:spPr>
+          <a:xfrm>
+            <a:off x="796796" y="1575801"/>
+            <a:ext cx="1249776" cy="822960"/>
+          </a:xfrm>
+          <a:prstGeom prst="can">
+            <a:avLst/>
+          </a:prstGeom>
+          <a:solidFill>
+            <a:schemeClr val="tx2"/>
+          </a:solidFill>
+          <a:ln>
+            <a:solidFill>
+              <a:schemeClr val="bg1"/>
+            </a:solidFill>
+          </a:ln>
+        </p:spPr>
+        <p:style>
+          <a:lnRef idx="2">
+            <a:schemeClr val="accent1">
+              <a:shade val="50000"/>
+            </a:schemeClr>
+          </a:lnRef>
+          <a:fillRef idx="1">
+            <a:schemeClr val="accent1"/>
+          </a:fillRef>
+          <a:effectRef idx="0">
+            <a:schemeClr val="accent1"/>
+          </a:effectRef>
+          <a:fontRef idx="minor">
+            <a:schemeClr val="lt1"/>
+          </a:fontRef>
+        </p:style>
+        <p:txBody>
+          <a:bodyPr/>
+          <a:lstStyle/>
+          <a:p>
+            <a:pPr algn="ctr"/>
+            <a:r>
+              <a:rPr lang="en-US" sz="1600" dirty="0" smtClean="0">
+                <a:latin typeface="Open Sans Light"/>
+                <a:cs typeface="Open Sans Light"/>
+              </a:rPr>
+              <a:t>Docker</a:t>
+            </a:r>
+            <a:br>
+              <a:rPr lang="en-US" sz="1600" dirty="0" smtClean="0">
+                <a:latin typeface="Open Sans Light"/>
+                <a:cs typeface="Open Sans Light"/>
+              </a:rPr>
+            </a:br>
+            <a:r>
+              <a:rPr lang="en-US" sz="1600" dirty="0" smtClean="0">
+                <a:latin typeface="Open Sans Light"/>
+                <a:cs typeface="Open Sans Light"/>
+              </a:rPr>
+              <a:t>containers</a:t>
+            </a:r>
+            <a:endParaRPr lang="en-US" sz="1600" dirty="0">
+              <a:latin typeface="Open Sans Light"/>
+              <a:cs typeface="Open Sans Light"/>
+            </a:endParaRPr>
+          </a:p>
+        </p:txBody>
+      </p:sp>
+      <p:sp>
+        <p:nvSpPr>
+          <p:cNvPr id="38" name="Rounded Rectangle 37"/>
+          <p:cNvSpPr/>
+          <p:nvPr/>
+        </p:nvSpPr>
+        <p:spPr>
+          <a:xfrm>
+            <a:off x="2687571" y="955251"/>
+            <a:ext cx="1030700" cy="911121"/>
+          </a:xfrm>
+          <a:prstGeom prst="roundRect">
+            <a:avLst/>
+          </a:prstGeom>
+          <a:solidFill>
+            <a:schemeClr val="tx2"/>
+          </a:solidFill>
+          <a:ln>
+            <a:solidFill>
+              <a:schemeClr val="bg1"/>
+            </a:solidFill>
+          </a:ln>
+        </p:spPr>
+        <p:style>
+          <a:lnRef idx="2">
+            <a:schemeClr val="accent1">
+              <a:shade val="50000"/>
+            </a:schemeClr>
+          </a:lnRef>
+          <a:fillRef idx="1">
+            <a:schemeClr val="accent1"/>
+          </a:fillRef>
+          <a:effectRef idx="0">
+            <a:schemeClr val="accent1"/>
+          </a:effectRef>
+          <a:fontRef idx="minor">
+            <a:schemeClr val="lt1"/>
+          </a:fontRef>
+        </p:style>
+        <p:txBody>
+          <a:bodyPr/>
+          <a:lstStyle/>
+          <a:p>
+            <a:pPr algn="ctr"/>
+            <a:r>
+              <a:rPr lang="en-US" sz="1600" dirty="0" smtClean="0">
+                <a:latin typeface="Open Sans Light"/>
+                <a:cs typeface="Open Sans Light"/>
+              </a:rPr>
+              <a:t>CI/CD</a:t>
+            </a:r>
+            <a:br>
+              <a:rPr lang="en-US" sz="1600" dirty="0" smtClean="0">
+                <a:latin typeface="Open Sans Light"/>
+                <a:cs typeface="Open Sans Light"/>
+              </a:rPr>
+            </a:br>
+            <a:r>
+              <a:rPr lang="en-US" sz="1600" dirty="0" smtClean="0">
+                <a:latin typeface="Open Sans Light"/>
+                <a:cs typeface="Open Sans Light"/>
+              </a:rPr>
+              <a:t>(Jenkins)</a:t>
+            </a:r>
+            <a:br>
+              <a:rPr lang="en-US" sz="1600" dirty="0" smtClean="0">
+                <a:latin typeface="Open Sans Light"/>
+                <a:cs typeface="Open Sans Light"/>
+              </a:rPr>
+            </a:br>
+            <a:r>
+              <a:rPr lang="en-US" sz="1600" dirty="0" smtClean="0">
+                <a:latin typeface="Open Sans Light"/>
+                <a:cs typeface="Open Sans Light"/>
+              </a:rPr>
+              <a:t>build</a:t>
+            </a:r>
+            <a:endParaRPr lang="en-US" sz="1600" dirty="0">
+              <a:latin typeface="Open Sans Light"/>
+              <a:cs typeface="Open Sans Light"/>
+            </a:endParaRPr>
+          </a:p>
+        </p:txBody>
+      </p:sp>
+      <p:cxnSp>
+        <p:nvCxnSpPr>
+          <p:cNvPr id="43" name="Straight Arrow Connector 42"/>
+          <p:cNvCxnSpPr>
+            <a:stCxn id="37" idx="4"/>
+            <a:endCxn id="38" idx="1"/>
+          </p:cNvCxnSpPr>
+          <p:nvPr/>
+        </p:nvCxnSpPr>
+        <p:spPr>
+          <a:xfrm flipV="1">
+            <a:off x="2046572" y="1410812"/>
+            <a:ext cx="640999" cy="576469"/>
+          </a:xfrm>
+          <a:prstGeom prst="straightConnector1">
+            <a:avLst/>
+          </a:prstGeom>
+          <a:ln>
+            <a:solidFill>
+              <a:schemeClr val="tx1"/>
+            </a:solidFill>
+            <a:tailEnd type="triangle" w="lg" len="lg"/>
+          </a:ln>
+        </p:spPr>
+        <p:style>
+          <a:lnRef idx="1">
+            <a:schemeClr val="accent1"/>
+          </a:lnRef>
+          <a:fillRef idx="0">
+            <a:schemeClr val="accent1"/>
+          </a:fillRef>
+          <a:effectRef idx="0">
+            <a:schemeClr val="accent1"/>
+          </a:effectRef>
+          <a:fontRef idx="minor">
+            <a:schemeClr val="tx1"/>
+          </a:fontRef>
+        </p:style>
+      </p:cxnSp>
+      <p:sp>
+        <p:nvSpPr>
+          <p:cNvPr id="18" name="Rectangle 17"/>
+          <p:cNvSpPr/>
+          <p:nvPr/>
+        </p:nvSpPr>
+        <p:spPr>
+          <a:xfrm>
+            <a:off x="7397878" y="1218906"/>
+            <a:ext cx="903882" cy="388386"/>
+          </a:xfrm>
+          <a:prstGeom prst="rect">
+            <a:avLst/>
+          </a:prstGeom>
+          <a:solidFill>
+            <a:srgbClr val="548D3D"/>
+          </a:solidFill>
+          <a:ln>
+            <a:solidFill>
+              <a:schemeClr val="bg1"/>
+            </a:solidFill>
+          </a:ln>
+        </p:spPr>
+        <p:style>
+          <a:lnRef idx="2">
+            <a:schemeClr val="accent1">
+              <a:shade val="50000"/>
+            </a:schemeClr>
+          </a:lnRef>
+          <a:fillRef idx="1">
+            <a:schemeClr val="accent1"/>
+          </a:fillRef>
+          <a:effectRef idx="0">
+            <a:schemeClr val="accent1"/>
+          </a:effectRef>
+          <a:fontRef idx="minor">
+            <a:schemeClr val="lt1"/>
+          </a:fontRef>
+        </p:style>
+        <p:txBody>
+          <a:bodyPr lIns="68681" tIns="34340" rIns="68681" bIns="34340" anchor="ctr"/>
+          <a:lstStyle/>
+          <a:p>
+            <a:pPr algn="ctr" defTabSz="343403" eaLnBrk="1" fontAlgn="auto" hangingPunct="1">
+              <a:spcBef>
+                <a:spcPts val="0"/>
+              </a:spcBef>
+              <a:spcAft>
+                <a:spcPts val="0"/>
+              </a:spcAft>
+              <a:defRPr/>
+            </a:pPr>
+            <a:r>
+              <a:rPr lang="en-US" sz="1600" dirty="0" smtClean="0">
+                <a:latin typeface="Open Sans Light"/>
+                <a:ea typeface="Open Sans Light" charset="0"/>
+                <a:cs typeface="Open Sans Light"/>
+              </a:rPr>
+              <a:t>servers</a:t>
+            </a:r>
+            <a:endParaRPr lang="en-US" sz="1600" dirty="0">
+              <a:latin typeface="Open Sans Light"/>
+              <a:ea typeface="Open Sans Light" charset="0"/>
+              <a:cs typeface="Open Sans Light"/>
+            </a:endParaRPr>
+          </a:p>
+        </p:txBody>
+      </p:sp>
+      <p:sp>
+        <p:nvSpPr>
+          <p:cNvPr id="62" name="TextBox 61"/>
+          <p:cNvSpPr txBox="1"/>
+          <p:nvPr/>
+        </p:nvSpPr>
+        <p:spPr>
+          <a:xfrm>
+            <a:off x="5636303" y="671788"/>
+            <a:ext cx="1048284" cy="338554"/>
+          </a:xfrm>
+          <a:prstGeom prst="rect">
+            <a:avLst/>
+          </a:prstGeom>
+          <a:noFill/>
+        </p:spPr>
+        <p:txBody>
+          <a:bodyPr wrap="none" rtlCol="0">
+            <a:spAutoFit/>
+          </a:bodyPr>
+          <a:lstStyle/>
+          <a:p>
+            <a:pPr algn="ctr"/>
+            <a:r>
+              <a:rPr lang="en-US" sz="1600" dirty="0" smtClean="0">
+                <a:solidFill>
+                  <a:schemeClr val="bg1"/>
+                </a:solidFill>
+                <a:latin typeface="Open Sans Light"/>
+                <a:cs typeface="Open Sans Light"/>
+              </a:rPr>
+              <a:t>“pipeline”</a:t>
+            </a:r>
+            <a:endParaRPr lang="en-US" sz="1600" dirty="0">
+              <a:solidFill>
+                <a:schemeClr val="bg1"/>
+              </a:solidFill>
+              <a:latin typeface="Open Sans Light"/>
+              <a:cs typeface="Open Sans Light"/>
+            </a:endParaRPr>
+          </a:p>
+        </p:txBody>
+      </p:sp>
+      <p:sp>
+        <p:nvSpPr>
+          <p:cNvPr id="63" name="TextBox 62"/>
+          <p:cNvSpPr txBox="1"/>
+          <p:nvPr/>
+        </p:nvSpPr>
+        <p:spPr>
+          <a:xfrm>
+            <a:off x="7238970" y="1692911"/>
+            <a:ext cx="1287632" cy="338554"/>
+          </a:xfrm>
+          <a:prstGeom prst="rect">
+            <a:avLst/>
+          </a:prstGeom>
+          <a:noFill/>
+        </p:spPr>
+        <p:txBody>
+          <a:bodyPr wrap="none" rtlCol="0">
+            <a:spAutoFit/>
+          </a:bodyPr>
+          <a:lstStyle/>
+          <a:p>
+            <a:pPr algn="ctr"/>
+            <a:r>
+              <a:rPr lang="en-US" sz="1600" dirty="0" smtClean="0">
+                <a:solidFill>
+                  <a:schemeClr val="bg1"/>
+                </a:solidFill>
+                <a:latin typeface="Open Sans Light"/>
+                <a:cs typeface="Open Sans Light"/>
+              </a:rPr>
+              <a:t>Kubernetes</a:t>
+            </a:r>
+            <a:endParaRPr lang="en-US" sz="1600" dirty="0">
+              <a:solidFill>
+                <a:schemeClr val="bg1"/>
+              </a:solidFill>
+              <a:latin typeface="Open Sans Light"/>
+              <a:cs typeface="Open Sans Light"/>
+            </a:endParaRPr>
+          </a:p>
+        </p:txBody>
+      </p:sp>
+      <p:sp>
+        <p:nvSpPr>
+          <p:cNvPr id="77" name="Rounded Rectangle 76"/>
+          <p:cNvSpPr/>
+          <p:nvPr/>
+        </p:nvSpPr>
+        <p:spPr>
+          <a:xfrm>
+            <a:off x="2285807" y="3128229"/>
+            <a:ext cx="1333850" cy="655314"/>
+          </a:xfrm>
+          <a:prstGeom prst="roundRect">
+            <a:avLst/>
+          </a:prstGeom>
+          <a:solidFill>
+            <a:schemeClr val="tx2"/>
+          </a:solidFill>
+          <a:ln>
+            <a:solidFill>
+              <a:schemeClr val="bg1"/>
+            </a:solidFill>
+          </a:ln>
+        </p:spPr>
+        <p:style>
+          <a:lnRef idx="2">
+            <a:schemeClr val="accent1">
+              <a:shade val="50000"/>
+            </a:schemeClr>
+          </a:lnRef>
+          <a:fillRef idx="1">
+            <a:schemeClr val="accent1"/>
+          </a:fillRef>
+          <a:effectRef idx="0">
+            <a:schemeClr val="accent1"/>
+          </a:effectRef>
+          <a:fontRef idx="minor">
+            <a:schemeClr val="lt1"/>
+          </a:fontRef>
+        </p:style>
+        <p:txBody>
+          <a:bodyPr/>
+          <a:lstStyle/>
+          <a:p>
+            <a:pPr algn="ctr"/>
+            <a:r>
+              <a:rPr lang="en-US" sz="1600" dirty="0" smtClean="0">
+                <a:latin typeface="Open Sans Light"/>
+                <a:cs typeface="Open Sans Light"/>
+              </a:rPr>
+              <a:t>Shippable</a:t>
+            </a:r>
+            <a:br>
+              <a:rPr lang="en-US" sz="1600" dirty="0" smtClean="0">
+                <a:latin typeface="Open Sans Light"/>
+                <a:cs typeface="Open Sans Light"/>
+              </a:rPr>
+            </a:br>
+            <a:r>
+              <a:rPr lang="en-US" sz="1600" dirty="0" smtClean="0">
+                <a:latin typeface="Open Sans Light"/>
+                <a:cs typeface="Open Sans Light"/>
+              </a:rPr>
+              <a:t>Lighthouse</a:t>
+            </a:r>
+            <a:endParaRPr lang="en-US" sz="1600" dirty="0">
+              <a:latin typeface="Open Sans Light"/>
+              <a:cs typeface="Open Sans Light"/>
+            </a:endParaRPr>
+          </a:p>
+        </p:txBody>
+      </p:sp>
+      <p:cxnSp>
+        <p:nvCxnSpPr>
+          <p:cNvPr id="78" name="Straight Arrow Connector 77"/>
+          <p:cNvCxnSpPr>
+            <a:stCxn id="37" idx="4"/>
+            <a:endCxn id="77" idx="1"/>
+          </p:cNvCxnSpPr>
+          <p:nvPr/>
+        </p:nvCxnSpPr>
+        <p:spPr>
+          <a:xfrm>
+            <a:off x="2046572" y="1987281"/>
+            <a:ext cx="239235" cy="1468605"/>
+          </a:xfrm>
+          <a:prstGeom prst="straightConnector1">
+            <a:avLst/>
+          </a:prstGeom>
+          <a:ln>
+            <a:solidFill>
+              <a:schemeClr val="tx1"/>
+            </a:solidFill>
+            <a:tailEnd type="triangle" w="lg" len="lg"/>
+          </a:ln>
+        </p:spPr>
+        <p:style>
+          <a:lnRef idx="1">
+            <a:schemeClr val="accent1"/>
+          </a:lnRef>
+          <a:fillRef idx="0">
+            <a:schemeClr val="accent1"/>
+          </a:fillRef>
+          <a:effectRef idx="0">
+            <a:schemeClr val="accent1"/>
+          </a:effectRef>
+          <a:fontRef idx="minor">
+            <a:schemeClr val="tx1"/>
+          </a:fontRef>
+        </p:style>
+      </p:cxnSp>
+      <p:sp>
+        <p:nvSpPr>
+          <p:cNvPr id="82" name="TextBox 81"/>
+          <p:cNvSpPr txBox="1"/>
+          <p:nvPr/>
+        </p:nvSpPr>
+        <p:spPr>
+          <a:xfrm>
+            <a:off x="1021161" y="3003676"/>
+            <a:ext cx="1197764" cy="338554"/>
+          </a:xfrm>
+          <a:prstGeom prst="rect">
+            <a:avLst/>
+          </a:prstGeom>
+          <a:noFill/>
+        </p:spPr>
+        <p:txBody>
+          <a:bodyPr wrap="none" rtlCol="0">
+            <a:spAutoFit/>
+          </a:bodyPr>
+          <a:lstStyle/>
+          <a:p>
+            <a:r>
+              <a:rPr lang="en-US" sz="1600" dirty="0" smtClean="0">
+                <a:latin typeface="Open Sans Light"/>
+                <a:cs typeface="Open Sans Light"/>
+              </a:rPr>
+              <a:t>monitoring</a:t>
+            </a:r>
+            <a:endParaRPr lang="en-US" sz="1600" dirty="0">
+              <a:latin typeface="Open Sans Light"/>
+              <a:cs typeface="Open Sans Light"/>
+            </a:endParaRPr>
+          </a:p>
+        </p:txBody>
+      </p:sp>
+      <p:sp>
+        <p:nvSpPr>
+          <p:cNvPr id="91" name="TextBox 90"/>
+          <p:cNvSpPr txBox="1"/>
+          <p:nvPr/>
+        </p:nvSpPr>
+        <p:spPr>
+          <a:xfrm>
+            <a:off x="958098" y="236156"/>
+            <a:ext cx="1124426" cy="338554"/>
+          </a:xfrm>
+          <a:prstGeom prst="rect">
+            <a:avLst/>
+          </a:prstGeom>
+          <a:noFill/>
+        </p:spPr>
+        <p:txBody>
+          <a:bodyPr wrap="none" rtlCol="0">
+            <a:spAutoFit/>
+          </a:bodyPr>
+          <a:lstStyle/>
+          <a:p>
+            <a:pPr algn="ctr"/>
+            <a:r>
+              <a:rPr lang="en-US" sz="1600" dirty="0" smtClean="0">
+                <a:solidFill>
+                  <a:srgbClr val="FFFFFF"/>
+                </a:solidFill>
+                <a:latin typeface="Open Sans Light"/>
+                <a:cs typeface="Open Sans Light"/>
+              </a:rPr>
+              <a:t>repository</a:t>
+            </a:r>
+            <a:endParaRPr lang="en-US" sz="1600" dirty="0">
+              <a:solidFill>
+                <a:srgbClr val="FFFFFF"/>
+              </a:solidFill>
+              <a:latin typeface="Open Sans Light"/>
+              <a:cs typeface="Open Sans Light"/>
+            </a:endParaRPr>
+          </a:p>
+        </p:txBody>
+      </p:sp>
+      <p:sp>
+        <p:nvSpPr>
+          <p:cNvPr id="93" name="TextBox 92"/>
+          <p:cNvSpPr txBox="1"/>
+          <p:nvPr/>
+        </p:nvSpPr>
+        <p:spPr>
+          <a:xfrm>
+            <a:off x="1114591" y="588030"/>
+            <a:ext cx="811440" cy="338554"/>
+          </a:xfrm>
+          <a:prstGeom prst="rect">
+            <a:avLst/>
+          </a:prstGeom>
+          <a:noFill/>
+        </p:spPr>
+        <p:txBody>
+          <a:bodyPr wrap="none" rtlCol="0">
+            <a:spAutoFit/>
+          </a:bodyPr>
+          <a:lstStyle/>
+          <a:p>
+            <a:pPr algn="ctr"/>
+            <a:r>
+              <a:rPr lang="en-US" sz="1600" dirty="0" smtClean="0">
+                <a:solidFill>
+                  <a:srgbClr val="FFFFFF"/>
+                </a:solidFill>
+                <a:latin typeface="Open Sans Light"/>
+                <a:cs typeface="Open Sans Light"/>
+              </a:rPr>
+              <a:t>source</a:t>
+            </a:r>
+            <a:endParaRPr lang="en-US" sz="1600" dirty="0">
+              <a:solidFill>
+                <a:srgbClr val="FFFFFF"/>
+              </a:solidFill>
+              <a:latin typeface="Open Sans Light"/>
+              <a:cs typeface="Open Sans Light"/>
+            </a:endParaRPr>
+          </a:p>
+        </p:txBody>
+      </p:sp>
+      <p:sp>
+        <p:nvSpPr>
+          <p:cNvPr id="94" name="TextBox 93"/>
+          <p:cNvSpPr txBox="1"/>
+          <p:nvPr/>
+        </p:nvSpPr>
+        <p:spPr>
+          <a:xfrm>
+            <a:off x="796796" y="884596"/>
+            <a:ext cx="1447031" cy="338554"/>
+          </a:xfrm>
+          <a:prstGeom prst="rect">
+            <a:avLst/>
+          </a:prstGeom>
+          <a:noFill/>
+        </p:spPr>
+        <p:txBody>
+          <a:bodyPr wrap="none" rtlCol="0">
+            <a:spAutoFit/>
+          </a:bodyPr>
+          <a:lstStyle/>
+          <a:p>
+            <a:pPr algn="ctr"/>
+            <a:r>
+              <a:rPr lang="en-US" sz="1600" dirty="0" smtClean="0">
+                <a:solidFill>
+                  <a:srgbClr val="FFFFFF"/>
+                </a:solidFill>
+                <a:latin typeface="Open Sans Light"/>
+                <a:cs typeface="Open Sans Light"/>
+              </a:rPr>
+              <a:t>infrastructure</a:t>
+            </a:r>
+            <a:endParaRPr lang="en-US" sz="1600" dirty="0">
+              <a:solidFill>
+                <a:srgbClr val="FFFFFF"/>
+              </a:solidFill>
+              <a:latin typeface="Open Sans Light"/>
+              <a:cs typeface="Open Sans Light"/>
+            </a:endParaRPr>
+          </a:p>
+        </p:txBody>
+      </p:sp>
+      <p:sp>
+        <p:nvSpPr>
+          <p:cNvPr id="95" name="TextBox 94"/>
+          <p:cNvSpPr txBox="1"/>
+          <p:nvPr/>
+        </p:nvSpPr>
+        <p:spPr>
+          <a:xfrm>
+            <a:off x="7283904" y="2036965"/>
+            <a:ext cx="1197764" cy="338554"/>
+          </a:xfrm>
+          <a:prstGeom prst="rect">
+            <a:avLst/>
+          </a:prstGeom>
+          <a:noFill/>
+        </p:spPr>
+        <p:txBody>
+          <a:bodyPr wrap="none" rtlCol="0">
+            <a:spAutoFit/>
+          </a:bodyPr>
+          <a:lstStyle/>
+          <a:p>
+            <a:pPr algn="ctr"/>
+            <a:r>
+              <a:rPr lang="en-US" sz="1600" dirty="0" smtClean="0">
+                <a:solidFill>
+                  <a:schemeClr val="bg1"/>
+                </a:solidFill>
+                <a:latin typeface="Open Sans Light"/>
+                <a:cs typeface="Open Sans Light"/>
+              </a:rPr>
+              <a:t>monitoring</a:t>
+            </a:r>
+            <a:endParaRPr lang="en-US" sz="1600" dirty="0">
+              <a:solidFill>
+                <a:schemeClr val="bg1"/>
+              </a:solidFill>
+              <a:latin typeface="Open Sans Light"/>
+              <a:cs typeface="Open Sans Light"/>
+            </a:endParaRPr>
+          </a:p>
+        </p:txBody>
+      </p:sp>
+      <p:sp>
+        <p:nvSpPr>
+          <p:cNvPr id="96" name="TextBox 95"/>
+          <p:cNvSpPr txBox="1"/>
+          <p:nvPr/>
+        </p:nvSpPr>
+        <p:spPr>
+          <a:xfrm>
+            <a:off x="7462489" y="2381020"/>
+            <a:ext cx="840595" cy="338554"/>
+          </a:xfrm>
+          <a:prstGeom prst="rect">
+            <a:avLst/>
+          </a:prstGeom>
+          <a:noFill/>
+        </p:spPr>
+        <p:txBody>
+          <a:bodyPr wrap="none" rtlCol="0">
+            <a:spAutoFit/>
+          </a:bodyPr>
+          <a:lstStyle/>
+          <a:p>
+            <a:pPr algn="ctr"/>
+            <a:r>
+              <a:rPr lang="en-US" sz="1600" dirty="0" smtClean="0">
+                <a:solidFill>
+                  <a:schemeClr val="bg1"/>
+                </a:solidFill>
+                <a:latin typeface="Open Sans Light"/>
+                <a:cs typeface="Open Sans Light"/>
+              </a:rPr>
+              <a:t>logging</a:t>
+            </a:r>
+            <a:endParaRPr lang="en-US" sz="1600" dirty="0">
+              <a:solidFill>
+                <a:schemeClr val="bg1"/>
+              </a:solidFill>
+              <a:latin typeface="Open Sans Light"/>
+              <a:cs typeface="Open Sans Light"/>
+            </a:endParaRPr>
+          </a:p>
+        </p:txBody>
+      </p:sp>
+      <p:sp>
+        <p:nvSpPr>
+          <p:cNvPr id="27" name="TextBox 26"/>
+          <p:cNvSpPr txBox="1"/>
+          <p:nvPr/>
+        </p:nvSpPr>
+        <p:spPr>
+          <a:xfrm>
+            <a:off x="2877517" y="3868192"/>
+            <a:ext cx="853193" cy="523220"/>
+          </a:xfrm>
+          <a:prstGeom prst="rect">
+            <a:avLst/>
+          </a:prstGeom>
+          <a:noFill/>
+        </p:spPr>
+        <p:txBody>
+          <a:bodyPr wrap="none" rtlCol="0">
+            <a:spAutoFit/>
+          </a:bodyPr>
+          <a:lstStyle/>
+          <a:p>
+            <a:r>
+              <a:rPr lang="en-US" sz="2800" dirty="0" smtClean="0">
+                <a:latin typeface="Open Sans Light"/>
+                <a:cs typeface="Open Sans Light"/>
+              </a:rPr>
+              <a:t>cost</a:t>
+            </a:r>
+            <a:endParaRPr lang="en-US" sz="2800" dirty="0">
+              <a:latin typeface="Open Sans Light"/>
+              <a:cs typeface="Open Sans Light"/>
+            </a:endParaRPr>
+          </a:p>
+        </p:txBody>
+      </p:sp>
+      <p:sp>
+        <p:nvSpPr>
+          <p:cNvPr id="28" name="TextBox 27"/>
+          <p:cNvSpPr txBox="1"/>
+          <p:nvPr/>
+        </p:nvSpPr>
+        <p:spPr>
+          <a:xfrm>
+            <a:off x="895221" y="3868192"/>
+            <a:ext cx="1173518" cy="523220"/>
+          </a:xfrm>
+          <a:prstGeom prst="rect">
+            <a:avLst/>
+          </a:prstGeom>
+          <a:noFill/>
+        </p:spPr>
+        <p:txBody>
+          <a:bodyPr wrap="none" rtlCol="0">
+            <a:spAutoFit/>
+          </a:bodyPr>
+          <a:lstStyle/>
+          <a:p>
+            <a:r>
+              <a:rPr lang="en-US" sz="2800" dirty="0" smtClean="0">
+                <a:latin typeface="Open Sans Light"/>
+                <a:cs typeface="Open Sans Light"/>
+              </a:rPr>
+              <a:t>speed</a:t>
+            </a:r>
+            <a:endParaRPr lang="en-US" sz="2800" dirty="0">
+              <a:latin typeface="Open Sans Light"/>
+              <a:cs typeface="Open Sans Light"/>
+            </a:endParaRPr>
+          </a:p>
+        </p:txBody>
+      </p:sp>
+      <p:sp>
+        <p:nvSpPr>
+          <p:cNvPr id="29" name="TextBox 28"/>
+          <p:cNvSpPr txBox="1"/>
+          <p:nvPr/>
+        </p:nvSpPr>
+        <p:spPr>
+          <a:xfrm>
+            <a:off x="6969224" y="3868192"/>
+            <a:ext cx="1801369" cy="523220"/>
+          </a:xfrm>
+          <a:prstGeom prst="rect">
+            <a:avLst/>
+          </a:prstGeom>
+          <a:noFill/>
+        </p:spPr>
+        <p:txBody>
+          <a:bodyPr wrap="none" rtlCol="0">
+            <a:spAutoFit/>
+          </a:bodyPr>
+          <a:lstStyle/>
+          <a:p>
+            <a:r>
+              <a:rPr lang="en-US" sz="2800" dirty="0" smtClean="0">
+                <a:latin typeface="Open Sans Light"/>
+                <a:cs typeface="Open Sans Light"/>
+              </a:rPr>
+              <a:t>portability</a:t>
+            </a:r>
+            <a:endParaRPr lang="en-US" sz="2800" dirty="0">
+              <a:latin typeface="Open Sans Light"/>
+              <a:cs typeface="Open Sans Light"/>
+            </a:endParaRPr>
+          </a:p>
+        </p:txBody>
+      </p:sp>
+      <p:sp>
+        <p:nvSpPr>
+          <p:cNvPr id="30" name="TextBox 29"/>
+          <p:cNvSpPr txBox="1"/>
+          <p:nvPr/>
+        </p:nvSpPr>
+        <p:spPr>
+          <a:xfrm>
+            <a:off x="4539488" y="3868192"/>
+            <a:ext cx="1620957" cy="523220"/>
+          </a:xfrm>
+          <a:prstGeom prst="rect">
+            <a:avLst/>
+          </a:prstGeom>
+          <a:noFill/>
+        </p:spPr>
+        <p:txBody>
+          <a:bodyPr wrap="none" rtlCol="0">
+            <a:spAutoFit/>
+          </a:bodyPr>
+          <a:lstStyle/>
+          <a:p>
+            <a:r>
+              <a:rPr lang="en-US" sz="2800" dirty="0" smtClean="0">
+                <a:latin typeface="Open Sans Light"/>
+                <a:cs typeface="Open Sans Light"/>
+              </a:rPr>
+              <a:t>reliability</a:t>
+            </a:r>
+            <a:endParaRPr lang="en-US" sz="2800" dirty="0">
+              <a:latin typeface="Open Sans Light"/>
+              <a:cs typeface="Open Sans Light"/>
+            </a:endParaRPr>
+          </a:p>
+        </p:txBody>
+      </p:sp>
+      <p:sp>
+        <p:nvSpPr>
+          <p:cNvPr id="31" name="TextBox 30"/>
+          <p:cNvSpPr txBox="1"/>
+          <p:nvPr/>
+        </p:nvSpPr>
+        <p:spPr>
+          <a:xfrm>
+            <a:off x="6053905" y="2044822"/>
+            <a:ext cx="915635" cy="369332"/>
+          </a:xfrm>
+          <a:prstGeom prst="rect">
+            <a:avLst/>
+          </a:prstGeom>
+          <a:noFill/>
+        </p:spPr>
+        <p:txBody>
+          <a:bodyPr wrap="none" rtlCol="0">
+            <a:spAutoFit/>
+          </a:bodyPr>
+          <a:lstStyle/>
+          <a:p>
+            <a:pPr marL="285750" indent="-285750">
+              <a:buFont typeface="Wingdings" charset="2"/>
+              <a:buChar char="q"/>
+            </a:pPr>
+            <a:r>
+              <a:rPr lang="en-US" sz="1800" dirty="0" smtClean="0">
+                <a:solidFill>
+                  <a:schemeClr val="accent3"/>
+                </a:solidFill>
+                <a:latin typeface="Open Sans"/>
+                <a:cs typeface="Open Sans"/>
+              </a:rPr>
+              <a:t>Test</a:t>
+            </a:r>
+            <a:endParaRPr lang="en-US" sz="1800" dirty="0">
+              <a:solidFill>
+                <a:schemeClr val="accent3"/>
+              </a:solidFill>
+              <a:latin typeface="Open Sans"/>
+              <a:cs typeface="Open Sans"/>
+            </a:endParaRPr>
+          </a:p>
+        </p:txBody>
+      </p:sp>
+      <p:sp>
+        <p:nvSpPr>
+          <p:cNvPr id="32" name="TextBox 31"/>
+          <p:cNvSpPr txBox="1"/>
+          <p:nvPr/>
+        </p:nvSpPr>
+        <p:spPr>
+          <a:xfrm>
+            <a:off x="6053905" y="2642135"/>
+            <a:ext cx="1043876" cy="369332"/>
+          </a:xfrm>
+          <a:prstGeom prst="rect">
+            <a:avLst/>
+          </a:prstGeom>
+          <a:noFill/>
+        </p:spPr>
+        <p:txBody>
+          <a:bodyPr wrap="none" rtlCol="0">
+            <a:spAutoFit/>
+          </a:bodyPr>
+          <a:lstStyle/>
+          <a:p>
+            <a:pPr marL="285750" indent="-285750">
+              <a:buFont typeface="Wingdings" charset="2"/>
+              <a:buChar char="q"/>
+            </a:pPr>
+            <a:r>
+              <a:rPr lang="en-US" sz="1800" dirty="0" smtClean="0">
+                <a:solidFill>
+                  <a:schemeClr val="accent3"/>
+                </a:solidFill>
+                <a:latin typeface="Open Sans"/>
+                <a:cs typeface="Open Sans"/>
+              </a:rPr>
+              <a:t>Prod.</a:t>
+            </a:r>
+            <a:endParaRPr lang="en-US" sz="1800" dirty="0">
+              <a:solidFill>
+                <a:schemeClr val="accent3"/>
+              </a:solidFill>
+              <a:latin typeface="Open Sans"/>
+              <a:cs typeface="Open Sans"/>
+            </a:endParaRPr>
+          </a:p>
+        </p:txBody>
+      </p:sp>
+      <p:sp>
+        <p:nvSpPr>
+          <p:cNvPr id="34" name="TextBox 33"/>
+          <p:cNvSpPr txBox="1"/>
+          <p:nvPr/>
+        </p:nvSpPr>
+        <p:spPr>
+          <a:xfrm>
+            <a:off x="6053905" y="2343479"/>
+            <a:ext cx="954107" cy="369332"/>
+          </a:xfrm>
+          <a:prstGeom prst="rect">
+            <a:avLst/>
+          </a:prstGeom>
+          <a:noFill/>
+        </p:spPr>
+        <p:txBody>
+          <a:bodyPr wrap="none" rtlCol="0">
+            <a:spAutoFit/>
+          </a:bodyPr>
+          <a:lstStyle/>
+          <a:p>
+            <a:pPr marL="285750" indent="-285750">
+              <a:buFont typeface="Wingdings" charset="2"/>
+              <a:buChar char="q"/>
+            </a:pPr>
+            <a:r>
+              <a:rPr lang="en-US" sz="1800" dirty="0" smtClean="0">
+                <a:solidFill>
+                  <a:schemeClr val="accent3"/>
+                </a:solidFill>
+                <a:latin typeface="Open Sans"/>
+                <a:cs typeface="Open Sans"/>
+              </a:rPr>
+              <a:t>Beta</a:t>
+            </a:r>
+          </a:p>
+        </p:txBody>
+      </p:sp>
+      <p:sp>
+        <p:nvSpPr>
+          <p:cNvPr id="35" name="Title 1"/>
           <p:cNvSpPr>
             <a:spLocks noGrp="1"/>
           </p:cNvSpPr>
@@ -2919,98 +4267,382 @@
             <p:ph type="title"/>
           </p:nvPr>
         </p:nvSpPr>
-        <p:spPr/>
+        <p:spPr>
+          <a:xfrm rot="16200000">
+            <a:off x="-2083413" y="2304437"/>
+            <a:ext cx="4738326" cy="461962"/>
+          </a:xfrm>
+        </p:spPr>
         <p:txBody>
           <a:bodyPr/>
           <a:lstStyle/>
           <a:p>
             <a:r>
-              <a:rPr lang="en-US" dirty="0" smtClean="0"/>
-              <a:t>Keywords</a:t>
-            </a:r>
-            <a:endParaRPr lang="en-US" dirty="0"/>
-          </a:p>
-        </p:txBody>
-      </p:sp>
-      <p:sp>
-        <p:nvSpPr>
-          <p:cNvPr id="3" name="Content Placeholder 2"/>
-          <p:cNvSpPr>
-            <a:spLocks noGrp="1"/>
-          </p:cNvSpPr>
-          <p:nvPr>
-            <p:ph idx="1"/>
-          </p:nvPr>
-        </p:nvSpPr>
-        <p:spPr>
-          <a:xfrm>
-            <a:off x="628650" y="333494"/>
-            <a:ext cx="7941244" cy="4089281"/>
-          </a:xfrm>
-        </p:spPr>
-        <p:txBody>
-          <a:bodyPr/>
+              <a:rPr lang="en-US" dirty="0" smtClean="0">
+                <a:latin typeface="Open Sans"/>
+                <a:cs typeface="Open Sans"/>
+              </a:rPr>
+              <a:t>Focus</a:t>
+            </a:r>
+            <a:endParaRPr lang="en-US" dirty="0">
+              <a:latin typeface="Open Sans"/>
+              <a:cs typeface="Open Sans"/>
+            </a:endParaRPr>
+          </a:p>
+        </p:txBody>
+      </p:sp>
+      <p:sp>
+        <p:nvSpPr>
+          <p:cNvPr id="51" name="TextBox 50"/>
+          <p:cNvSpPr txBox="1"/>
+          <p:nvPr/>
+        </p:nvSpPr>
+        <p:spPr>
+          <a:xfrm>
+            <a:off x="4122640" y="3296448"/>
+            <a:ext cx="966931" cy="369332"/>
+          </a:xfrm>
+          <a:prstGeom prst="rect">
+            <a:avLst/>
+          </a:prstGeom>
+          <a:solidFill>
+            <a:schemeClr val="bg1"/>
+          </a:solidFill>
+        </p:spPr>
+        <p:txBody>
+          <a:bodyPr wrap="none" rtlCol="0">
+            <a:spAutoFit/>
+          </a:bodyPr>
           <a:lstStyle/>
           <a:p>
-            <a:r>
-              <a:rPr lang="en-US" dirty="0" smtClean="0"/>
-              <a:t>Focus on innovation</a:t>
-            </a:r>
-          </a:p>
-          <a:p>
-            <a:r>
-              <a:rPr lang="en-US" dirty="0" smtClean="0"/>
-              <a:t>Versioned source control</a:t>
-            </a:r>
-          </a:p>
-          <a:p>
-            <a:r>
-              <a:rPr lang="en-US" b="1" dirty="0" smtClean="0"/>
-              <a:t>Frictionless</a:t>
-            </a:r>
-          </a:p>
-          <a:p>
-            <a:r>
-              <a:rPr lang="en-US" dirty="0" smtClean="0"/>
-              <a:t>Fast</a:t>
-            </a:r>
-          </a:p>
-          <a:p>
-            <a:r>
-              <a:rPr lang="en-US" dirty="0" smtClean="0"/>
-              <a:t>Multi-region</a:t>
-            </a:r>
-          </a:p>
-          <a:p>
-            <a:r>
-              <a:rPr lang="en-US" dirty="0" smtClean="0"/>
-              <a:t>Multi-platform (AWS, Microsoft, Google)</a:t>
-            </a:r>
-          </a:p>
-          <a:p>
-            <a:r>
-              <a:rPr lang="en-US" dirty="0" smtClean="0"/>
-              <a:t>On-premises</a:t>
-            </a:r>
-          </a:p>
-          <a:p>
-            <a:r>
-              <a:rPr lang="en-US" dirty="0" smtClean="0"/>
-              <a:t>Arbitrage</a:t>
-            </a:r>
-          </a:p>
-          <a:p>
-            <a:r>
-              <a:rPr lang="en-US" dirty="0" smtClean="0"/>
-              <a:t>No SSH</a:t>
-            </a:r>
+            <a:pPr marL="285750" indent="-285750">
+              <a:buFont typeface="Wingdings" charset="2"/>
+              <a:buChar char="q"/>
+            </a:pPr>
+            <a:r>
+              <a:rPr lang="en-US" sz="1800" dirty="0" smtClean="0">
+                <a:solidFill>
+                  <a:schemeClr val="accent4"/>
+                </a:solidFill>
+                <a:latin typeface="Open Sans"/>
+                <a:cs typeface="Open Sans"/>
+              </a:rPr>
+              <a:t>AWS</a:t>
+            </a:r>
+            <a:endParaRPr lang="en-US" sz="1800" dirty="0">
+              <a:solidFill>
+                <a:schemeClr val="accent4"/>
+              </a:solidFill>
+              <a:latin typeface="Open Sans"/>
+              <a:cs typeface="Open Sans"/>
+            </a:endParaRPr>
+          </a:p>
+        </p:txBody>
+      </p:sp>
+      <p:sp>
+        <p:nvSpPr>
+          <p:cNvPr id="52" name="TextBox 51"/>
+          <p:cNvSpPr txBox="1"/>
+          <p:nvPr/>
+        </p:nvSpPr>
+        <p:spPr>
+          <a:xfrm>
+            <a:off x="6223929" y="3296448"/>
+            <a:ext cx="1082348" cy="369332"/>
+          </a:xfrm>
+          <a:prstGeom prst="rect">
+            <a:avLst/>
+          </a:prstGeom>
+          <a:solidFill>
+            <a:schemeClr val="bg1"/>
+          </a:solidFill>
+        </p:spPr>
+        <p:txBody>
+          <a:bodyPr wrap="none" rtlCol="0">
+            <a:spAutoFit/>
+          </a:bodyPr>
+          <a:lstStyle/>
+          <a:p>
+            <a:pPr marL="285750" indent="-285750">
+              <a:buFont typeface="Wingdings" charset="2"/>
+              <a:buChar char="q"/>
+            </a:pPr>
+            <a:r>
+              <a:rPr lang="en-US" sz="1800" dirty="0" smtClean="0">
+                <a:solidFill>
+                  <a:schemeClr val="accent4"/>
+                </a:solidFill>
+                <a:latin typeface="Open Sans"/>
+                <a:cs typeface="Open Sans"/>
+              </a:rPr>
+              <a:t>Azure</a:t>
+            </a:r>
+            <a:endParaRPr lang="en-US" sz="1800" dirty="0">
+              <a:solidFill>
+                <a:schemeClr val="accent4"/>
+              </a:solidFill>
+              <a:latin typeface="Open Sans"/>
+              <a:cs typeface="Open Sans"/>
+            </a:endParaRPr>
+          </a:p>
+        </p:txBody>
+      </p:sp>
+      <p:sp>
+        <p:nvSpPr>
+          <p:cNvPr id="54" name="TextBox 53"/>
+          <p:cNvSpPr txBox="1"/>
+          <p:nvPr/>
+        </p:nvSpPr>
+        <p:spPr>
+          <a:xfrm>
+            <a:off x="5045044" y="3296448"/>
+            <a:ext cx="1223412" cy="369332"/>
+          </a:xfrm>
+          <a:prstGeom prst="rect">
+            <a:avLst/>
+          </a:prstGeom>
+          <a:solidFill>
+            <a:schemeClr val="bg1"/>
+          </a:solidFill>
+        </p:spPr>
+        <p:txBody>
+          <a:bodyPr wrap="none" rtlCol="0">
+            <a:spAutoFit/>
+          </a:bodyPr>
+          <a:lstStyle/>
+          <a:p>
+            <a:pPr marL="285750" indent="-285750">
+              <a:buFont typeface="Wingdings" charset="2"/>
+              <a:buChar char="q"/>
+            </a:pPr>
+            <a:r>
+              <a:rPr lang="en-US" sz="1800" dirty="0" smtClean="0">
+                <a:solidFill>
+                  <a:schemeClr val="accent4"/>
+                </a:solidFill>
+                <a:latin typeface="Open Sans"/>
+                <a:cs typeface="Open Sans"/>
+              </a:rPr>
+              <a:t>Google</a:t>
+            </a:r>
+          </a:p>
+        </p:txBody>
+      </p:sp>
+      <p:sp>
+        <p:nvSpPr>
+          <p:cNvPr id="56" name="TextBox 55"/>
+          <p:cNvSpPr txBox="1"/>
+          <p:nvPr/>
+        </p:nvSpPr>
+        <p:spPr>
+          <a:xfrm>
+            <a:off x="7261751" y="3296448"/>
+            <a:ext cx="1505540" cy="369332"/>
+          </a:xfrm>
+          <a:prstGeom prst="rect">
+            <a:avLst/>
+          </a:prstGeom>
+          <a:solidFill>
+            <a:schemeClr val="bg1"/>
+          </a:solidFill>
+        </p:spPr>
+        <p:txBody>
+          <a:bodyPr wrap="none" rtlCol="0">
+            <a:spAutoFit/>
+          </a:bodyPr>
+          <a:lstStyle/>
+          <a:p>
+            <a:pPr marL="285750" indent="-285750">
+              <a:buFont typeface="Wingdings" charset="2"/>
+              <a:buChar char="q"/>
+            </a:pPr>
+            <a:r>
+              <a:rPr lang="en-US" sz="1800" dirty="0" smtClean="0">
+                <a:solidFill>
+                  <a:schemeClr val="accent4"/>
+                </a:solidFill>
+                <a:latin typeface="Open Sans"/>
+                <a:cs typeface="Open Sans"/>
+              </a:rPr>
+              <a:t>On-prem.</a:t>
+            </a:r>
+            <a:endParaRPr lang="en-US" sz="1800" dirty="0">
+              <a:solidFill>
+                <a:schemeClr val="accent4"/>
+              </a:solidFill>
+              <a:latin typeface="Open Sans"/>
+              <a:cs typeface="Open Sans"/>
+            </a:endParaRPr>
+          </a:p>
+        </p:txBody>
+      </p:sp>
+      <p:sp>
+        <p:nvSpPr>
+          <p:cNvPr id="59" name="TextBox 58"/>
+          <p:cNvSpPr txBox="1"/>
+          <p:nvPr/>
+        </p:nvSpPr>
+        <p:spPr>
+          <a:xfrm>
+            <a:off x="3678235" y="923761"/>
+            <a:ext cx="1050388" cy="338554"/>
+          </a:xfrm>
+          <a:prstGeom prst="rect">
+            <a:avLst/>
+          </a:prstGeom>
+          <a:noFill/>
+        </p:spPr>
+        <p:txBody>
+          <a:bodyPr wrap="none" rtlCol="0">
+            <a:spAutoFit/>
+          </a:bodyPr>
+          <a:lstStyle/>
+          <a:p>
+            <a:pPr algn="ctr"/>
+            <a:r>
+              <a:rPr lang="en-US" sz="1600" dirty="0" smtClean="0">
+                <a:solidFill>
+                  <a:schemeClr val="bg1"/>
+                </a:solidFill>
+                <a:latin typeface="Open Sans Light"/>
+                <a:cs typeface="Open Sans Light"/>
+              </a:rPr>
+              <a:t>“minions”</a:t>
+            </a:r>
+            <a:endParaRPr lang="en-US" sz="1600" dirty="0">
+              <a:solidFill>
+                <a:schemeClr val="bg1"/>
+              </a:solidFill>
+              <a:latin typeface="Open Sans Light"/>
+              <a:cs typeface="Open Sans Light"/>
+            </a:endParaRPr>
+          </a:p>
+        </p:txBody>
+      </p:sp>
+      <p:sp>
+        <p:nvSpPr>
+          <p:cNvPr id="61" name="TextBox 60"/>
+          <p:cNvSpPr txBox="1"/>
+          <p:nvPr/>
+        </p:nvSpPr>
+        <p:spPr>
+          <a:xfrm>
+            <a:off x="2327168" y="2810699"/>
+            <a:ext cx="1307069" cy="338554"/>
+          </a:xfrm>
+          <a:prstGeom prst="rect">
+            <a:avLst/>
+          </a:prstGeom>
+          <a:noFill/>
+        </p:spPr>
+        <p:txBody>
+          <a:bodyPr wrap="none" rtlCol="0">
+            <a:spAutoFit/>
+          </a:bodyPr>
+          <a:lstStyle/>
+          <a:p>
+            <a:r>
+              <a:rPr lang="en-US" sz="1600" dirty="0" smtClean="0">
+                <a:latin typeface="Open Sans Light"/>
+                <a:cs typeface="Open Sans Light"/>
+              </a:rPr>
+              <a:t>notifications</a:t>
+            </a:r>
+            <a:endParaRPr lang="en-US" sz="1600" dirty="0">
+              <a:latin typeface="Open Sans Light"/>
+              <a:cs typeface="Open Sans Light"/>
+            </a:endParaRPr>
+          </a:p>
+        </p:txBody>
+      </p:sp>
+      <p:sp>
+        <p:nvSpPr>
+          <p:cNvPr id="68" name="TextBox 67"/>
+          <p:cNvSpPr txBox="1"/>
+          <p:nvPr/>
+        </p:nvSpPr>
+        <p:spPr>
+          <a:xfrm>
+            <a:off x="5522829" y="1072258"/>
+            <a:ext cx="1326004" cy="338554"/>
+          </a:xfrm>
+          <a:prstGeom prst="rect">
+            <a:avLst/>
+          </a:prstGeom>
+          <a:noFill/>
+        </p:spPr>
+        <p:txBody>
+          <a:bodyPr wrap="none" rtlCol="0">
+            <a:spAutoFit/>
+          </a:bodyPr>
+          <a:lstStyle/>
+          <a:p>
+            <a:r>
+              <a:rPr lang="en-US" sz="1600" dirty="0" smtClean="0">
+                <a:solidFill>
+                  <a:schemeClr val="bg1"/>
+                </a:solidFill>
+                <a:latin typeface="Open Sans Light"/>
+                <a:cs typeface="Open Sans Light"/>
+              </a:rPr>
+              <a:t>“formations”</a:t>
+            </a:r>
+            <a:endParaRPr lang="en-US" sz="1600" dirty="0">
+              <a:solidFill>
+                <a:schemeClr val="bg1"/>
+              </a:solidFill>
+              <a:latin typeface="Open Sans Light"/>
+              <a:cs typeface="Open Sans Light"/>
+            </a:endParaRPr>
+          </a:p>
+        </p:txBody>
+      </p:sp>
+      <p:sp>
+        <p:nvSpPr>
+          <p:cNvPr id="79" name="TextBox 78"/>
+          <p:cNvSpPr txBox="1"/>
+          <p:nvPr/>
+        </p:nvSpPr>
+        <p:spPr>
+          <a:xfrm>
+            <a:off x="4522170" y="1615697"/>
+            <a:ext cx="710451" cy="338554"/>
+          </a:xfrm>
+          <a:prstGeom prst="rect">
+            <a:avLst/>
+          </a:prstGeom>
+          <a:noFill/>
+        </p:spPr>
+        <p:txBody>
+          <a:bodyPr wrap="none" rtlCol="0">
+            <a:spAutoFit/>
+          </a:bodyPr>
+          <a:lstStyle/>
+          <a:p>
+            <a:r>
+              <a:rPr lang="en-US" sz="1600" dirty="0" smtClean="0">
+                <a:solidFill>
+                  <a:schemeClr val="bg1"/>
+                </a:solidFill>
+                <a:latin typeface="Open Sans Light"/>
+                <a:cs typeface="Open Sans Light"/>
+              </a:rPr>
+              <a:t>“cells”</a:t>
+            </a:r>
+            <a:endParaRPr lang="en-US" sz="1600" dirty="0">
+              <a:solidFill>
+                <a:schemeClr val="bg1"/>
+              </a:solidFill>
+              <a:latin typeface="Open Sans Light"/>
+              <a:cs typeface="Open Sans Light"/>
+            </a:endParaRPr>
           </a:p>
         </p:txBody>
       </p:sp>
     </p:spTree>
     <p:extLst>
       <p:ext uri="{BB962C8B-B14F-4D97-AF65-F5344CB8AC3E}">
-        <p14:creationId xmlns:p14="http://schemas.microsoft.com/office/powerpoint/2010/main" val="4161082294"/>
+        <p14:creationId xmlns:p14="http://schemas.microsoft.com/office/powerpoint/2010/main" val="1534186549"/>
       </p:ext>
     </p:extLst>
   </p:cSld>
@@ -3020,9 +4652,1397 @@
   <p:timing>
     <p:tnLst>
       <p:par>
-        <p:cTn xmlns:p14="http://schemas.microsoft.com/office/powerpoint/2010/main" id="1" dur="indefinite" restart="never" nodeType="tmRoot"/>
+        <p:cTn xmlns:p14="http://schemas.microsoft.com/office/powerpoint/2010/main" id="1" dur="indefinite" restart="never" nodeType="tmRoot">
+          <p:childTnLst>
+            <p:seq concurrent="1" nextAc="seek">
+              <p:cTn id="2" dur="indefinite" nodeType="mainSeq">
+                <p:childTnLst>
+                  <p:par>
+                    <p:cTn id="3" fill="hold">
+                      <p:stCondLst>
+                        <p:cond delay="indefinite"/>
+                      </p:stCondLst>
+                      <p:childTnLst>
+                        <p:par>
+                          <p:cTn id="4" fill="hold">
+                            <p:stCondLst>
+                              <p:cond delay="0"/>
+                            </p:stCondLst>
+                            <p:childTnLst>
+                              <p:par>
+                                <p:cTn id="5" presetID="1" presetClass="entr" presetSubtype="0" fill="hold" grpId="0" nodeType="clickEffect">
+                                  <p:stCondLst>
+                                    <p:cond delay="0"/>
+                                  </p:stCondLst>
+                                  <p:childTnLst>
+                                    <p:set>
+                                      <p:cBhvr>
+                                        <p:cTn id="6" dur="1" fill="hold">
+                                          <p:stCondLst>
+                                            <p:cond delay="0"/>
+                                          </p:stCondLst>
+                                        </p:cTn>
+                                        <p:tgtEl>
+                                          <p:spTgt spid="93"/>
+                                        </p:tgtEl>
+                                        <p:attrNameLst>
+                                          <p:attrName>style.visibility</p:attrName>
+                                        </p:attrNameLst>
+                                      </p:cBhvr>
+                                      <p:to>
+                                        <p:strVal val="visible"/>
+                                      </p:to>
+                                    </p:set>
+                                  </p:childTnLst>
+                                </p:cTn>
+                              </p:par>
+                            </p:childTnLst>
+                          </p:cTn>
+                        </p:par>
+                      </p:childTnLst>
+                    </p:cTn>
+                  </p:par>
+                  <p:par>
+                    <p:cTn id="7" fill="hold">
+                      <p:stCondLst>
+                        <p:cond delay="indefinite"/>
+                      </p:stCondLst>
+                      <p:childTnLst>
+                        <p:par>
+                          <p:cTn id="8" fill="hold">
+                            <p:stCondLst>
+                              <p:cond delay="0"/>
+                            </p:stCondLst>
+                            <p:childTnLst>
+                              <p:par>
+                                <p:cTn id="9" presetID="1" presetClass="entr" presetSubtype="0" fill="hold" grpId="0" nodeType="clickEffect">
+                                  <p:stCondLst>
+                                    <p:cond delay="0"/>
+                                  </p:stCondLst>
+                                  <p:childTnLst>
+                                    <p:set>
+                                      <p:cBhvr>
+                                        <p:cTn id="10" dur="1" fill="hold">
+                                          <p:stCondLst>
+                                            <p:cond delay="0"/>
+                                          </p:stCondLst>
+                                        </p:cTn>
+                                        <p:tgtEl>
+                                          <p:spTgt spid="38"/>
+                                        </p:tgtEl>
+                                        <p:attrNameLst>
+                                          <p:attrName>style.visibility</p:attrName>
+                                        </p:attrNameLst>
+                                      </p:cBhvr>
+                                      <p:to>
+                                        <p:strVal val="visible"/>
+                                      </p:to>
+                                    </p:set>
+                                  </p:childTnLst>
+                                </p:cTn>
+                              </p:par>
+                              <p:par>
+                                <p:cTn id="11" presetID="1" presetClass="entr" presetSubtype="0" fill="hold" nodeType="withEffect">
+                                  <p:stCondLst>
+                                    <p:cond delay="0"/>
+                                  </p:stCondLst>
+                                  <p:childTnLst>
+                                    <p:set>
+                                      <p:cBhvr>
+                                        <p:cTn id="12" dur="1" fill="hold">
+                                          <p:stCondLst>
+                                            <p:cond delay="0"/>
+                                          </p:stCondLst>
+                                        </p:cTn>
+                                        <p:tgtEl>
+                                          <p:spTgt spid="24"/>
+                                        </p:tgtEl>
+                                        <p:attrNameLst>
+                                          <p:attrName>style.visibility</p:attrName>
+                                        </p:attrNameLst>
+                                      </p:cBhvr>
+                                      <p:to>
+                                        <p:strVal val="visible"/>
+                                      </p:to>
+                                    </p:set>
+                                  </p:childTnLst>
+                                </p:cTn>
+                              </p:par>
+                            </p:childTnLst>
+                          </p:cTn>
+                        </p:par>
+                      </p:childTnLst>
+                    </p:cTn>
+                  </p:par>
+                  <p:par>
+                    <p:cTn id="13" fill="hold">
+                      <p:stCondLst>
+                        <p:cond delay="indefinite"/>
+                      </p:stCondLst>
+                      <p:childTnLst>
+                        <p:par>
+                          <p:cTn id="14" fill="hold">
+                            <p:stCondLst>
+                              <p:cond delay="0"/>
+                            </p:stCondLst>
+                            <p:childTnLst>
+                              <p:par>
+                                <p:cTn id="15" presetID="1" presetClass="entr" presetSubtype="0" fill="hold" grpId="0" nodeType="clickEffect">
+                                  <p:stCondLst>
+                                    <p:cond delay="0"/>
+                                  </p:stCondLst>
+                                  <p:childTnLst>
+                                    <p:set>
+                                      <p:cBhvr>
+                                        <p:cTn id="16" dur="1" fill="hold">
+                                          <p:stCondLst>
+                                            <p:cond delay="0"/>
+                                          </p:stCondLst>
+                                        </p:cTn>
+                                        <p:tgtEl>
+                                          <p:spTgt spid="18"/>
+                                        </p:tgtEl>
+                                        <p:attrNameLst>
+                                          <p:attrName>style.visibility</p:attrName>
+                                        </p:attrNameLst>
+                                      </p:cBhvr>
+                                      <p:to>
+                                        <p:strVal val="visible"/>
+                                      </p:to>
+                                    </p:set>
+                                  </p:childTnLst>
+                                </p:cTn>
+                              </p:par>
+                              <p:par>
+                                <p:cTn id="17" presetID="1" presetClass="entr" presetSubtype="0" fill="hold" grpId="0" nodeType="withEffect">
+                                  <p:stCondLst>
+                                    <p:cond delay="0"/>
+                                  </p:stCondLst>
+                                  <p:childTnLst>
+                                    <p:set>
+                                      <p:cBhvr>
+                                        <p:cTn id="18" dur="1" fill="hold">
+                                          <p:stCondLst>
+                                            <p:cond delay="0"/>
+                                          </p:stCondLst>
+                                        </p:cTn>
+                                        <p:tgtEl>
+                                          <p:spTgt spid="15"/>
+                                        </p:tgtEl>
+                                        <p:attrNameLst>
+                                          <p:attrName>style.visibility</p:attrName>
+                                        </p:attrNameLst>
+                                      </p:cBhvr>
+                                      <p:to>
+                                        <p:strVal val="visible"/>
+                                      </p:to>
+                                    </p:set>
+                                  </p:childTnLst>
+                                </p:cTn>
+                              </p:par>
+                              <p:par>
+                                <p:cTn id="19" presetID="1" presetClass="entr" presetSubtype="0" fill="hold" nodeType="withEffect">
+                                  <p:stCondLst>
+                                    <p:cond delay="0"/>
+                                  </p:stCondLst>
+                                  <p:childTnLst>
+                                    <p:set>
+                                      <p:cBhvr>
+                                        <p:cTn id="20" dur="1" fill="hold">
+                                          <p:stCondLst>
+                                            <p:cond delay="0"/>
+                                          </p:stCondLst>
+                                        </p:cTn>
+                                        <p:tgtEl>
+                                          <p:spTgt spid="40"/>
+                                        </p:tgtEl>
+                                        <p:attrNameLst>
+                                          <p:attrName>style.visibility</p:attrName>
+                                        </p:attrNameLst>
+                                      </p:cBhvr>
+                                      <p:to>
+                                        <p:strVal val="visible"/>
+                                      </p:to>
+                                    </p:set>
+                                  </p:childTnLst>
+                                </p:cTn>
+                              </p:par>
+                            </p:childTnLst>
+                          </p:cTn>
+                        </p:par>
+                      </p:childTnLst>
+                    </p:cTn>
+                  </p:par>
+                  <p:par>
+                    <p:cTn id="21" fill="hold">
+                      <p:stCondLst>
+                        <p:cond delay="indefinite"/>
+                      </p:stCondLst>
+                      <p:childTnLst>
+                        <p:par>
+                          <p:cTn id="22" fill="hold">
+                            <p:stCondLst>
+                              <p:cond delay="0"/>
+                            </p:stCondLst>
+                            <p:childTnLst>
+                              <p:par>
+                                <p:cTn id="23" presetID="1" presetClass="entr" presetSubtype="0" fill="hold" grpId="0" nodeType="clickEffect">
+                                  <p:stCondLst>
+                                    <p:cond delay="0"/>
+                                  </p:stCondLst>
+                                  <p:childTnLst>
+                                    <p:set>
+                                      <p:cBhvr>
+                                        <p:cTn id="24" dur="1" fill="hold">
+                                          <p:stCondLst>
+                                            <p:cond delay="0"/>
+                                          </p:stCondLst>
+                                        </p:cTn>
+                                        <p:tgtEl>
+                                          <p:spTgt spid="53"/>
+                                        </p:tgtEl>
+                                        <p:attrNameLst>
+                                          <p:attrName>style.visibility</p:attrName>
+                                        </p:attrNameLst>
+                                      </p:cBhvr>
+                                      <p:to>
+                                        <p:strVal val="visible"/>
+                                      </p:to>
+                                    </p:set>
+                                  </p:childTnLst>
+                                </p:cTn>
+                              </p:par>
+                            </p:childTnLst>
+                          </p:cTn>
+                        </p:par>
+                      </p:childTnLst>
+                    </p:cTn>
+                  </p:par>
+                  <p:par>
+                    <p:cTn id="25" fill="hold">
+                      <p:stCondLst>
+                        <p:cond delay="indefinite"/>
+                      </p:stCondLst>
+                      <p:childTnLst>
+                        <p:par>
+                          <p:cTn id="26" fill="hold">
+                            <p:stCondLst>
+                              <p:cond delay="0"/>
+                            </p:stCondLst>
+                            <p:childTnLst>
+                              <p:par>
+                                <p:cTn id="27" presetID="1" presetClass="entr" presetSubtype="0" fill="hold" grpId="0" nodeType="clickEffect">
+                                  <p:stCondLst>
+                                    <p:cond delay="0"/>
+                                  </p:stCondLst>
+                                  <p:childTnLst>
+                                    <p:set>
+                                      <p:cBhvr>
+                                        <p:cTn id="28" dur="1" fill="hold">
+                                          <p:stCondLst>
+                                            <p:cond delay="0"/>
+                                          </p:stCondLst>
+                                        </p:cTn>
+                                        <p:tgtEl>
+                                          <p:spTgt spid="31"/>
+                                        </p:tgtEl>
+                                        <p:attrNameLst>
+                                          <p:attrName>style.visibility</p:attrName>
+                                        </p:attrNameLst>
+                                      </p:cBhvr>
+                                      <p:to>
+                                        <p:strVal val="visible"/>
+                                      </p:to>
+                                    </p:set>
+                                  </p:childTnLst>
+                                </p:cTn>
+                              </p:par>
+                              <p:par>
+                                <p:cTn id="29" presetID="1" presetClass="entr" presetSubtype="0" fill="hold" grpId="0" nodeType="withEffect">
+                                  <p:stCondLst>
+                                    <p:cond delay="0"/>
+                                  </p:stCondLst>
+                                  <p:childTnLst>
+                                    <p:set>
+                                      <p:cBhvr>
+                                        <p:cTn id="30" dur="1" fill="hold">
+                                          <p:stCondLst>
+                                            <p:cond delay="0"/>
+                                          </p:stCondLst>
+                                        </p:cTn>
+                                        <p:tgtEl>
+                                          <p:spTgt spid="34"/>
+                                        </p:tgtEl>
+                                        <p:attrNameLst>
+                                          <p:attrName>style.visibility</p:attrName>
+                                        </p:attrNameLst>
+                                      </p:cBhvr>
+                                      <p:to>
+                                        <p:strVal val="visible"/>
+                                      </p:to>
+                                    </p:set>
+                                  </p:childTnLst>
+                                </p:cTn>
+                              </p:par>
+                              <p:par>
+                                <p:cTn id="31" presetID="1" presetClass="entr" presetSubtype="0" fill="hold" grpId="0" nodeType="withEffect">
+                                  <p:stCondLst>
+                                    <p:cond delay="0"/>
+                                  </p:stCondLst>
+                                  <p:childTnLst>
+                                    <p:set>
+                                      <p:cBhvr>
+                                        <p:cTn id="32" dur="1" fill="hold">
+                                          <p:stCondLst>
+                                            <p:cond delay="0"/>
+                                          </p:stCondLst>
+                                        </p:cTn>
+                                        <p:tgtEl>
+                                          <p:spTgt spid="32"/>
+                                        </p:tgtEl>
+                                        <p:attrNameLst>
+                                          <p:attrName>style.visibility</p:attrName>
+                                        </p:attrNameLst>
+                                      </p:cBhvr>
+                                      <p:to>
+                                        <p:strVal val="visible"/>
+                                      </p:to>
+                                    </p:set>
+                                  </p:childTnLst>
+                                </p:cTn>
+                              </p:par>
+                            </p:childTnLst>
+                          </p:cTn>
+                        </p:par>
+                      </p:childTnLst>
+                    </p:cTn>
+                  </p:par>
+                  <p:par>
+                    <p:cTn id="33" fill="hold">
+                      <p:stCondLst>
+                        <p:cond delay="indefinite"/>
+                      </p:stCondLst>
+                      <p:childTnLst>
+                        <p:par>
+                          <p:cTn id="34" fill="hold">
+                            <p:stCondLst>
+                              <p:cond delay="0"/>
+                            </p:stCondLst>
+                            <p:childTnLst>
+                              <p:par>
+                                <p:cTn id="35" presetID="1" presetClass="entr" presetSubtype="0" fill="hold" grpId="0" nodeType="clickEffect">
+                                  <p:stCondLst>
+                                    <p:cond delay="0"/>
+                                  </p:stCondLst>
+                                  <p:childTnLst>
+                                    <p:set>
+                                      <p:cBhvr>
+                                        <p:cTn id="36" dur="1" fill="hold">
+                                          <p:stCondLst>
+                                            <p:cond delay="0"/>
+                                          </p:stCondLst>
+                                        </p:cTn>
+                                        <p:tgtEl>
+                                          <p:spTgt spid="51"/>
+                                        </p:tgtEl>
+                                        <p:attrNameLst>
+                                          <p:attrName>style.visibility</p:attrName>
+                                        </p:attrNameLst>
+                                      </p:cBhvr>
+                                      <p:to>
+                                        <p:strVal val="visible"/>
+                                      </p:to>
+                                    </p:set>
+                                  </p:childTnLst>
+                                </p:cTn>
+                              </p:par>
+                              <p:par>
+                                <p:cTn id="37" presetID="1" presetClass="entr" presetSubtype="0" fill="hold" grpId="0" nodeType="withEffect">
+                                  <p:stCondLst>
+                                    <p:cond delay="0"/>
+                                  </p:stCondLst>
+                                  <p:childTnLst>
+                                    <p:set>
+                                      <p:cBhvr>
+                                        <p:cTn id="38" dur="1" fill="hold">
+                                          <p:stCondLst>
+                                            <p:cond delay="0"/>
+                                          </p:stCondLst>
+                                        </p:cTn>
+                                        <p:tgtEl>
+                                          <p:spTgt spid="52"/>
+                                        </p:tgtEl>
+                                        <p:attrNameLst>
+                                          <p:attrName>style.visibility</p:attrName>
+                                        </p:attrNameLst>
+                                      </p:cBhvr>
+                                      <p:to>
+                                        <p:strVal val="visible"/>
+                                      </p:to>
+                                    </p:set>
+                                  </p:childTnLst>
+                                </p:cTn>
+                              </p:par>
+                              <p:par>
+                                <p:cTn id="39" presetID="1" presetClass="entr" presetSubtype="0" fill="hold" grpId="0" nodeType="withEffect">
+                                  <p:stCondLst>
+                                    <p:cond delay="0"/>
+                                  </p:stCondLst>
+                                  <p:childTnLst>
+                                    <p:set>
+                                      <p:cBhvr>
+                                        <p:cTn id="40" dur="1" fill="hold">
+                                          <p:stCondLst>
+                                            <p:cond delay="0"/>
+                                          </p:stCondLst>
+                                        </p:cTn>
+                                        <p:tgtEl>
+                                          <p:spTgt spid="54"/>
+                                        </p:tgtEl>
+                                        <p:attrNameLst>
+                                          <p:attrName>style.visibility</p:attrName>
+                                        </p:attrNameLst>
+                                      </p:cBhvr>
+                                      <p:to>
+                                        <p:strVal val="visible"/>
+                                      </p:to>
+                                    </p:set>
+                                  </p:childTnLst>
+                                </p:cTn>
+                              </p:par>
+                              <p:par>
+                                <p:cTn id="41" presetID="1" presetClass="entr" presetSubtype="0" fill="hold" grpId="0" nodeType="withEffect">
+                                  <p:stCondLst>
+                                    <p:cond delay="0"/>
+                                  </p:stCondLst>
+                                  <p:childTnLst>
+                                    <p:set>
+                                      <p:cBhvr>
+                                        <p:cTn id="42" dur="1" fill="hold">
+                                          <p:stCondLst>
+                                            <p:cond delay="0"/>
+                                          </p:stCondLst>
+                                        </p:cTn>
+                                        <p:tgtEl>
+                                          <p:spTgt spid="56"/>
+                                        </p:tgtEl>
+                                        <p:attrNameLst>
+                                          <p:attrName>style.visibility</p:attrName>
+                                        </p:attrNameLst>
+                                      </p:cBhvr>
+                                      <p:to>
+                                        <p:strVal val="visible"/>
+                                      </p:to>
+                                    </p:set>
+                                  </p:childTnLst>
+                                </p:cTn>
+                              </p:par>
+                            </p:childTnLst>
+                          </p:cTn>
+                        </p:par>
+                      </p:childTnLst>
+                    </p:cTn>
+                  </p:par>
+                  <p:par>
+                    <p:cTn id="43" fill="hold">
+                      <p:stCondLst>
+                        <p:cond delay="indefinite"/>
+                      </p:stCondLst>
+                      <p:childTnLst>
+                        <p:par>
+                          <p:cTn id="44" fill="hold">
+                            <p:stCondLst>
+                              <p:cond delay="0"/>
+                            </p:stCondLst>
+                            <p:childTnLst>
+                              <p:par>
+                                <p:cTn id="45" presetID="1" presetClass="entr" presetSubtype="0" fill="hold" grpId="0" nodeType="clickEffect">
+                                  <p:stCondLst>
+                                    <p:cond delay="0"/>
+                                  </p:stCondLst>
+                                  <p:childTnLst>
+                                    <p:set>
+                                      <p:cBhvr>
+                                        <p:cTn id="46" dur="1" fill="hold">
+                                          <p:stCondLst>
+                                            <p:cond delay="0"/>
+                                          </p:stCondLst>
+                                        </p:cTn>
+                                        <p:tgtEl>
+                                          <p:spTgt spid="29"/>
+                                        </p:tgtEl>
+                                        <p:attrNameLst>
+                                          <p:attrName>style.visibility</p:attrName>
+                                        </p:attrNameLst>
+                                      </p:cBhvr>
+                                      <p:to>
+                                        <p:strVal val="visible"/>
+                                      </p:to>
+                                    </p:set>
+                                  </p:childTnLst>
+                                </p:cTn>
+                              </p:par>
+                            </p:childTnLst>
+                          </p:cTn>
+                        </p:par>
+                      </p:childTnLst>
+                    </p:cTn>
+                  </p:par>
+                  <p:par>
+                    <p:cTn id="47" fill="hold">
+                      <p:stCondLst>
+                        <p:cond delay="indefinite"/>
+                      </p:stCondLst>
+                      <p:childTnLst>
+                        <p:par>
+                          <p:cTn id="48" fill="hold">
+                            <p:stCondLst>
+                              <p:cond delay="0"/>
+                            </p:stCondLst>
+                            <p:childTnLst>
+                              <p:par>
+                                <p:cTn id="49" presetID="1" presetClass="entr" presetSubtype="0" fill="hold" grpId="0" nodeType="clickEffect">
+                                  <p:stCondLst>
+                                    <p:cond delay="0"/>
+                                  </p:stCondLst>
+                                  <p:childTnLst>
+                                    <p:set>
+                                      <p:cBhvr>
+                                        <p:cTn id="50" dur="1" fill="hold">
+                                          <p:stCondLst>
+                                            <p:cond delay="0"/>
+                                          </p:stCondLst>
+                                        </p:cTn>
+                                        <p:tgtEl>
+                                          <p:spTgt spid="39"/>
+                                        </p:tgtEl>
+                                        <p:attrNameLst>
+                                          <p:attrName>style.visibility</p:attrName>
+                                        </p:attrNameLst>
+                                      </p:cBhvr>
+                                      <p:to>
+                                        <p:strVal val="visible"/>
+                                      </p:to>
+                                    </p:set>
+                                  </p:childTnLst>
+                                </p:cTn>
+                              </p:par>
+                            </p:childTnLst>
+                          </p:cTn>
+                        </p:par>
+                      </p:childTnLst>
+                    </p:cTn>
+                  </p:par>
+                  <p:par>
+                    <p:cTn id="51" fill="hold">
+                      <p:stCondLst>
+                        <p:cond delay="indefinite"/>
+                      </p:stCondLst>
+                      <p:childTnLst>
+                        <p:par>
+                          <p:cTn id="52" fill="hold">
+                            <p:stCondLst>
+                              <p:cond delay="0"/>
+                            </p:stCondLst>
+                            <p:childTnLst>
+                              <p:par>
+                                <p:cTn id="53" presetID="1" presetClass="entr" presetSubtype="0" fill="hold" grpId="0" nodeType="clickEffect">
+                                  <p:stCondLst>
+                                    <p:cond delay="0"/>
+                                  </p:stCondLst>
+                                  <p:childTnLst>
+                                    <p:set>
+                                      <p:cBhvr>
+                                        <p:cTn id="54" dur="1" fill="hold">
+                                          <p:stCondLst>
+                                            <p:cond delay="0"/>
+                                          </p:stCondLst>
+                                        </p:cTn>
+                                        <p:tgtEl>
+                                          <p:spTgt spid="94"/>
+                                        </p:tgtEl>
+                                        <p:attrNameLst>
+                                          <p:attrName>style.visibility</p:attrName>
+                                        </p:attrNameLst>
+                                      </p:cBhvr>
+                                      <p:to>
+                                        <p:strVal val="visible"/>
+                                      </p:to>
+                                    </p:set>
+                                  </p:childTnLst>
+                                </p:cTn>
+                              </p:par>
+                              <p:par>
+                                <p:cTn id="55" presetID="1" presetClass="entr" presetSubtype="0" fill="hold" grpId="0" nodeType="withEffect">
+                                  <p:stCondLst>
+                                    <p:cond delay="0"/>
+                                  </p:stCondLst>
+                                  <p:childTnLst>
+                                    <p:set>
+                                      <p:cBhvr>
+                                        <p:cTn id="56" dur="1" fill="hold">
+                                          <p:stCondLst>
+                                            <p:cond delay="0"/>
+                                          </p:stCondLst>
+                                        </p:cTn>
+                                        <p:tgtEl>
+                                          <p:spTgt spid="16"/>
+                                        </p:tgtEl>
+                                        <p:attrNameLst>
+                                          <p:attrName>style.visibility</p:attrName>
+                                        </p:attrNameLst>
+                                      </p:cBhvr>
+                                      <p:to>
+                                        <p:strVal val="visible"/>
+                                      </p:to>
+                                    </p:set>
+                                  </p:childTnLst>
+                                </p:cTn>
+                              </p:par>
+                            </p:childTnLst>
+                          </p:cTn>
+                        </p:par>
+                      </p:childTnLst>
+                    </p:cTn>
+                  </p:par>
+                  <p:par>
+                    <p:cTn id="57" fill="hold">
+                      <p:stCondLst>
+                        <p:cond delay="indefinite"/>
+                      </p:stCondLst>
+                      <p:childTnLst>
+                        <p:par>
+                          <p:cTn id="58" fill="hold">
+                            <p:stCondLst>
+                              <p:cond delay="0"/>
+                            </p:stCondLst>
+                            <p:childTnLst>
+                              <p:par>
+                                <p:cTn id="59" presetID="1" presetClass="entr" presetSubtype="0" fill="hold" grpId="0" nodeType="clickEffect">
+                                  <p:stCondLst>
+                                    <p:cond delay="0"/>
+                                  </p:stCondLst>
+                                  <p:childTnLst>
+                                    <p:set>
+                                      <p:cBhvr>
+                                        <p:cTn id="60" dur="1" fill="hold">
+                                          <p:stCondLst>
+                                            <p:cond delay="0"/>
+                                          </p:stCondLst>
+                                        </p:cTn>
+                                        <p:tgtEl>
+                                          <p:spTgt spid="59"/>
+                                        </p:tgtEl>
+                                        <p:attrNameLst>
+                                          <p:attrName>style.visibility</p:attrName>
+                                        </p:attrNameLst>
+                                      </p:cBhvr>
+                                      <p:to>
+                                        <p:strVal val="visible"/>
+                                      </p:to>
+                                    </p:set>
+                                  </p:childTnLst>
+                                </p:cTn>
+                              </p:par>
+                            </p:childTnLst>
+                          </p:cTn>
+                        </p:par>
+                      </p:childTnLst>
+                    </p:cTn>
+                  </p:par>
+                  <p:par>
+                    <p:cTn id="61" fill="hold">
+                      <p:stCondLst>
+                        <p:cond delay="indefinite"/>
+                      </p:stCondLst>
+                      <p:childTnLst>
+                        <p:par>
+                          <p:cTn id="62" fill="hold">
+                            <p:stCondLst>
+                              <p:cond delay="0"/>
+                            </p:stCondLst>
+                            <p:childTnLst>
+                              <p:par>
+                                <p:cTn id="63" presetID="1" presetClass="entr" presetSubtype="0" fill="hold" grpId="0" nodeType="clickEffect">
+                                  <p:stCondLst>
+                                    <p:cond delay="0"/>
+                                  </p:stCondLst>
+                                  <p:childTnLst>
+                                    <p:set>
+                                      <p:cBhvr>
+                                        <p:cTn id="64" dur="1" fill="hold">
+                                          <p:stCondLst>
+                                            <p:cond delay="0"/>
+                                          </p:stCondLst>
+                                        </p:cTn>
+                                        <p:tgtEl>
+                                          <p:spTgt spid="37"/>
+                                        </p:tgtEl>
+                                        <p:attrNameLst>
+                                          <p:attrName>style.visibility</p:attrName>
+                                        </p:attrNameLst>
+                                      </p:cBhvr>
+                                      <p:to>
+                                        <p:strVal val="visible"/>
+                                      </p:to>
+                                    </p:set>
+                                  </p:childTnLst>
+                                </p:cTn>
+                              </p:par>
+                              <p:par>
+                                <p:cTn id="65" presetID="1" presetClass="entr" presetSubtype="0" fill="hold" grpId="0" nodeType="withEffect">
+                                  <p:stCondLst>
+                                    <p:cond delay="0"/>
+                                  </p:stCondLst>
+                                  <p:childTnLst>
+                                    <p:set>
+                                      <p:cBhvr>
+                                        <p:cTn id="66" dur="1" fill="hold">
+                                          <p:stCondLst>
+                                            <p:cond delay="0"/>
+                                          </p:stCondLst>
+                                        </p:cTn>
+                                        <p:tgtEl>
+                                          <p:spTgt spid="36"/>
+                                        </p:tgtEl>
+                                        <p:attrNameLst>
+                                          <p:attrName>style.visibility</p:attrName>
+                                        </p:attrNameLst>
+                                      </p:cBhvr>
+                                      <p:to>
+                                        <p:strVal val="visible"/>
+                                      </p:to>
+                                    </p:set>
+                                  </p:childTnLst>
+                                </p:cTn>
+                              </p:par>
+                              <p:par>
+                                <p:cTn id="67" presetID="1" presetClass="entr" presetSubtype="0" fill="hold" nodeType="withEffect">
+                                  <p:stCondLst>
+                                    <p:cond delay="0"/>
+                                  </p:stCondLst>
+                                  <p:childTnLst>
+                                    <p:set>
+                                      <p:cBhvr>
+                                        <p:cTn id="68" dur="1" fill="hold">
+                                          <p:stCondLst>
+                                            <p:cond delay="0"/>
+                                          </p:stCondLst>
+                                        </p:cTn>
+                                        <p:tgtEl>
+                                          <p:spTgt spid="43"/>
+                                        </p:tgtEl>
+                                        <p:attrNameLst>
+                                          <p:attrName>style.visibility</p:attrName>
+                                        </p:attrNameLst>
+                                      </p:cBhvr>
+                                      <p:to>
+                                        <p:strVal val="visible"/>
+                                      </p:to>
+                                    </p:set>
+                                  </p:childTnLst>
+                                </p:cTn>
+                              </p:par>
+                            </p:childTnLst>
+                          </p:cTn>
+                        </p:par>
+                      </p:childTnLst>
+                    </p:cTn>
+                  </p:par>
+                  <p:par>
+                    <p:cTn id="69" fill="hold">
+                      <p:stCondLst>
+                        <p:cond delay="indefinite"/>
+                      </p:stCondLst>
+                      <p:childTnLst>
+                        <p:par>
+                          <p:cTn id="70" fill="hold">
+                            <p:stCondLst>
+                              <p:cond delay="0"/>
+                            </p:stCondLst>
+                            <p:childTnLst>
+                              <p:par>
+                                <p:cTn id="71" presetID="1" presetClass="entr" presetSubtype="0" fill="hold" grpId="0" nodeType="clickEffect">
+                                  <p:stCondLst>
+                                    <p:cond delay="0"/>
+                                  </p:stCondLst>
+                                  <p:childTnLst>
+                                    <p:set>
+                                      <p:cBhvr>
+                                        <p:cTn id="72" dur="1" fill="hold">
+                                          <p:stCondLst>
+                                            <p:cond delay="0"/>
+                                          </p:stCondLst>
+                                        </p:cTn>
+                                        <p:tgtEl>
+                                          <p:spTgt spid="62"/>
+                                        </p:tgtEl>
+                                        <p:attrNameLst>
+                                          <p:attrName>style.visibility</p:attrName>
+                                        </p:attrNameLst>
+                                      </p:cBhvr>
+                                      <p:to>
+                                        <p:strVal val="visible"/>
+                                      </p:to>
+                                    </p:set>
+                                  </p:childTnLst>
+                                </p:cTn>
+                              </p:par>
+                            </p:childTnLst>
+                          </p:cTn>
+                        </p:par>
+                      </p:childTnLst>
+                    </p:cTn>
+                  </p:par>
+                  <p:par>
+                    <p:cTn id="73" fill="hold">
+                      <p:stCondLst>
+                        <p:cond delay="indefinite"/>
+                      </p:stCondLst>
+                      <p:childTnLst>
+                        <p:par>
+                          <p:cTn id="74" fill="hold">
+                            <p:stCondLst>
+                              <p:cond delay="0"/>
+                            </p:stCondLst>
+                            <p:childTnLst>
+                              <p:par>
+                                <p:cTn id="75" presetID="1" presetClass="entr" presetSubtype="0" fill="hold" nodeType="clickEffect">
+                                  <p:stCondLst>
+                                    <p:cond delay="0"/>
+                                  </p:stCondLst>
+                                  <p:childTnLst>
+                                    <p:set>
+                                      <p:cBhvr>
+                                        <p:cTn id="76" dur="1" fill="hold">
+                                          <p:stCondLst>
+                                            <p:cond delay="0"/>
+                                          </p:stCondLst>
+                                        </p:cTn>
+                                        <p:tgtEl>
+                                          <p:spTgt spid="33"/>
+                                        </p:tgtEl>
+                                        <p:attrNameLst>
+                                          <p:attrName>style.visibility</p:attrName>
+                                        </p:attrNameLst>
+                                      </p:cBhvr>
+                                      <p:to>
+                                        <p:strVal val="visible"/>
+                                      </p:to>
+                                    </p:set>
+                                  </p:childTnLst>
+                                </p:cTn>
+                              </p:par>
+                              <p:par>
+                                <p:cTn id="77" presetID="1" presetClass="entr" presetSubtype="0" fill="hold" grpId="0" nodeType="withEffect">
+                                  <p:stCondLst>
+                                    <p:cond delay="0"/>
+                                  </p:stCondLst>
+                                  <p:childTnLst>
+                                    <p:set>
+                                      <p:cBhvr>
+                                        <p:cTn id="78" dur="1" fill="hold">
+                                          <p:stCondLst>
+                                            <p:cond delay="0"/>
+                                          </p:stCondLst>
+                                        </p:cTn>
+                                        <p:tgtEl>
+                                          <p:spTgt spid="25"/>
+                                        </p:tgtEl>
+                                        <p:attrNameLst>
+                                          <p:attrName>style.visibility</p:attrName>
+                                        </p:attrNameLst>
+                                      </p:cBhvr>
+                                      <p:to>
+                                        <p:strVal val="visible"/>
+                                      </p:to>
+                                    </p:set>
+                                  </p:childTnLst>
+                                </p:cTn>
+                              </p:par>
+                              <p:par>
+                                <p:cTn id="79" presetID="1" presetClass="entr" presetSubtype="0" fill="hold" grpId="0" nodeType="withEffect">
+                                  <p:stCondLst>
+                                    <p:cond delay="0"/>
+                                  </p:stCondLst>
+                                  <p:childTnLst>
+                                    <p:set>
+                                      <p:cBhvr>
+                                        <p:cTn id="80" dur="1" fill="hold">
+                                          <p:stCondLst>
+                                            <p:cond delay="0"/>
+                                          </p:stCondLst>
+                                        </p:cTn>
+                                        <p:tgtEl>
+                                          <p:spTgt spid="60"/>
+                                        </p:tgtEl>
+                                        <p:attrNameLst>
+                                          <p:attrName>style.visibility</p:attrName>
+                                        </p:attrNameLst>
+                                      </p:cBhvr>
+                                      <p:to>
+                                        <p:strVal val="visible"/>
+                                      </p:to>
+                                    </p:set>
+                                  </p:childTnLst>
+                                </p:cTn>
+                              </p:par>
+                              <p:par>
+                                <p:cTn id="81" presetID="1" presetClass="entr" presetSubtype="0" fill="hold" grpId="0" nodeType="withEffect">
+                                  <p:stCondLst>
+                                    <p:cond delay="0"/>
+                                  </p:stCondLst>
+                                  <p:childTnLst>
+                                    <p:set>
+                                      <p:cBhvr>
+                                        <p:cTn id="82" dur="1" fill="hold">
+                                          <p:stCondLst>
+                                            <p:cond delay="0"/>
+                                          </p:stCondLst>
+                                        </p:cTn>
+                                        <p:tgtEl>
+                                          <p:spTgt spid="79"/>
+                                        </p:tgtEl>
+                                        <p:attrNameLst>
+                                          <p:attrName>style.visibility</p:attrName>
+                                        </p:attrNameLst>
+                                      </p:cBhvr>
+                                      <p:to>
+                                        <p:strVal val="visible"/>
+                                      </p:to>
+                                    </p:set>
+                                  </p:childTnLst>
+                                </p:cTn>
+                              </p:par>
+                            </p:childTnLst>
+                          </p:cTn>
+                        </p:par>
+                      </p:childTnLst>
+                    </p:cTn>
+                  </p:par>
+                  <p:par>
+                    <p:cTn id="83" fill="hold">
+                      <p:stCondLst>
+                        <p:cond delay="indefinite"/>
+                      </p:stCondLst>
+                      <p:childTnLst>
+                        <p:par>
+                          <p:cTn id="84" fill="hold">
+                            <p:stCondLst>
+                              <p:cond delay="0"/>
+                            </p:stCondLst>
+                            <p:childTnLst>
+                              <p:par>
+                                <p:cTn id="85" presetID="1" presetClass="entr" presetSubtype="0" fill="hold" grpId="0" nodeType="clickEffect">
+                                  <p:stCondLst>
+                                    <p:cond delay="0"/>
+                                  </p:stCondLst>
+                                  <p:childTnLst>
+                                    <p:set>
+                                      <p:cBhvr>
+                                        <p:cTn id="86" dur="1" fill="hold">
+                                          <p:stCondLst>
+                                            <p:cond delay="0"/>
+                                          </p:stCondLst>
+                                        </p:cTn>
+                                        <p:tgtEl>
+                                          <p:spTgt spid="68"/>
+                                        </p:tgtEl>
+                                        <p:attrNameLst>
+                                          <p:attrName>style.visibility</p:attrName>
+                                        </p:attrNameLst>
+                                      </p:cBhvr>
+                                      <p:to>
+                                        <p:strVal val="visible"/>
+                                      </p:to>
+                                    </p:set>
+                                  </p:childTnLst>
+                                </p:cTn>
+                              </p:par>
+                            </p:childTnLst>
+                          </p:cTn>
+                        </p:par>
+                      </p:childTnLst>
+                    </p:cTn>
+                  </p:par>
+                  <p:par>
+                    <p:cTn id="87" fill="hold">
+                      <p:stCondLst>
+                        <p:cond delay="indefinite"/>
+                      </p:stCondLst>
+                      <p:childTnLst>
+                        <p:par>
+                          <p:cTn id="88" fill="hold">
+                            <p:stCondLst>
+                              <p:cond delay="0"/>
+                            </p:stCondLst>
+                            <p:childTnLst>
+                              <p:par>
+                                <p:cTn id="89" presetID="1" presetClass="entr" presetSubtype="0" fill="hold" grpId="0" nodeType="clickEffect">
+                                  <p:stCondLst>
+                                    <p:cond delay="0"/>
+                                  </p:stCondLst>
+                                  <p:childTnLst>
+                                    <p:set>
+                                      <p:cBhvr>
+                                        <p:cTn id="90" dur="1" fill="hold">
+                                          <p:stCondLst>
+                                            <p:cond delay="0"/>
+                                          </p:stCondLst>
+                                        </p:cTn>
+                                        <p:tgtEl>
+                                          <p:spTgt spid="30"/>
+                                        </p:tgtEl>
+                                        <p:attrNameLst>
+                                          <p:attrName>style.visibility</p:attrName>
+                                        </p:attrNameLst>
+                                      </p:cBhvr>
+                                      <p:to>
+                                        <p:strVal val="visible"/>
+                                      </p:to>
+                                    </p:set>
+                                  </p:childTnLst>
+                                </p:cTn>
+                              </p:par>
+                            </p:childTnLst>
+                          </p:cTn>
+                        </p:par>
+                      </p:childTnLst>
+                    </p:cTn>
+                  </p:par>
+                  <p:par>
+                    <p:cTn id="91" fill="hold">
+                      <p:stCondLst>
+                        <p:cond delay="indefinite"/>
+                      </p:stCondLst>
+                      <p:childTnLst>
+                        <p:par>
+                          <p:cTn id="92" fill="hold">
+                            <p:stCondLst>
+                              <p:cond delay="0"/>
+                            </p:stCondLst>
+                            <p:childTnLst>
+                              <p:par>
+                                <p:cTn id="93" presetID="1" presetClass="entr" presetSubtype="0" fill="hold" grpId="0" nodeType="clickEffect">
+                                  <p:stCondLst>
+                                    <p:cond delay="0"/>
+                                  </p:stCondLst>
+                                  <p:childTnLst>
+                                    <p:set>
+                                      <p:cBhvr>
+                                        <p:cTn id="94" dur="1" fill="hold">
+                                          <p:stCondLst>
+                                            <p:cond delay="0"/>
+                                          </p:stCondLst>
+                                        </p:cTn>
+                                        <p:tgtEl>
+                                          <p:spTgt spid="63"/>
+                                        </p:tgtEl>
+                                        <p:attrNameLst>
+                                          <p:attrName>style.visibility</p:attrName>
+                                        </p:attrNameLst>
+                                      </p:cBhvr>
+                                      <p:to>
+                                        <p:strVal val="visible"/>
+                                      </p:to>
+                                    </p:set>
+                                  </p:childTnLst>
+                                </p:cTn>
+                              </p:par>
+                            </p:childTnLst>
+                          </p:cTn>
+                        </p:par>
+                      </p:childTnLst>
+                    </p:cTn>
+                  </p:par>
+                  <p:par>
+                    <p:cTn id="95" fill="hold">
+                      <p:stCondLst>
+                        <p:cond delay="indefinite"/>
+                      </p:stCondLst>
+                      <p:childTnLst>
+                        <p:par>
+                          <p:cTn id="96" fill="hold">
+                            <p:stCondLst>
+                              <p:cond delay="0"/>
+                            </p:stCondLst>
+                            <p:childTnLst>
+                              <p:par>
+                                <p:cTn id="97" presetID="1" presetClass="entr" presetSubtype="0" fill="hold" grpId="0" nodeType="clickEffect">
+                                  <p:stCondLst>
+                                    <p:cond delay="0"/>
+                                  </p:stCondLst>
+                                  <p:childTnLst>
+                                    <p:set>
+                                      <p:cBhvr>
+                                        <p:cTn id="98" dur="1" fill="hold">
+                                          <p:stCondLst>
+                                            <p:cond delay="0"/>
+                                          </p:stCondLst>
+                                        </p:cTn>
+                                        <p:tgtEl>
+                                          <p:spTgt spid="95"/>
+                                        </p:tgtEl>
+                                        <p:attrNameLst>
+                                          <p:attrName>style.visibility</p:attrName>
+                                        </p:attrNameLst>
+                                      </p:cBhvr>
+                                      <p:to>
+                                        <p:strVal val="visible"/>
+                                      </p:to>
+                                    </p:set>
+                                  </p:childTnLst>
+                                </p:cTn>
+                              </p:par>
+                            </p:childTnLst>
+                          </p:cTn>
+                        </p:par>
+                      </p:childTnLst>
+                    </p:cTn>
+                  </p:par>
+                  <p:par>
+                    <p:cTn id="99" fill="hold">
+                      <p:stCondLst>
+                        <p:cond delay="indefinite"/>
+                      </p:stCondLst>
+                      <p:childTnLst>
+                        <p:par>
+                          <p:cTn id="100" fill="hold">
+                            <p:stCondLst>
+                              <p:cond delay="0"/>
+                            </p:stCondLst>
+                            <p:childTnLst>
+                              <p:par>
+                                <p:cTn id="101" presetID="1" presetClass="entr" presetSubtype="0" fill="hold" grpId="0" nodeType="clickEffect">
+                                  <p:stCondLst>
+                                    <p:cond delay="0"/>
+                                  </p:stCondLst>
+                                  <p:childTnLst>
+                                    <p:set>
+                                      <p:cBhvr>
+                                        <p:cTn id="102" dur="1" fill="hold">
+                                          <p:stCondLst>
+                                            <p:cond delay="0"/>
+                                          </p:stCondLst>
+                                        </p:cTn>
+                                        <p:tgtEl>
+                                          <p:spTgt spid="96"/>
+                                        </p:tgtEl>
+                                        <p:attrNameLst>
+                                          <p:attrName>style.visibility</p:attrName>
+                                        </p:attrNameLst>
+                                      </p:cBhvr>
+                                      <p:to>
+                                        <p:strVal val="visible"/>
+                                      </p:to>
+                                    </p:set>
+                                  </p:childTnLst>
+                                </p:cTn>
+                              </p:par>
+                            </p:childTnLst>
+                          </p:cTn>
+                        </p:par>
+                      </p:childTnLst>
+                    </p:cTn>
+                  </p:par>
+                  <p:par>
+                    <p:cTn id="103" fill="hold">
+                      <p:stCondLst>
+                        <p:cond delay="indefinite"/>
+                      </p:stCondLst>
+                      <p:childTnLst>
+                        <p:par>
+                          <p:cTn id="104" fill="hold">
+                            <p:stCondLst>
+                              <p:cond delay="0"/>
+                            </p:stCondLst>
+                            <p:childTnLst>
+                              <p:par>
+                                <p:cTn id="105" presetID="1" presetClass="entr" presetSubtype="0" fill="hold" nodeType="clickEffect">
+                                  <p:stCondLst>
+                                    <p:cond delay="0"/>
+                                  </p:stCondLst>
+                                  <p:childTnLst>
+                                    <p:set>
+                                      <p:cBhvr>
+                                        <p:cTn id="106" dur="1" fill="hold">
+                                          <p:stCondLst>
+                                            <p:cond delay="0"/>
+                                          </p:stCondLst>
+                                        </p:cTn>
+                                        <p:tgtEl>
+                                          <p:spTgt spid="78"/>
+                                        </p:tgtEl>
+                                        <p:attrNameLst>
+                                          <p:attrName>style.visibility</p:attrName>
+                                        </p:attrNameLst>
+                                      </p:cBhvr>
+                                      <p:to>
+                                        <p:strVal val="visible"/>
+                                      </p:to>
+                                    </p:set>
+                                  </p:childTnLst>
+                                </p:cTn>
+                              </p:par>
+                              <p:par>
+                                <p:cTn id="107" presetID="1" presetClass="entr" presetSubtype="0" fill="hold" grpId="0" nodeType="withEffect">
+                                  <p:stCondLst>
+                                    <p:cond delay="0"/>
+                                  </p:stCondLst>
+                                  <p:childTnLst>
+                                    <p:set>
+                                      <p:cBhvr>
+                                        <p:cTn id="108" dur="1" fill="hold">
+                                          <p:stCondLst>
+                                            <p:cond delay="0"/>
+                                          </p:stCondLst>
+                                        </p:cTn>
+                                        <p:tgtEl>
+                                          <p:spTgt spid="82"/>
+                                        </p:tgtEl>
+                                        <p:attrNameLst>
+                                          <p:attrName>style.visibility</p:attrName>
+                                        </p:attrNameLst>
+                                      </p:cBhvr>
+                                      <p:to>
+                                        <p:strVal val="visible"/>
+                                      </p:to>
+                                    </p:set>
+                                  </p:childTnLst>
+                                </p:cTn>
+                              </p:par>
+                              <p:par>
+                                <p:cTn id="109" presetID="1" presetClass="entr" presetSubtype="0" fill="hold" grpId="0" nodeType="withEffect">
+                                  <p:stCondLst>
+                                    <p:cond delay="0"/>
+                                  </p:stCondLst>
+                                  <p:childTnLst>
+                                    <p:set>
+                                      <p:cBhvr>
+                                        <p:cTn id="110" dur="1" fill="hold">
+                                          <p:stCondLst>
+                                            <p:cond delay="0"/>
+                                          </p:stCondLst>
+                                        </p:cTn>
+                                        <p:tgtEl>
+                                          <p:spTgt spid="77"/>
+                                        </p:tgtEl>
+                                        <p:attrNameLst>
+                                          <p:attrName>style.visibility</p:attrName>
+                                        </p:attrNameLst>
+                                      </p:cBhvr>
+                                      <p:to>
+                                        <p:strVal val="visible"/>
+                                      </p:to>
+                                    </p:set>
+                                  </p:childTnLst>
+                                </p:cTn>
+                              </p:par>
+                            </p:childTnLst>
+                          </p:cTn>
+                        </p:par>
+                      </p:childTnLst>
+                    </p:cTn>
+                  </p:par>
+                  <p:par>
+                    <p:cTn id="111" fill="hold">
+                      <p:stCondLst>
+                        <p:cond delay="indefinite"/>
+                      </p:stCondLst>
+                      <p:childTnLst>
+                        <p:par>
+                          <p:cTn id="112" fill="hold">
+                            <p:stCondLst>
+                              <p:cond delay="0"/>
+                            </p:stCondLst>
+                            <p:childTnLst>
+                              <p:par>
+                                <p:cTn id="113" presetID="1" presetClass="entr" presetSubtype="0" fill="hold" grpId="0" nodeType="clickEffect">
+                                  <p:stCondLst>
+                                    <p:cond delay="0"/>
+                                  </p:stCondLst>
+                                  <p:childTnLst>
+                                    <p:set>
+                                      <p:cBhvr>
+                                        <p:cTn id="114" dur="1" fill="hold">
+                                          <p:stCondLst>
+                                            <p:cond delay="0"/>
+                                          </p:stCondLst>
+                                        </p:cTn>
+                                        <p:tgtEl>
+                                          <p:spTgt spid="61"/>
+                                        </p:tgtEl>
+                                        <p:attrNameLst>
+                                          <p:attrName>style.visibility</p:attrName>
+                                        </p:attrNameLst>
+                                      </p:cBhvr>
+                                      <p:to>
+                                        <p:strVal val="visible"/>
+                                      </p:to>
+                                    </p:set>
+                                  </p:childTnLst>
+                                </p:cTn>
+                              </p:par>
+                            </p:childTnLst>
+                          </p:cTn>
+                        </p:par>
+                      </p:childTnLst>
+                    </p:cTn>
+                  </p:par>
+                </p:childTnLst>
+              </p:cTn>
+              <p:prevCondLst>
+                <p:cond evt="onPrev" delay="0">
+                  <p:tgtEl>
+                    <p:sldTgt/>
+                  </p:tgtEl>
+                </p:cond>
+              </p:prevCondLst>
+              <p:nextCondLst>
+                <p:cond evt="onNext" delay="0">
+                  <p:tgtEl>
+                    <p:sldTgt/>
+                  </p:tgtEl>
+                </p:cond>
+              </p:nextCondLst>
+            </p:seq>
+          </p:childTnLst>
+        </p:cTn>
       </p:par>
     </p:tnLst>
+    <p:bldLst>
+      <p:bldP spid="39" grpId="0" animBg="1"/>
+      <p:bldP spid="60" grpId="0" animBg="1"/>
+      <p:bldP spid="53" grpId="0" animBg="1"/>
+      <p:bldP spid="15" grpId="0"/>
+      <p:bldP spid="16" grpId="0"/>
+      <p:bldP spid="25" grpId="0" animBg="1"/>
+      <p:bldP spid="36" grpId="0" animBg="1"/>
+      <p:bldP spid="37" grpId="0" animBg="1"/>
+      <p:bldP spid="38" grpId="0" animBg="1"/>
+      <p:bldP spid="18" grpId="0" animBg="1"/>
+      <p:bldP spid="62" grpId="0"/>
+      <p:bldP spid="63" grpId="0"/>
+      <p:bldP spid="77" grpId="0" animBg="1"/>
+      <p:bldP spid="82" grpId="0"/>
+      <p:bldP spid="93" grpId="0"/>
+      <p:bldP spid="94" grpId="0"/>
+      <p:bldP spid="95" grpId="0"/>
+      <p:bldP spid="96" grpId="0"/>
+      <p:bldP spid="29" grpId="0"/>
+      <p:bldP spid="30" grpId="0"/>
+      <p:bldP spid="31" grpId="0"/>
+      <p:bldP spid="32" grpId="0"/>
+      <p:bldP spid="34" grpId="0"/>
+      <p:bldP spid="51" grpId="0" animBg="1"/>
+      <p:bldP spid="52" grpId="0" animBg="1"/>
+      <p:bldP spid="54" grpId="0" animBg="1"/>
+      <p:bldP spid="56" grpId="0" animBg="1"/>
+      <p:bldP spid="59" grpId="0"/>
+      <p:bldP spid="61" grpId="0"/>
+      <p:bldP spid="68" grpId="0"/>
+      <p:bldP spid="79" grpId="0"/>
+    </p:bldLst>
   </p:timing>
 </p:sld>
 </file>
@@ -3046,6 +6066,2839 @@
       </p:grpSpPr>
       <p:sp>
         <p:nvSpPr>
+          <p:cNvPr id="35" name="Title 1"/>
+          <p:cNvSpPr>
+            <a:spLocks noGrp="1"/>
+          </p:cNvSpPr>
+          <p:nvPr>
+            <p:ph type="title"/>
+          </p:nvPr>
+        </p:nvSpPr>
+        <p:spPr>
+          <a:xfrm rot="16200000">
+            <a:off x="-2083413" y="2304437"/>
+            <a:ext cx="4738326" cy="461962"/>
+          </a:xfrm>
+        </p:spPr>
+        <p:txBody>
+          <a:bodyPr/>
+          <a:lstStyle/>
+          <a:p>
+            <a:r>
+              <a:rPr lang="en-US" dirty="0" smtClean="0">
+                <a:latin typeface="Open Sans"/>
+                <a:cs typeface="Open Sans"/>
+              </a:rPr>
+              <a:t>Integrations</a:t>
+            </a:r>
+            <a:endParaRPr lang="en-US" dirty="0">
+              <a:latin typeface="Open Sans"/>
+              <a:cs typeface="Open Sans"/>
+            </a:endParaRPr>
+          </a:p>
+        </p:txBody>
+      </p:sp>
+      <p:sp>
+        <p:nvSpPr>
+          <p:cNvPr id="61" name="TextBox 60"/>
+          <p:cNvSpPr txBox="1"/>
+          <p:nvPr/>
+        </p:nvSpPr>
+        <p:spPr>
+          <a:xfrm>
+            <a:off x="2546131" y="963850"/>
+            <a:ext cx="736099" cy="461665"/>
+          </a:xfrm>
+          <a:prstGeom prst="rect">
+            <a:avLst/>
+          </a:prstGeom>
+          <a:noFill/>
+        </p:spPr>
+        <p:txBody>
+          <a:bodyPr wrap="none" rtlCol="0">
+            <a:spAutoFit/>
+          </a:bodyPr>
+          <a:lstStyle/>
+          <a:p>
+            <a:pPr algn="ctr"/>
+            <a:r>
+              <a:rPr lang="en-US" sz="1200" dirty="0" smtClean="0">
+                <a:latin typeface="Open Sans Light"/>
+                <a:cs typeface="Open Sans Light"/>
+              </a:rPr>
+              <a:t>EC2 C.</a:t>
+            </a:r>
+            <a:br>
+              <a:rPr lang="en-US" sz="1200" dirty="0" smtClean="0">
+                <a:latin typeface="Open Sans Light"/>
+                <a:cs typeface="Open Sans Light"/>
+              </a:rPr>
+            </a:br>
+            <a:r>
+              <a:rPr lang="en-US" sz="1200" dirty="0" smtClean="0">
+                <a:latin typeface="Open Sans Light"/>
+                <a:cs typeface="Open Sans Light"/>
+              </a:rPr>
+              <a:t>Registry</a:t>
+            </a:r>
+            <a:endParaRPr lang="en-US" sz="1200" dirty="0">
+              <a:latin typeface="Open Sans Light"/>
+              <a:cs typeface="Open Sans Light"/>
+            </a:endParaRPr>
+          </a:p>
+        </p:txBody>
+      </p:sp>
+      <p:pic>
+        <p:nvPicPr>
+          <p:cNvPr id="3" name="Picture 2"/>
+          <p:cNvPicPr>
+            <a:picLocks noChangeAspect="1"/>
+          </p:cNvPicPr>
+          <p:nvPr/>
+        </p:nvPicPr>
+        <p:blipFill>
+          <a:blip r:embed="rId3"/>
+          <a:stretch>
+            <a:fillRect/>
+          </a:stretch>
+        </p:blipFill>
+        <p:spPr>
+          <a:xfrm>
+            <a:off x="4337741" y="326840"/>
+            <a:ext cx="689673" cy="689673"/>
+          </a:xfrm>
+          <a:prstGeom prst="rect">
+            <a:avLst/>
+          </a:prstGeom>
+        </p:spPr>
+      </p:pic>
+      <p:pic>
+        <p:nvPicPr>
+          <p:cNvPr id="4" name="Picture 3"/>
+          <p:cNvPicPr>
+            <a:picLocks noChangeAspect="1"/>
+          </p:cNvPicPr>
+          <p:nvPr/>
+        </p:nvPicPr>
+        <p:blipFill>
+          <a:blip r:embed="rId4"/>
+          <a:stretch>
+            <a:fillRect/>
+          </a:stretch>
+        </p:blipFill>
+        <p:spPr>
+          <a:xfrm>
+            <a:off x="6172390" y="285934"/>
+            <a:ext cx="730579" cy="730579"/>
+          </a:xfrm>
+          <a:prstGeom prst="rect">
+            <a:avLst/>
+          </a:prstGeom>
+        </p:spPr>
+      </p:pic>
+      <p:pic>
+        <p:nvPicPr>
+          <p:cNvPr id="5" name="Picture 4"/>
+          <p:cNvPicPr>
+            <a:picLocks noChangeAspect="1"/>
+          </p:cNvPicPr>
+          <p:nvPr/>
+        </p:nvPicPr>
+        <p:blipFill>
+          <a:blip r:embed="rId5"/>
+          <a:stretch>
+            <a:fillRect/>
+          </a:stretch>
+        </p:blipFill>
+        <p:spPr>
+          <a:xfrm>
+            <a:off x="2558830" y="285934"/>
+            <a:ext cx="730579" cy="730579"/>
+          </a:xfrm>
+          <a:prstGeom prst="rect">
+            <a:avLst/>
+          </a:prstGeom>
+        </p:spPr>
+      </p:pic>
+      <p:pic>
+        <p:nvPicPr>
+          <p:cNvPr id="6" name="Picture 5"/>
+          <p:cNvPicPr>
+            <a:picLocks noChangeAspect="1"/>
+          </p:cNvPicPr>
+          <p:nvPr/>
+        </p:nvPicPr>
+        <p:blipFill>
+          <a:blip r:embed="rId6"/>
+          <a:stretch>
+            <a:fillRect/>
+          </a:stretch>
+        </p:blipFill>
+        <p:spPr>
+          <a:xfrm>
+            <a:off x="3391497" y="285934"/>
+            <a:ext cx="730579" cy="730579"/>
+          </a:xfrm>
+          <a:prstGeom prst="rect">
+            <a:avLst/>
+          </a:prstGeom>
+        </p:spPr>
+      </p:pic>
+      <p:sp>
+        <p:nvSpPr>
+          <p:cNvPr id="48" name="TextBox 47"/>
+          <p:cNvSpPr txBox="1"/>
+          <p:nvPr/>
+        </p:nvSpPr>
+        <p:spPr>
+          <a:xfrm>
+            <a:off x="3170553" y="963850"/>
+            <a:ext cx="1172466" cy="461665"/>
+          </a:xfrm>
+          <a:prstGeom prst="rect">
+            <a:avLst/>
+          </a:prstGeom>
+          <a:noFill/>
+        </p:spPr>
+        <p:txBody>
+          <a:bodyPr wrap="none" rtlCol="0">
+            <a:spAutoFit/>
+          </a:bodyPr>
+          <a:lstStyle/>
+          <a:p>
+            <a:pPr algn="ctr"/>
+            <a:r>
+              <a:rPr lang="en-US" sz="1200" dirty="0" smtClean="0">
+                <a:latin typeface="Open Sans Light"/>
+                <a:cs typeface="Open Sans Light"/>
+              </a:rPr>
+              <a:t>EC2 Container</a:t>
+            </a:r>
+            <a:br>
+              <a:rPr lang="en-US" sz="1200" dirty="0" smtClean="0">
+                <a:latin typeface="Open Sans Light"/>
+                <a:cs typeface="Open Sans Light"/>
+              </a:rPr>
+            </a:br>
+            <a:r>
+              <a:rPr lang="en-US" sz="1200" dirty="0" smtClean="0">
+                <a:latin typeface="Open Sans Light"/>
+                <a:cs typeface="Open Sans Light"/>
+              </a:rPr>
+              <a:t>Service</a:t>
+            </a:r>
+            <a:endParaRPr lang="en-US" sz="1200" dirty="0">
+              <a:latin typeface="Open Sans Light"/>
+              <a:cs typeface="Open Sans Light"/>
+            </a:endParaRPr>
+          </a:p>
+        </p:txBody>
+      </p:sp>
+      <p:pic>
+        <p:nvPicPr>
+          <p:cNvPr id="7" name="Picture 6"/>
+          <p:cNvPicPr>
+            <a:picLocks noChangeAspect="1"/>
+          </p:cNvPicPr>
+          <p:nvPr/>
+        </p:nvPicPr>
+        <p:blipFill>
+          <a:blip r:embed="rId7"/>
+          <a:stretch>
+            <a:fillRect/>
+          </a:stretch>
+        </p:blipFill>
+        <p:spPr>
+          <a:xfrm>
+            <a:off x="8019410" y="377405"/>
+            <a:ext cx="639108" cy="639108"/>
+          </a:xfrm>
+          <a:prstGeom prst="rect">
+            <a:avLst/>
+          </a:prstGeom>
+        </p:spPr>
+      </p:pic>
+      <p:sp>
+        <p:nvSpPr>
+          <p:cNvPr id="50" name="TextBox 49"/>
+          <p:cNvSpPr txBox="1"/>
+          <p:nvPr/>
+        </p:nvSpPr>
+        <p:spPr>
+          <a:xfrm>
+            <a:off x="6310694" y="963850"/>
+            <a:ext cx="453970" cy="276999"/>
+          </a:xfrm>
+          <a:prstGeom prst="rect">
+            <a:avLst/>
+          </a:prstGeom>
+          <a:noFill/>
+        </p:spPr>
+        <p:txBody>
+          <a:bodyPr wrap="none" rtlCol="0">
+            <a:spAutoFit/>
+          </a:bodyPr>
+          <a:lstStyle/>
+          <a:p>
+            <a:pPr algn="ctr"/>
+            <a:r>
+              <a:rPr lang="en-US" sz="1200" dirty="0" smtClean="0">
+                <a:latin typeface="Open Sans Light"/>
+                <a:cs typeface="Open Sans Light"/>
+              </a:rPr>
+              <a:t>EC2</a:t>
+            </a:r>
+            <a:endParaRPr lang="en-US" sz="1200" dirty="0">
+              <a:latin typeface="Open Sans Light"/>
+              <a:cs typeface="Open Sans Light"/>
+            </a:endParaRPr>
+          </a:p>
+        </p:txBody>
+      </p:sp>
+      <p:sp>
+        <p:nvSpPr>
+          <p:cNvPr id="55" name="TextBox 54"/>
+          <p:cNvSpPr txBox="1"/>
+          <p:nvPr/>
+        </p:nvSpPr>
+        <p:spPr>
+          <a:xfrm>
+            <a:off x="7180506" y="4432859"/>
+            <a:ext cx="632129" cy="461665"/>
+          </a:xfrm>
+          <a:prstGeom prst="rect">
+            <a:avLst/>
+          </a:prstGeom>
+          <a:noFill/>
+        </p:spPr>
+        <p:txBody>
+          <a:bodyPr wrap="none" rtlCol="0">
+            <a:spAutoFit/>
+          </a:bodyPr>
+          <a:lstStyle/>
+          <a:p>
+            <a:pPr algn="ctr"/>
+            <a:r>
+              <a:rPr lang="en-US" sz="1200" dirty="0" smtClean="0">
+                <a:latin typeface="Open Sans Light"/>
+                <a:cs typeface="Open Sans Light"/>
+              </a:rPr>
+              <a:t>Digital</a:t>
+            </a:r>
+            <a:br>
+              <a:rPr lang="en-US" sz="1200" dirty="0" smtClean="0">
+                <a:latin typeface="Open Sans Light"/>
+                <a:cs typeface="Open Sans Light"/>
+              </a:rPr>
+            </a:br>
+            <a:r>
+              <a:rPr lang="en-US" sz="1200" dirty="0" smtClean="0">
+                <a:latin typeface="Open Sans Light"/>
+                <a:cs typeface="Open Sans Light"/>
+              </a:rPr>
+              <a:t>Ocean</a:t>
+            </a:r>
+            <a:endParaRPr lang="en-US" sz="1200" dirty="0">
+              <a:latin typeface="Open Sans Light"/>
+              <a:cs typeface="Open Sans Light"/>
+            </a:endParaRPr>
+          </a:p>
+        </p:txBody>
+      </p:sp>
+      <p:pic>
+        <p:nvPicPr>
+          <p:cNvPr id="9" name="Picture 8"/>
+          <p:cNvPicPr>
+            <a:picLocks noChangeAspect="1"/>
+          </p:cNvPicPr>
+          <p:nvPr/>
+        </p:nvPicPr>
+        <p:blipFill>
+          <a:blip r:embed="rId8"/>
+          <a:stretch>
+            <a:fillRect/>
+          </a:stretch>
+        </p:blipFill>
+        <p:spPr>
+          <a:xfrm>
+            <a:off x="6173073" y="3764546"/>
+            <a:ext cx="729213" cy="729213"/>
+          </a:xfrm>
+          <a:prstGeom prst="rect">
+            <a:avLst/>
+          </a:prstGeom>
+        </p:spPr>
+      </p:pic>
+      <p:sp>
+        <p:nvSpPr>
+          <p:cNvPr id="57" name="TextBox 56"/>
+          <p:cNvSpPr txBox="1"/>
+          <p:nvPr/>
+        </p:nvSpPr>
+        <p:spPr>
+          <a:xfrm>
+            <a:off x="7174011" y="963850"/>
+            <a:ext cx="505267" cy="276999"/>
+          </a:xfrm>
+          <a:prstGeom prst="rect">
+            <a:avLst/>
+          </a:prstGeom>
+          <a:noFill/>
+        </p:spPr>
+        <p:txBody>
+          <a:bodyPr wrap="none" rtlCol="0">
+            <a:spAutoFit/>
+          </a:bodyPr>
+          <a:lstStyle/>
+          <a:p>
+            <a:pPr algn="ctr"/>
+            <a:r>
+              <a:rPr lang="en-US" sz="1200" dirty="0" smtClean="0">
+                <a:latin typeface="Open Sans Light"/>
+                <a:cs typeface="Open Sans Light"/>
+              </a:rPr>
+              <a:t>AWS</a:t>
+            </a:r>
+            <a:endParaRPr lang="en-US" sz="1200" dirty="0">
+              <a:latin typeface="Open Sans Light"/>
+              <a:cs typeface="Open Sans Light"/>
+            </a:endParaRPr>
+          </a:p>
+        </p:txBody>
+      </p:sp>
+      <p:sp>
+        <p:nvSpPr>
+          <p:cNvPr id="58" name="TextBox 57"/>
+          <p:cNvSpPr txBox="1"/>
+          <p:nvPr/>
+        </p:nvSpPr>
+        <p:spPr>
+          <a:xfrm>
+            <a:off x="6246148" y="4432859"/>
+            <a:ext cx="583062" cy="276999"/>
+          </a:xfrm>
+          <a:prstGeom prst="rect">
+            <a:avLst/>
+          </a:prstGeom>
+          <a:noFill/>
+        </p:spPr>
+        <p:txBody>
+          <a:bodyPr wrap="none" rtlCol="0">
+            <a:spAutoFit/>
+          </a:bodyPr>
+          <a:lstStyle/>
+          <a:p>
+            <a:pPr algn="ctr"/>
+            <a:r>
+              <a:rPr lang="en-US" sz="1200" dirty="0" smtClean="0">
+                <a:latin typeface="Open Sans Light"/>
+                <a:cs typeface="Open Sans Light"/>
+              </a:rPr>
+              <a:t>Azure</a:t>
+            </a:r>
+            <a:endParaRPr lang="en-US" sz="1200" dirty="0">
+              <a:latin typeface="Open Sans Light"/>
+              <a:cs typeface="Open Sans Light"/>
+            </a:endParaRPr>
+          </a:p>
+        </p:txBody>
+      </p:sp>
+      <p:pic>
+        <p:nvPicPr>
+          <p:cNvPr id="10" name="Picture 9"/>
+          <p:cNvPicPr>
+            <a:picLocks noChangeAspect="1"/>
+          </p:cNvPicPr>
+          <p:nvPr/>
+        </p:nvPicPr>
+        <p:blipFill>
+          <a:blip r:embed="rId9"/>
+          <a:stretch>
+            <a:fillRect/>
+          </a:stretch>
+        </p:blipFill>
+        <p:spPr>
+          <a:xfrm>
+            <a:off x="7064457" y="292139"/>
+            <a:ext cx="724374" cy="724374"/>
+          </a:xfrm>
+          <a:prstGeom prst="rect">
+            <a:avLst/>
+          </a:prstGeom>
+        </p:spPr>
+      </p:pic>
+      <p:pic>
+        <p:nvPicPr>
+          <p:cNvPr id="11" name="Picture 10"/>
+          <p:cNvPicPr>
+            <a:picLocks noChangeAspect="1"/>
+          </p:cNvPicPr>
+          <p:nvPr/>
+        </p:nvPicPr>
+        <p:blipFill>
+          <a:blip r:embed="rId10"/>
+          <a:stretch>
+            <a:fillRect/>
+          </a:stretch>
+        </p:blipFill>
+        <p:spPr>
+          <a:xfrm>
+            <a:off x="5233892" y="285934"/>
+            <a:ext cx="730579" cy="730579"/>
+          </a:xfrm>
+          <a:prstGeom prst="rect">
+            <a:avLst/>
+          </a:prstGeom>
+        </p:spPr>
+      </p:pic>
+      <p:sp>
+        <p:nvSpPr>
+          <p:cNvPr id="64" name="TextBox 63"/>
+          <p:cNvSpPr txBox="1"/>
+          <p:nvPr/>
+        </p:nvSpPr>
+        <p:spPr>
+          <a:xfrm>
+            <a:off x="5194288" y="963850"/>
+            <a:ext cx="877163" cy="276999"/>
+          </a:xfrm>
+          <a:prstGeom prst="rect">
+            <a:avLst/>
+          </a:prstGeom>
+          <a:noFill/>
+        </p:spPr>
+        <p:txBody>
+          <a:bodyPr wrap="none" rtlCol="0">
+            <a:spAutoFit/>
+          </a:bodyPr>
+          <a:lstStyle/>
+          <a:p>
+            <a:pPr algn="ctr"/>
+            <a:r>
+              <a:rPr lang="en-US" sz="1200" dirty="0" smtClean="0">
+                <a:latin typeface="Open Sans Light"/>
+                <a:cs typeface="Open Sans Light"/>
+              </a:rPr>
+              <a:t>Opsworks</a:t>
+            </a:r>
+            <a:endParaRPr lang="en-US" sz="1200" dirty="0">
+              <a:latin typeface="Open Sans Light"/>
+              <a:cs typeface="Open Sans Light"/>
+            </a:endParaRPr>
+          </a:p>
+        </p:txBody>
+      </p:sp>
+      <p:sp>
+        <p:nvSpPr>
+          <p:cNvPr id="65" name="TextBox 64"/>
+          <p:cNvSpPr txBox="1"/>
+          <p:nvPr/>
+        </p:nvSpPr>
+        <p:spPr>
+          <a:xfrm>
+            <a:off x="4340176" y="3229285"/>
+            <a:ext cx="684803" cy="461665"/>
+          </a:xfrm>
+          <a:prstGeom prst="rect">
+            <a:avLst/>
+          </a:prstGeom>
+          <a:noFill/>
+        </p:spPr>
+        <p:txBody>
+          <a:bodyPr wrap="none" rtlCol="0">
+            <a:spAutoFit/>
+          </a:bodyPr>
+          <a:lstStyle/>
+          <a:p>
+            <a:pPr algn="ctr"/>
+            <a:r>
+              <a:rPr lang="en-US" sz="1200" dirty="0" smtClean="0">
+                <a:latin typeface="Open Sans Light"/>
+                <a:cs typeface="Open Sans Light"/>
+              </a:rPr>
+              <a:t>Docker </a:t>
+            </a:r>
+            <a:br>
+              <a:rPr lang="en-US" sz="1200" dirty="0" smtClean="0">
+                <a:latin typeface="Open Sans Light"/>
+                <a:cs typeface="Open Sans Light"/>
+              </a:rPr>
+            </a:br>
+            <a:r>
+              <a:rPr lang="en-US" sz="1200" dirty="0" smtClean="0">
+                <a:latin typeface="Open Sans Light"/>
+                <a:cs typeface="Open Sans Light"/>
+              </a:rPr>
+              <a:t>Build</a:t>
+            </a:r>
+            <a:endParaRPr lang="en-US" sz="1200" dirty="0">
+              <a:latin typeface="Open Sans Light"/>
+              <a:cs typeface="Open Sans Light"/>
+            </a:endParaRPr>
+          </a:p>
+        </p:txBody>
+      </p:sp>
+      <p:sp>
+        <p:nvSpPr>
+          <p:cNvPr id="66" name="TextBox 65"/>
+          <p:cNvSpPr txBox="1"/>
+          <p:nvPr/>
+        </p:nvSpPr>
+        <p:spPr>
+          <a:xfrm>
+            <a:off x="8066243" y="963850"/>
+            <a:ext cx="453970" cy="276999"/>
+          </a:xfrm>
+          <a:prstGeom prst="rect">
+            <a:avLst/>
+          </a:prstGeom>
+          <a:noFill/>
+        </p:spPr>
+        <p:txBody>
+          <a:bodyPr wrap="none" rtlCol="0">
+            <a:spAutoFit/>
+          </a:bodyPr>
+          <a:lstStyle/>
+          <a:p>
+            <a:pPr algn="ctr"/>
+            <a:r>
+              <a:rPr lang="en-US" sz="1200" dirty="0" smtClean="0">
+                <a:latin typeface="Open Sans Light"/>
+                <a:cs typeface="Open Sans Light"/>
+              </a:rPr>
+              <a:t>EBS</a:t>
+            </a:r>
+            <a:endParaRPr lang="en-US" sz="1200" dirty="0">
+              <a:latin typeface="Open Sans Light"/>
+              <a:cs typeface="Open Sans Light"/>
+            </a:endParaRPr>
+          </a:p>
+        </p:txBody>
+      </p:sp>
+      <p:sp>
+        <p:nvSpPr>
+          <p:cNvPr id="67" name="TextBox 66"/>
+          <p:cNvSpPr txBox="1"/>
+          <p:nvPr/>
+        </p:nvSpPr>
+        <p:spPr>
+          <a:xfrm>
+            <a:off x="7141997" y="2036042"/>
+            <a:ext cx="684803" cy="461665"/>
+          </a:xfrm>
+          <a:prstGeom prst="rect">
+            <a:avLst/>
+          </a:prstGeom>
+          <a:noFill/>
+        </p:spPr>
+        <p:txBody>
+          <a:bodyPr wrap="none" rtlCol="0">
+            <a:spAutoFit/>
+          </a:bodyPr>
+          <a:lstStyle/>
+          <a:p>
+            <a:pPr algn="ctr"/>
+            <a:r>
+              <a:rPr lang="en-US" sz="1200" dirty="0" smtClean="0">
+                <a:latin typeface="Open Sans Light"/>
+                <a:cs typeface="Open Sans Light"/>
+              </a:rPr>
+              <a:t>Google</a:t>
+            </a:r>
+            <a:br>
+              <a:rPr lang="en-US" sz="1200" dirty="0" smtClean="0">
+                <a:latin typeface="Open Sans Light"/>
+                <a:cs typeface="Open Sans Light"/>
+              </a:rPr>
+            </a:br>
+            <a:r>
+              <a:rPr lang="en-US" sz="1200" dirty="0" smtClean="0">
+                <a:latin typeface="Open Sans Light"/>
+                <a:cs typeface="Open Sans Light"/>
+              </a:rPr>
+              <a:t>Cloud</a:t>
+            </a:r>
+            <a:endParaRPr lang="en-US" sz="1200" dirty="0">
+              <a:latin typeface="Open Sans Light"/>
+              <a:cs typeface="Open Sans Light"/>
+            </a:endParaRPr>
+          </a:p>
+        </p:txBody>
+      </p:sp>
+      <p:sp>
+        <p:nvSpPr>
+          <p:cNvPr id="69" name="TextBox 68"/>
+          <p:cNvSpPr txBox="1"/>
+          <p:nvPr/>
+        </p:nvSpPr>
+        <p:spPr>
+          <a:xfrm>
+            <a:off x="2604606" y="3229285"/>
+            <a:ext cx="684803" cy="461665"/>
+          </a:xfrm>
+          <a:prstGeom prst="rect">
+            <a:avLst/>
+          </a:prstGeom>
+          <a:noFill/>
+        </p:spPr>
+        <p:txBody>
+          <a:bodyPr wrap="none" rtlCol="0">
+            <a:spAutoFit/>
+          </a:bodyPr>
+          <a:lstStyle/>
+          <a:p>
+            <a:pPr algn="ctr"/>
+            <a:r>
+              <a:rPr lang="en-US" sz="1200" dirty="0" smtClean="0">
+                <a:latin typeface="Open Sans Light"/>
+                <a:cs typeface="Open Sans Light"/>
+              </a:rPr>
+              <a:t>Docker </a:t>
+            </a:r>
+            <a:br>
+              <a:rPr lang="en-US" sz="1200" dirty="0" smtClean="0">
+                <a:latin typeface="Open Sans Light"/>
+                <a:cs typeface="Open Sans Light"/>
+              </a:rPr>
+            </a:br>
+            <a:r>
+              <a:rPr lang="en-US" sz="1200" dirty="0" smtClean="0">
+                <a:latin typeface="Open Sans Light"/>
+                <a:cs typeface="Open Sans Light"/>
+              </a:rPr>
+              <a:t>Hub</a:t>
+            </a:r>
+            <a:endParaRPr lang="en-US" sz="1200" dirty="0">
+              <a:latin typeface="Open Sans Light"/>
+              <a:cs typeface="Open Sans Light"/>
+            </a:endParaRPr>
+          </a:p>
+        </p:txBody>
+      </p:sp>
+      <p:sp>
+        <p:nvSpPr>
+          <p:cNvPr id="70" name="TextBox 69"/>
+          <p:cNvSpPr txBox="1"/>
+          <p:nvPr/>
+        </p:nvSpPr>
+        <p:spPr>
+          <a:xfrm>
+            <a:off x="3414385" y="3229285"/>
+            <a:ext cx="684803" cy="461665"/>
+          </a:xfrm>
+          <a:prstGeom prst="rect">
+            <a:avLst/>
+          </a:prstGeom>
+          <a:noFill/>
+        </p:spPr>
+        <p:txBody>
+          <a:bodyPr wrap="none" rtlCol="0">
+            <a:spAutoFit/>
+          </a:bodyPr>
+          <a:lstStyle/>
+          <a:p>
+            <a:pPr algn="ctr"/>
+            <a:r>
+              <a:rPr lang="en-US" sz="1200" dirty="0" smtClean="0">
+                <a:latin typeface="Open Sans Light"/>
+                <a:cs typeface="Open Sans Light"/>
+              </a:rPr>
+              <a:t>Docker</a:t>
+            </a:r>
+            <a:br>
+              <a:rPr lang="en-US" sz="1200" dirty="0" smtClean="0">
+                <a:latin typeface="Open Sans Light"/>
+                <a:cs typeface="Open Sans Light"/>
+              </a:rPr>
+            </a:br>
+            <a:r>
+              <a:rPr lang="en-US" sz="1200" dirty="0" smtClean="0">
+                <a:latin typeface="Open Sans Light"/>
+                <a:cs typeface="Open Sans Light"/>
+              </a:rPr>
+              <a:t>Cloud</a:t>
+            </a:r>
+            <a:endParaRPr lang="en-US" sz="1200" dirty="0">
+              <a:latin typeface="Open Sans Light"/>
+              <a:cs typeface="Open Sans Light"/>
+            </a:endParaRPr>
+          </a:p>
+        </p:txBody>
+      </p:sp>
+      <p:pic>
+        <p:nvPicPr>
+          <p:cNvPr id="12" name="Picture 11"/>
+          <p:cNvPicPr>
+            <a:picLocks noChangeAspect="1"/>
+          </p:cNvPicPr>
+          <p:nvPr/>
+        </p:nvPicPr>
+        <p:blipFill>
+          <a:blip r:embed="rId11"/>
+          <a:stretch>
+            <a:fillRect/>
+          </a:stretch>
+        </p:blipFill>
+        <p:spPr>
+          <a:xfrm>
+            <a:off x="772973" y="2099721"/>
+            <a:ext cx="724289" cy="724289"/>
+          </a:xfrm>
+          <a:prstGeom prst="rect">
+            <a:avLst/>
+          </a:prstGeom>
+        </p:spPr>
+      </p:pic>
+      <p:sp>
+        <p:nvSpPr>
+          <p:cNvPr id="71" name="TextBox 70"/>
+          <p:cNvSpPr txBox="1"/>
+          <p:nvPr/>
+        </p:nvSpPr>
+        <p:spPr>
+          <a:xfrm>
+            <a:off x="715772" y="2776017"/>
+            <a:ext cx="838691" cy="276999"/>
+          </a:xfrm>
+          <a:prstGeom prst="rect">
+            <a:avLst/>
+          </a:prstGeom>
+          <a:noFill/>
+        </p:spPr>
+        <p:txBody>
+          <a:bodyPr wrap="none" rtlCol="0">
+            <a:spAutoFit/>
+          </a:bodyPr>
+          <a:lstStyle/>
+          <a:p>
+            <a:pPr algn="ctr"/>
+            <a:r>
+              <a:rPr lang="en-US" sz="1200" dirty="0" smtClean="0">
+                <a:latin typeface="Open Sans Light"/>
+                <a:cs typeface="Open Sans Light"/>
+              </a:rPr>
+              <a:t>Bitbucket</a:t>
+            </a:r>
+            <a:endParaRPr lang="en-US" sz="1200" dirty="0">
+              <a:latin typeface="Open Sans Light"/>
+              <a:cs typeface="Open Sans Light"/>
+            </a:endParaRPr>
+          </a:p>
+        </p:txBody>
+      </p:sp>
+      <p:sp>
+        <p:nvSpPr>
+          <p:cNvPr id="72" name="TextBox 71"/>
+          <p:cNvSpPr txBox="1"/>
+          <p:nvPr/>
+        </p:nvSpPr>
+        <p:spPr>
+          <a:xfrm>
+            <a:off x="4346588" y="963850"/>
+            <a:ext cx="671979" cy="461665"/>
+          </a:xfrm>
+          <a:prstGeom prst="rect">
+            <a:avLst/>
+          </a:prstGeom>
+          <a:noFill/>
+        </p:spPr>
+        <p:txBody>
+          <a:bodyPr wrap="none" rtlCol="0">
+            <a:spAutoFit/>
+          </a:bodyPr>
+          <a:lstStyle/>
+          <a:p>
+            <a:pPr algn="ctr"/>
+            <a:r>
+              <a:rPr lang="en-US" sz="1200" dirty="0" smtClean="0">
+                <a:latin typeface="Open Sans Light"/>
+                <a:cs typeface="Open Sans Light"/>
+              </a:rPr>
+              <a:t>Code</a:t>
+            </a:r>
+            <a:br>
+              <a:rPr lang="en-US" sz="1200" dirty="0" smtClean="0">
+                <a:latin typeface="Open Sans Light"/>
+                <a:cs typeface="Open Sans Light"/>
+              </a:rPr>
+            </a:br>
+            <a:r>
+              <a:rPr lang="en-US" sz="1200" dirty="0" smtClean="0">
+                <a:latin typeface="Open Sans Light"/>
+                <a:cs typeface="Open Sans Light"/>
+              </a:rPr>
+              <a:t>Deploy</a:t>
+            </a:r>
+            <a:endParaRPr lang="en-US" sz="1200" dirty="0">
+              <a:latin typeface="Open Sans Light"/>
+              <a:cs typeface="Open Sans Light"/>
+            </a:endParaRPr>
+          </a:p>
+        </p:txBody>
+      </p:sp>
+      <p:sp>
+        <p:nvSpPr>
+          <p:cNvPr id="74" name="TextBox 73"/>
+          <p:cNvSpPr txBox="1"/>
+          <p:nvPr/>
+        </p:nvSpPr>
+        <p:spPr>
+          <a:xfrm>
+            <a:off x="840017" y="1862526"/>
+            <a:ext cx="590201" cy="276999"/>
+          </a:xfrm>
+          <a:prstGeom prst="rect">
+            <a:avLst/>
+          </a:prstGeom>
+          <a:noFill/>
+        </p:spPr>
+        <p:txBody>
+          <a:bodyPr wrap="none" rtlCol="0">
+            <a:spAutoFit/>
+          </a:bodyPr>
+          <a:lstStyle/>
+          <a:p>
+            <a:pPr algn="ctr"/>
+            <a:r>
+              <a:rPr lang="en-US" sz="1200" dirty="0" smtClean="0">
+                <a:latin typeface="Open Sans Light"/>
+                <a:cs typeface="Open Sans Light"/>
+              </a:rPr>
+              <a:t>Gitlab</a:t>
+            </a:r>
+            <a:endParaRPr lang="en-US" sz="1200" dirty="0">
+              <a:latin typeface="Open Sans Light"/>
+              <a:cs typeface="Open Sans Light"/>
+            </a:endParaRPr>
+          </a:p>
+        </p:txBody>
+      </p:sp>
+      <p:pic>
+        <p:nvPicPr>
+          <p:cNvPr id="13" name="Picture 12"/>
+          <p:cNvPicPr>
+            <a:picLocks noChangeAspect="1"/>
+          </p:cNvPicPr>
+          <p:nvPr/>
+        </p:nvPicPr>
+        <p:blipFill>
+          <a:blip r:embed="rId12"/>
+          <a:stretch>
+            <a:fillRect/>
+          </a:stretch>
+        </p:blipFill>
+        <p:spPr>
+          <a:xfrm>
+            <a:off x="7130967" y="3762553"/>
+            <a:ext cx="731206" cy="731206"/>
+          </a:xfrm>
+          <a:prstGeom prst="rect">
+            <a:avLst/>
+          </a:prstGeom>
+        </p:spPr>
+      </p:pic>
+      <p:pic>
+        <p:nvPicPr>
+          <p:cNvPr id="14" name="Picture 13"/>
+          <p:cNvPicPr>
+            <a:picLocks noChangeAspect="1"/>
+          </p:cNvPicPr>
+          <p:nvPr/>
+        </p:nvPicPr>
+        <p:blipFill>
+          <a:blip r:embed="rId13"/>
+          <a:stretch>
+            <a:fillRect/>
+          </a:stretch>
+        </p:blipFill>
+        <p:spPr>
+          <a:xfrm>
+            <a:off x="4320390" y="2569632"/>
+            <a:ext cx="724374" cy="724374"/>
+          </a:xfrm>
+          <a:prstGeom prst="rect">
+            <a:avLst/>
+          </a:prstGeom>
+        </p:spPr>
+      </p:pic>
+      <p:pic>
+        <p:nvPicPr>
+          <p:cNvPr id="17" name="Picture 16"/>
+          <p:cNvPicPr>
+            <a:picLocks noChangeAspect="1"/>
+          </p:cNvPicPr>
+          <p:nvPr/>
+        </p:nvPicPr>
+        <p:blipFill>
+          <a:blip r:embed="rId14"/>
+          <a:stretch>
+            <a:fillRect/>
+          </a:stretch>
+        </p:blipFill>
+        <p:spPr>
+          <a:xfrm>
+            <a:off x="3394666" y="2540796"/>
+            <a:ext cx="724240" cy="753210"/>
+          </a:xfrm>
+          <a:prstGeom prst="rect">
+            <a:avLst/>
+          </a:prstGeom>
+        </p:spPr>
+      </p:pic>
+      <p:pic>
+        <p:nvPicPr>
+          <p:cNvPr id="19" name="Picture 18"/>
+          <p:cNvPicPr>
+            <a:picLocks noChangeAspect="1"/>
+          </p:cNvPicPr>
+          <p:nvPr/>
+        </p:nvPicPr>
+        <p:blipFill>
+          <a:blip r:embed="rId15"/>
+          <a:stretch>
+            <a:fillRect/>
+          </a:stretch>
+        </p:blipFill>
+        <p:spPr>
+          <a:xfrm>
+            <a:off x="772973" y="257286"/>
+            <a:ext cx="724289" cy="724289"/>
+          </a:xfrm>
+          <a:prstGeom prst="rect">
+            <a:avLst/>
+          </a:prstGeom>
+        </p:spPr>
+      </p:pic>
+      <p:sp>
+        <p:nvSpPr>
+          <p:cNvPr id="75" name="TextBox 74"/>
+          <p:cNvSpPr txBox="1"/>
+          <p:nvPr/>
+        </p:nvSpPr>
+        <p:spPr>
+          <a:xfrm>
+            <a:off x="797450" y="933582"/>
+            <a:ext cx="675335" cy="276999"/>
+          </a:xfrm>
+          <a:prstGeom prst="rect">
+            <a:avLst/>
+          </a:prstGeom>
+          <a:noFill/>
+        </p:spPr>
+        <p:txBody>
+          <a:bodyPr wrap="none" rtlCol="0">
+            <a:spAutoFit/>
+          </a:bodyPr>
+          <a:lstStyle/>
+          <a:p>
+            <a:pPr algn="ctr"/>
+            <a:r>
+              <a:rPr lang="en-US" sz="1200" dirty="0" smtClean="0">
+                <a:latin typeface="Open Sans Light"/>
+                <a:cs typeface="Open Sans Light"/>
+              </a:rPr>
+              <a:t>GitHub</a:t>
+            </a:r>
+            <a:endParaRPr lang="en-US" sz="1200" dirty="0">
+              <a:latin typeface="Open Sans Light"/>
+              <a:cs typeface="Open Sans Light"/>
+            </a:endParaRPr>
+          </a:p>
+        </p:txBody>
+      </p:sp>
+      <p:sp>
+        <p:nvSpPr>
+          <p:cNvPr id="76" name="TextBox 75"/>
+          <p:cNvSpPr txBox="1"/>
+          <p:nvPr/>
+        </p:nvSpPr>
+        <p:spPr>
+          <a:xfrm>
+            <a:off x="6047802" y="3229285"/>
+            <a:ext cx="979755" cy="461665"/>
+          </a:xfrm>
+          <a:prstGeom prst="rect">
+            <a:avLst/>
+          </a:prstGeom>
+          <a:noFill/>
+        </p:spPr>
+        <p:txBody>
+          <a:bodyPr wrap="none" rtlCol="0">
+            <a:spAutoFit/>
+          </a:bodyPr>
+          <a:lstStyle/>
+          <a:p>
+            <a:pPr algn="ctr"/>
+            <a:r>
+              <a:rPr lang="en-US" sz="1200" dirty="0" smtClean="0">
+                <a:latin typeface="Open Sans Light"/>
+                <a:cs typeface="Open Sans Light"/>
+              </a:rPr>
+              <a:t>Docker</a:t>
+            </a:r>
+            <a:br>
+              <a:rPr lang="en-US" sz="1200" dirty="0" smtClean="0">
+                <a:latin typeface="Open Sans Light"/>
+                <a:cs typeface="Open Sans Light"/>
+              </a:rPr>
+            </a:br>
+            <a:r>
+              <a:rPr lang="en-US" sz="1200" dirty="0" smtClean="0">
+                <a:latin typeface="Open Sans Light"/>
+                <a:cs typeface="Open Sans Light"/>
+              </a:rPr>
+              <a:t>Datacenter</a:t>
+            </a:r>
+            <a:endParaRPr lang="en-US" sz="1200" dirty="0">
+              <a:latin typeface="Open Sans Light"/>
+              <a:cs typeface="Open Sans Light"/>
+            </a:endParaRPr>
+          </a:p>
+        </p:txBody>
+      </p:sp>
+      <p:pic>
+        <p:nvPicPr>
+          <p:cNvPr id="20" name="Picture 19"/>
+          <p:cNvPicPr>
+            <a:picLocks noChangeAspect="1"/>
+          </p:cNvPicPr>
+          <p:nvPr/>
+        </p:nvPicPr>
+        <p:blipFill>
+          <a:blip r:embed="rId16"/>
+          <a:stretch>
+            <a:fillRect/>
+          </a:stretch>
+        </p:blipFill>
+        <p:spPr>
+          <a:xfrm>
+            <a:off x="6173021" y="2706177"/>
+            <a:ext cx="729316" cy="587829"/>
+          </a:xfrm>
+          <a:prstGeom prst="rect">
+            <a:avLst/>
+          </a:prstGeom>
+        </p:spPr>
+      </p:pic>
+      <p:pic>
+        <p:nvPicPr>
+          <p:cNvPr id="21" name="Picture 20"/>
+          <p:cNvPicPr>
+            <a:picLocks noChangeAspect="1"/>
+          </p:cNvPicPr>
+          <p:nvPr/>
+        </p:nvPicPr>
+        <p:blipFill>
+          <a:blip r:embed="rId17"/>
+          <a:stretch>
+            <a:fillRect/>
+          </a:stretch>
+        </p:blipFill>
+        <p:spPr>
+          <a:xfrm>
+            <a:off x="2603198" y="2607795"/>
+            <a:ext cx="686211" cy="686211"/>
+          </a:xfrm>
+          <a:prstGeom prst="rect">
+            <a:avLst/>
+          </a:prstGeom>
+        </p:spPr>
+      </p:pic>
+      <p:pic>
+        <p:nvPicPr>
+          <p:cNvPr id="22" name="Picture 21"/>
+          <p:cNvPicPr>
+            <a:picLocks noChangeAspect="1"/>
+          </p:cNvPicPr>
+          <p:nvPr/>
+        </p:nvPicPr>
+        <p:blipFill>
+          <a:blip r:embed="rId18"/>
+          <a:stretch>
+            <a:fillRect/>
+          </a:stretch>
+        </p:blipFill>
+        <p:spPr>
+          <a:xfrm>
+            <a:off x="772973" y="1211602"/>
+            <a:ext cx="724289" cy="724289"/>
+          </a:xfrm>
+          <a:prstGeom prst="rect">
+            <a:avLst/>
+          </a:prstGeom>
+        </p:spPr>
+      </p:pic>
+      <p:pic>
+        <p:nvPicPr>
+          <p:cNvPr id="23" name="Picture 22"/>
+          <p:cNvPicPr>
+            <a:picLocks noChangeAspect="1"/>
+          </p:cNvPicPr>
+          <p:nvPr/>
+        </p:nvPicPr>
+        <p:blipFill>
+          <a:blip r:embed="rId19"/>
+          <a:stretch>
+            <a:fillRect/>
+          </a:stretch>
+        </p:blipFill>
+        <p:spPr>
+          <a:xfrm>
+            <a:off x="7979214" y="1383246"/>
+            <a:ext cx="729213" cy="729213"/>
+          </a:xfrm>
+          <a:prstGeom prst="rect">
+            <a:avLst/>
+          </a:prstGeom>
+        </p:spPr>
+      </p:pic>
+      <p:sp>
+        <p:nvSpPr>
+          <p:cNvPr id="80" name="TextBox 79"/>
+          <p:cNvSpPr txBox="1"/>
+          <p:nvPr/>
+        </p:nvSpPr>
+        <p:spPr>
+          <a:xfrm>
+            <a:off x="8014243" y="2036042"/>
+            <a:ext cx="659155" cy="461665"/>
+          </a:xfrm>
+          <a:prstGeom prst="rect">
+            <a:avLst/>
+          </a:prstGeom>
+          <a:noFill/>
+        </p:spPr>
+        <p:txBody>
+          <a:bodyPr wrap="none" rtlCol="0">
+            <a:spAutoFit/>
+          </a:bodyPr>
+          <a:lstStyle/>
+          <a:p>
+            <a:pPr algn="ctr"/>
+            <a:r>
+              <a:rPr lang="en-US" sz="1200" dirty="0" smtClean="0">
+                <a:latin typeface="Open Sans Light"/>
+                <a:cs typeface="Open Sans Light"/>
+              </a:rPr>
+              <a:t>App </a:t>
+            </a:r>
+            <a:br>
+              <a:rPr lang="en-US" sz="1200" dirty="0" smtClean="0">
+                <a:latin typeface="Open Sans Light"/>
+                <a:cs typeface="Open Sans Light"/>
+              </a:rPr>
+            </a:br>
+            <a:r>
+              <a:rPr lang="en-US" sz="1200" dirty="0" smtClean="0">
+                <a:latin typeface="Open Sans Light"/>
+                <a:cs typeface="Open Sans Light"/>
+              </a:rPr>
+              <a:t>Engine</a:t>
+            </a:r>
+            <a:endParaRPr lang="en-US" sz="1200" dirty="0">
+              <a:latin typeface="Open Sans Light"/>
+              <a:cs typeface="Open Sans Light"/>
+            </a:endParaRPr>
+          </a:p>
+        </p:txBody>
+      </p:sp>
+      <p:sp>
+        <p:nvSpPr>
+          <p:cNvPr id="81" name="TextBox 80"/>
+          <p:cNvSpPr txBox="1"/>
+          <p:nvPr/>
+        </p:nvSpPr>
+        <p:spPr>
+          <a:xfrm>
+            <a:off x="8019410" y="4432859"/>
+            <a:ext cx="695097" cy="276999"/>
+          </a:xfrm>
+          <a:prstGeom prst="rect">
+            <a:avLst/>
+          </a:prstGeom>
+          <a:noFill/>
+        </p:spPr>
+        <p:txBody>
+          <a:bodyPr wrap="none" rtlCol="0">
+            <a:spAutoFit/>
+          </a:bodyPr>
+          <a:lstStyle/>
+          <a:p>
+            <a:pPr algn="ctr"/>
+            <a:r>
+              <a:rPr lang="en-US" sz="1200" dirty="0" smtClean="0">
+                <a:latin typeface="Open Sans Light"/>
+                <a:cs typeface="Open Sans Light"/>
+              </a:rPr>
+              <a:t>Heroku</a:t>
+            </a:r>
+            <a:endParaRPr lang="en-US" sz="1200" dirty="0">
+              <a:latin typeface="Open Sans Light"/>
+              <a:cs typeface="Open Sans Light"/>
+            </a:endParaRPr>
+          </a:p>
+        </p:txBody>
+      </p:sp>
+      <p:pic>
+        <p:nvPicPr>
+          <p:cNvPr id="41" name="Picture 40"/>
+          <p:cNvPicPr>
+            <a:picLocks noChangeAspect="1"/>
+          </p:cNvPicPr>
+          <p:nvPr/>
+        </p:nvPicPr>
+        <p:blipFill>
+          <a:blip r:embed="rId20"/>
+          <a:stretch>
+            <a:fillRect/>
+          </a:stretch>
+        </p:blipFill>
+        <p:spPr>
+          <a:xfrm>
+            <a:off x="7130967" y="1405596"/>
+            <a:ext cx="706863" cy="706863"/>
+          </a:xfrm>
+          <a:prstGeom prst="rect">
+            <a:avLst/>
+          </a:prstGeom>
+        </p:spPr>
+      </p:pic>
+      <p:pic>
+        <p:nvPicPr>
+          <p:cNvPr id="42" name="Picture 41"/>
+          <p:cNvPicPr>
+            <a:picLocks noChangeAspect="1"/>
+          </p:cNvPicPr>
+          <p:nvPr/>
+        </p:nvPicPr>
+        <p:blipFill>
+          <a:blip r:embed="rId21"/>
+          <a:stretch>
+            <a:fillRect/>
+          </a:stretch>
+        </p:blipFill>
+        <p:spPr>
+          <a:xfrm>
+            <a:off x="6201127" y="1439354"/>
+            <a:ext cx="673105" cy="673105"/>
+          </a:xfrm>
+          <a:prstGeom prst="rect">
+            <a:avLst/>
+          </a:prstGeom>
+        </p:spPr>
+      </p:pic>
+      <p:sp>
+        <p:nvSpPr>
+          <p:cNvPr id="83" name="TextBox 82"/>
+          <p:cNvSpPr txBox="1"/>
+          <p:nvPr/>
+        </p:nvSpPr>
+        <p:spPr>
+          <a:xfrm>
+            <a:off x="6124746" y="2036042"/>
+            <a:ext cx="825867" cy="461665"/>
+          </a:xfrm>
+          <a:prstGeom prst="rect">
+            <a:avLst/>
+          </a:prstGeom>
+          <a:noFill/>
+        </p:spPr>
+        <p:txBody>
+          <a:bodyPr wrap="none" rtlCol="0">
+            <a:spAutoFit/>
+          </a:bodyPr>
+          <a:lstStyle/>
+          <a:p>
+            <a:pPr algn="ctr"/>
+            <a:r>
+              <a:rPr lang="en-US" sz="1200" dirty="0" smtClean="0">
+                <a:latin typeface="Open Sans Light"/>
+                <a:cs typeface="Open Sans Light"/>
+              </a:rPr>
+              <a:t>Compute</a:t>
+            </a:r>
+            <a:br>
+              <a:rPr lang="en-US" sz="1200" dirty="0" smtClean="0">
+                <a:latin typeface="Open Sans Light"/>
+                <a:cs typeface="Open Sans Light"/>
+              </a:rPr>
+            </a:br>
+            <a:r>
+              <a:rPr lang="en-US" sz="1200" dirty="0" smtClean="0">
+                <a:latin typeface="Open Sans Light"/>
+                <a:cs typeface="Open Sans Light"/>
+              </a:rPr>
+              <a:t>Engine</a:t>
+            </a:r>
+            <a:endParaRPr lang="en-US" sz="1200" dirty="0">
+              <a:latin typeface="Open Sans Light"/>
+              <a:cs typeface="Open Sans Light"/>
+            </a:endParaRPr>
+          </a:p>
+        </p:txBody>
+      </p:sp>
+      <p:sp>
+        <p:nvSpPr>
+          <p:cNvPr id="84" name="TextBox 83"/>
+          <p:cNvSpPr txBox="1"/>
+          <p:nvPr/>
+        </p:nvSpPr>
+        <p:spPr>
+          <a:xfrm>
+            <a:off x="3324617" y="2036042"/>
+            <a:ext cx="864339" cy="461665"/>
+          </a:xfrm>
+          <a:prstGeom prst="rect">
+            <a:avLst/>
+          </a:prstGeom>
+          <a:noFill/>
+        </p:spPr>
+        <p:txBody>
+          <a:bodyPr wrap="none" rtlCol="0">
+            <a:spAutoFit/>
+          </a:bodyPr>
+          <a:lstStyle/>
+          <a:p>
+            <a:pPr algn="ctr"/>
+            <a:r>
+              <a:rPr lang="en-US" sz="1200" dirty="0" smtClean="0">
+                <a:latin typeface="Open Sans Light"/>
+                <a:cs typeface="Open Sans Light"/>
+              </a:rPr>
+              <a:t>Container</a:t>
+            </a:r>
+            <a:br>
+              <a:rPr lang="en-US" sz="1200" dirty="0" smtClean="0">
+                <a:latin typeface="Open Sans Light"/>
+                <a:cs typeface="Open Sans Light"/>
+              </a:rPr>
+            </a:br>
+            <a:r>
+              <a:rPr lang="en-US" sz="1200" dirty="0" smtClean="0">
+                <a:latin typeface="Open Sans Light"/>
+                <a:cs typeface="Open Sans Light"/>
+              </a:rPr>
+              <a:t>Engine</a:t>
+            </a:r>
+            <a:endParaRPr lang="en-US" sz="1200" dirty="0">
+              <a:latin typeface="Open Sans Light"/>
+              <a:cs typeface="Open Sans Light"/>
+            </a:endParaRPr>
+          </a:p>
+        </p:txBody>
+      </p:sp>
+      <p:sp>
+        <p:nvSpPr>
+          <p:cNvPr id="85" name="TextBox 84"/>
+          <p:cNvSpPr txBox="1"/>
+          <p:nvPr/>
+        </p:nvSpPr>
+        <p:spPr>
+          <a:xfrm>
+            <a:off x="2530020" y="2036042"/>
+            <a:ext cx="864339" cy="461665"/>
+          </a:xfrm>
+          <a:prstGeom prst="rect">
+            <a:avLst/>
+          </a:prstGeom>
+          <a:noFill/>
+        </p:spPr>
+        <p:txBody>
+          <a:bodyPr wrap="none" rtlCol="0">
+            <a:spAutoFit/>
+          </a:bodyPr>
+          <a:lstStyle/>
+          <a:p>
+            <a:pPr algn="ctr"/>
+            <a:r>
+              <a:rPr lang="en-US" sz="1200" dirty="0" smtClean="0">
+                <a:latin typeface="Open Sans Light"/>
+                <a:cs typeface="Open Sans Light"/>
+              </a:rPr>
+              <a:t>Container</a:t>
+            </a:r>
+            <a:br>
+              <a:rPr lang="en-US" sz="1200" dirty="0" smtClean="0">
+                <a:latin typeface="Open Sans Light"/>
+                <a:cs typeface="Open Sans Light"/>
+              </a:rPr>
+            </a:br>
+            <a:r>
+              <a:rPr lang="en-US" sz="1200" dirty="0" smtClean="0">
+                <a:latin typeface="Open Sans Light"/>
+                <a:cs typeface="Open Sans Light"/>
+              </a:rPr>
+              <a:t>Registry</a:t>
+            </a:r>
+            <a:endParaRPr lang="en-US" sz="1200" dirty="0">
+              <a:latin typeface="Open Sans Light"/>
+              <a:cs typeface="Open Sans Light"/>
+            </a:endParaRPr>
+          </a:p>
+        </p:txBody>
+      </p:sp>
+      <p:pic>
+        <p:nvPicPr>
+          <p:cNvPr id="44" name="Picture 43"/>
+          <p:cNvPicPr>
+            <a:picLocks noChangeAspect="1"/>
+          </p:cNvPicPr>
+          <p:nvPr/>
+        </p:nvPicPr>
+        <p:blipFill>
+          <a:blip r:embed="rId22"/>
+          <a:stretch>
+            <a:fillRect/>
+          </a:stretch>
+        </p:blipFill>
+        <p:spPr>
+          <a:xfrm>
+            <a:off x="3398344" y="1395574"/>
+            <a:ext cx="716885" cy="716885"/>
+          </a:xfrm>
+          <a:prstGeom prst="rect">
+            <a:avLst/>
+          </a:prstGeom>
+        </p:spPr>
+      </p:pic>
+      <p:pic>
+        <p:nvPicPr>
+          <p:cNvPr id="45" name="Picture 44"/>
+          <p:cNvPicPr>
+            <a:picLocks noChangeAspect="1"/>
+          </p:cNvPicPr>
+          <p:nvPr/>
+        </p:nvPicPr>
+        <p:blipFill>
+          <a:blip r:embed="rId23"/>
+          <a:stretch>
+            <a:fillRect/>
+          </a:stretch>
+        </p:blipFill>
+        <p:spPr>
+          <a:xfrm>
+            <a:off x="2565120" y="1388170"/>
+            <a:ext cx="724289" cy="724289"/>
+          </a:xfrm>
+          <a:prstGeom prst="rect">
+            <a:avLst/>
+          </a:prstGeom>
+        </p:spPr>
+      </p:pic>
+      <p:pic>
+        <p:nvPicPr>
+          <p:cNvPr id="46" name="Picture 45"/>
+          <p:cNvPicPr>
+            <a:picLocks noChangeAspect="1"/>
+          </p:cNvPicPr>
+          <p:nvPr/>
+        </p:nvPicPr>
+        <p:blipFill>
+          <a:blip r:embed="rId24"/>
+          <a:stretch>
+            <a:fillRect/>
+          </a:stretch>
+        </p:blipFill>
+        <p:spPr>
+          <a:xfrm>
+            <a:off x="8005839" y="3771520"/>
+            <a:ext cx="722239" cy="722239"/>
+          </a:xfrm>
+          <a:prstGeom prst="rect">
+            <a:avLst/>
+          </a:prstGeom>
+        </p:spPr>
+      </p:pic>
+      <p:pic>
+        <p:nvPicPr>
+          <p:cNvPr id="47" name="Picture 46"/>
+          <p:cNvPicPr>
+            <a:picLocks noChangeAspect="1"/>
+          </p:cNvPicPr>
+          <p:nvPr/>
+        </p:nvPicPr>
+        <p:blipFill>
+          <a:blip r:embed="rId25"/>
+          <a:stretch>
+            <a:fillRect/>
+          </a:stretch>
+        </p:blipFill>
+        <p:spPr>
+          <a:xfrm>
+            <a:off x="772155" y="3805367"/>
+            <a:ext cx="688392" cy="688392"/>
+          </a:xfrm>
+          <a:prstGeom prst="rect">
+            <a:avLst/>
+          </a:prstGeom>
+        </p:spPr>
+      </p:pic>
+      <p:sp>
+        <p:nvSpPr>
+          <p:cNvPr id="90" name="TextBox 89"/>
+          <p:cNvSpPr txBox="1"/>
+          <p:nvPr/>
+        </p:nvSpPr>
+        <p:spPr>
+          <a:xfrm>
+            <a:off x="1672019" y="4432859"/>
+            <a:ext cx="532417" cy="276999"/>
+          </a:xfrm>
+          <a:prstGeom prst="rect">
+            <a:avLst/>
+          </a:prstGeom>
+          <a:noFill/>
+        </p:spPr>
+        <p:txBody>
+          <a:bodyPr wrap="none" rtlCol="0">
+            <a:spAutoFit/>
+          </a:bodyPr>
+          <a:lstStyle/>
+          <a:p>
+            <a:pPr algn="ctr"/>
+            <a:r>
+              <a:rPr lang="en-US" sz="1200" dirty="0" smtClean="0">
+                <a:latin typeface="Open Sans Light"/>
+                <a:cs typeface="Open Sans Light"/>
+              </a:rPr>
+              <a:t>Slack</a:t>
+            </a:r>
+            <a:endParaRPr lang="en-US" sz="1200" dirty="0">
+              <a:latin typeface="Open Sans Light"/>
+              <a:cs typeface="Open Sans Light"/>
+            </a:endParaRPr>
+          </a:p>
+        </p:txBody>
+      </p:sp>
+      <p:sp>
+        <p:nvSpPr>
+          <p:cNvPr id="92" name="TextBox 91"/>
+          <p:cNvSpPr txBox="1"/>
+          <p:nvPr/>
+        </p:nvSpPr>
+        <p:spPr>
+          <a:xfrm>
+            <a:off x="875962" y="4432859"/>
+            <a:ext cx="410464" cy="276999"/>
+          </a:xfrm>
+          <a:prstGeom prst="rect">
+            <a:avLst/>
+          </a:prstGeom>
+          <a:noFill/>
+        </p:spPr>
+        <p:txBody>
+          <a:bodyPr wrap="none" rtlCol="0">
+            <a:spAutoFit/>
+          </a:bodyPr>
+          <a:lstStyle/>
+          <a:p>
+            <a:pPr algn="ctr"/>
+            <a:r>
+              <a:rPr lang="en-US" sz="1200" dirty="0" smtClean="0">
+                <a:latin typeface="Open Sans Light"/>
+                <a:cs typeface="Open Sans Light"/>
+              </a:rPr>
+              <a:t>IRC</a:t>
+            </a:r>
+            <a:endParaRPr lang="en-US" sz="1200" dirty="0">
+              <a:latin typeface="Open Sans Light"/>
+              <a:cs typeface="Open Sans Light"/>
+            </a:endParaRPr>
+          </a:p>
+        </p:txBody>
+      </p:sp>
+      <p:pic>
+        <p:nvPicPr>
+          <p:cNvPr id="49" name="Picture 48"/>
+          <p:cNvPicPr>
+            <a:picLocks noChangeAspect="1"/>
+          </p:cNvPicPr>
+          <p:nvPr/>
+        </p:nvPicPr>
+        <p:blipFill>
+          <a:blip r:embed="rId26"/>
+          <a:stretch>
+            <a:fillRect/>
+          </a:stretch>
+        </p:blipFill>
+        <p:spPr>
+          <a:xfrm>
+            <a:off x="1603591" y="3811366"/>
+            <a:ext cx="682393" cy="682393"/>
+          </a:xfrm>
+          <a:prstGeom prst="rect">
+            <a:avLst/>
+          </a:prstGeom>
+        </p:spPr>
+      </p:pic>
+    </p:spTree>
+    <p:extLst>
+      <p:ext uri="{BB962C8B-B14F-4D97-AF65-F5344CB8AC3E}">
+        <p14:creationId xmlns:p14="http://schemas.microsoft.com/office/powerpoint/2010/main" val="2115560133"/>
+      </p:ext>
+    </p:extLst>
+  </p:cSld>
+  <p:clrMapOvr>
+    <a:masterClrMapping/>
+  </p:clrMapOvr>
+  <p:timing>
+    <p:tnLst>
+      <p:par>
+        <p:cTn xmlns:p14="http://schemas.microsoft.com/office/powerpoint/2010/main" id="1" dur="indefinite" restart="never" nodeType="tmRoot">
+          <p:childTnLst>
+            <p:seq concurrent="1" nextAc="seek">
+              <p:cTn id="2" dur="indefinite" nodeType="mainSeq">
+                <p:childTnLst>
+                  <p:par>
+                    <p:cTn id="3" fill="hold">
+                      <p:stCondLst>
+                        <p:cond delay="indefinite"/>
+                      </p:stCondLst>
+                      <p:childTnLst>
+                        <p:par>
+                          <p:cTn id="4" fill="hold">
+                            <p:stCondLst>
+                              <p:cond delay="0"/>
+                            </p:stCondLst>
+                            <p:childTnLst>
+                              <p:par>
+                                <p:cTn id="5" presetID="1" presetClass="entr" presetSubtype="0" fill="hold" grpId="0" nodeType="clickEffect">
+                                  <p:stCondLst>
+                                    <p:cond delay="0"/>
+                                  </p:stCondLst>
+                                  <p:childTnLst>
+                                    <p:set>
+                                      <p:cBhvr>
+                                        <p:cTn id="6" dur="1" fill="hold">
+                                          <p:stCondLst>
+                                            <p:cond delay="0"/>
+                                          </p:stCondLst>
+                                        </p:cTn>
+                                        <p:tgtEl>
+                                          <p:spTgt spid="61"/>
+                                        </p:tgtEl>
+                                        <p:attrNameLst>
+                                          <p:attrName>style.visibility</p:attrName>
+                                        </p:attrNameLst>
+                                      </p:cBhvr>
+                                      <p:to>
+                                        <p:strVal val="visible"/>
+                                      </p:to>
+                                    </p:set>
+                                  </p:childTnLst>
+                                </p:cTn>
+                              </p:par>
+                            </p:childTnLst>
+                          </p:cTn>
+                        </p:par>
+                      </p:childTnLst>
+                    </p:cTn>
+                  </p:par>
+                  <p:par>
+                    <p:cTn id="7" fill="hold">
+                      <p:stCondLst>
+                        <p:cond delay="indefinite"/>
+                      </p:stCondLst>
+                      <p:childTnLst>
+                        <p:par>
+                          <p:cTn id="8" fill="hold">
+                            <p:stCondLst>
+                              <p:cond delay="0"/>
+                            </p:stCondLst>
+                            <p:childTnLst>
+                              <p:par>
+                                <p:cTn id="9" presetID="1" presetClass="entr" presetSubtype="0" fill="hold" grpId="0" nodeType="clickEffect">
+                                  <p:stCondLst>
+                                    <p:cond delay="0"/>
+                                  </p:stCondLst>
+                                  <p:childTnLst>
+                                    <p:set>
+                                      <p:cBhvr>
+                                        <p:cTn id="10" dur="1" fill="hold">
+                                          <p:stCondLst>
+                                            <p:cond delay="0"/>
+                                          </p:stCondLst>
+                                        </p:cTn>
+                                        <p:tgtEl>
+                                          <p:spTgt spid="48"/>
+                                        </p:tgtEl>
+                                        <p:attrNameLst>
+                                          <p:attrName>style.visibility</p:attrName>
+                                        </p:attrNameLst>
+                                      </p:cBhvr>
+                                      <p:to>
+                                        <p:strVal val="visible"/>
+                                      </p:to>
+                                    </p:set>
+                                  </p:childTnLst>
+                                </p:cTn>
+                              </p:par>
+                            </p:childTnLst>
+                          </p:cTn>
+                        </p:par>
+                      </p:childTnLst>
+                    </p:cTn>
+                  </p:par>
+                  <p:par>
+                    <p:cTn id="11" fill="hold">
+                      <p:stCondLst>
+                        <p:cond delay="indefinite"/>
+                      </p:stCondLst>
+                      <p:childTnLst>
+                        <p:par>
+                          <p:cTn id="12" fill="hold">
+                            <p:stCondLst>
+                              <p:cond delay="0"/>
+                            </p:stCondLst>
+                            <p:childTnLst>
+                              <p:par>
+                                <p:cTn id="13" presetID="1" presetClass="entr" presetSubtype="0" fill="hold" grpId="0" nodeType="clickEffect">
+                                  <p:stCondLst>
+                                    <p:cond delay="0"/>
+                                  </p:stCondLst>
+                                  <p:childTnLst>
+                                    <p:set>
+                                      <p:cBhvr>
+                                        <p:cTn id="14" dur="1" fill="hold">
+                                          <p:stCondLst>
+                                            <p:cond delay="0"/>
+                                          </p:stCondLst>
+                                        </p:cTn>
+                                        <p:tgtEl>
+                                          <p:spTgt spid="50"/>
+                                        </p:tgtEl>
+                                        <p:attrNameLst>
+                                          <p:attrName>style.visibility</p:attrName>
+                                        </p:attrNameLst>
+                                      </p:cBhvr>
+                                      <p:to>
+                                        <p:strVal val="visible"/>
+                                      </p:to>
+                                    </p:set>
+                                  </p:childTnLst>
+                                </p:cTn>
+                              </p:par>
+                            </p:childTnLst>
+                          </p:cTn>
+                        </p:par>
+                      </p:childTnLst>
+                    </p:cTn>
+                  </p:par>
+                  <p:par>
+                    <p:cTn id="15" fill="hold">
+                      <p:stCondLst>
+                        <p:cond delay="indefinite"/>
+                      </p:stCondLst>
+                      <p:childTnLst>
+                        <p:par>
+                          <p:cTn id="16" fill="hold">
+                            <p:stCondLst>
+                              <p:cond delay="0"/>
+                            </p:stCondLst>
+                            <p:childTnLst>
+                              <p:par>
+                                <p:cTn id="17" presetID="1" presetClass="entr" presetSubtype="0" fill="hold" grpId="0" nodeType="clickEffect">
+                                  <p:stCondLst>
+                                    <p:cond delay="0"/>
+                                  </p:stCondLst>
+                                  <p:childTnLst>
+                                    <p:set>
+                                      <p:cBhvr>
+                                        <p:cTn id="18" dur="1" fill="hold">
+                                          <p:stCondLst>
+                                            <p:cond delay="0"/>
+                                          </p:stCondLst>
+                                        </p:cTn>
+                                        <p:tgtEl>
+                                          <p:spTgt spid="55"/>
+                                        </p:tgtEl>
+                                        <p:attrNameLst>
+                                          <p:attrName>style.visibility</p:attrName>
+                                        </p:attrNameLst>
+                                      </p:cBhvr>
+                                      <p:to>
+                                        <p:strVal val="visible"/>
+                                      </p:to>
+                                    </p:set>
+                                  </p:childTnLst>
+                                </p:cTn>
+                              </p:par>
+                            </p:childTnLst>
+                          </p:cTn>
+                        </p:par>
+                      </p:childTnLst>
+                    </p:cTn>
+                  </p:par>
+                  <p:par>
+                    <p:cTn id="19" fill="hold">
+                      <p:stCondLst>
+                        <p:cond delay="indefinite"/>
+                      </p:stCondLst>
+                      <p:childTnLst>
+                        <p:par>
+                          <p:cTn id="20" fill="hold">
+                            <p:stCondLst>
+                              <p:cond delay="0"/>
+                            </p:stCondLst>
+                            <p:childTnLst>
+                              <p:par>
+                                <p:cTn id="21" presetID="1" presetClass="entr" presetSubtype="0" fill="hold" grpId="0" nodeType="clickEffect">
+                                  <p:stCondLst>
+                                    <p:cond delay="0"/>
+                                  </p:stCondLst>
+                                  <p:childTnLst>
+                                    <p:set>
+                                      <p:cBhvr>
+                                        <p:cTn id="22" dur="1" fill="hold">
+                                          <p:stCondLst>
+                                            <p:cond delay="0"/>
+                                          </p:stCondLst>
+                                        </p:cTn>
+                                        <p:tgtEl>
+                                          <p:spTgt spid="57"/>
+                                        </p:tgtEl>
+                                        <p:attrNameLst>
+                                          <p:attrName>style.visibility</p:attrName>
+                                        </p:attrNameLst>
+                                      </p:cBhvr>
+                                      <p:to>
+                                        <p:strVal val="visible"/>
+                                      </p:to>
+                                    </p:set>
+                                  </p:childTnLst>
+                                </p:cTn>
+                              </p:par>
+                            </p:childTnLst>
+                          </p:cTn>
+                        </p:par>
+                      </p:childTnLst>
+                    </p:cTn>
+                  </p:par>
+                  <p:par>
+                    <p:cTn id="23" fill="hold">
+                      <p:stCondLst>
+                        <p:cond delay="indefinite"/>
+                      </p:stCondLst>
+                      <p:childTnLst>
+                        <p:par>
+                          <p:cTn id="24" fill="hold">
+                            <p:stCondLst>
+                              <p:cond delay="0"/>
+                            </p:stCondLst>
+                            <p:childTnLst>
+                              <p:par>
+                                <p:cTn id="25" presetID="1" presetClass="entr" presetSubtype="0" fill="hold" grpId="0" nodeType="clickEffect">
+                                  <p:stCondLst>
+                                    <p:cond delay="0"/>
+                                  </p:stCondLst>
+                                  <p:childTnLst>
+                                    <p:set>
+                                      <p:cBhvr>
+                                        <p:cTn id="26" dur="1" fill="hold">
+                                          <p:stCondLst>
+                                            <p:cond delay="0"/>
+                                          </p:stCondLst>
+                                        </p:cTn>
+                                        <p:tgtEl>
+                                          <p:spTgt spid="58"/>
+                                        </p:tgtEl>
+                                        <p:attrNameLst>
+                                          <p:attrName>style.visibility</p:attrName>
+                                        </p:attrNameLst>
+                                      </p:cBhvr>
+                                      <p:to>
+                                        <p:strVal val="visible"/>
+                                      </p:to>
+                                    </p:set>
+                                  </p:childTnLst>
+                                </p:cTn>
+                              </p:par>
+                            </p:childTnLst>
+                          </p:cTn>
+                        </p:par>
+                      </p:childTnLst>
+                    </p:cTn>
+                  </p:par>
+                  <p:par>
+                    <p:cTn id="27" fill="hold">
+                      <p:stCondLst>
+                        <p:cond delay="indefinite"/>
+                      </p:stCondLst>
+                      <p:childTnLst>
+                        <p:par>
+                          <p:cTn id="28" fill="hold">
+                            <p:stCondLst>
+                              <p:cond delay="0"/>
+                            </p:stCondLst>
+                            <p:childTnLst>
+                              <p:par>
+                                <p:cTn id="29" presetID="1" presetClass="entr" presetSubtype="0" fill="hold" grpId="0" nodeType="clickEffect">
+                                  <p:stCondLst>
+                                    <p:cond delay="0"/>
+                                  </p:stCondLst>
+                                  <p:childTnLst>
+                                    <p:set>
+                                      <p:cBhvr>
+                                        <p:cTn id="30" dur="1" fill="hold">
+                                          <p:stCondLst>
+                                            <p:cond delay="0"/>
+                                          </p:stCondLst>
+                                        </p:cTn>
+                                        <p:tgtEl>
+                                          <p:spTgt spid="64"/>
+                                        </p:tgtEl>
+                                        <p:attrNameLst>
+                                          <p:attrName>style.visibility</p:attrName>
+                                        </p:attrNameLst>
+                                      </p:cBhvr>
+                                      <p:to>
+                                        <p:strVal val="visible"/>
+                                      </p:to>
+                                    </p:set>
+                                  </p:childTnLst>
+                                </p:cTn>
+                              </p:par>
+                            </p:childTnLst>
+                          </p:cTn>
+                        </p:par>
+                      </p:childTnLst>
+                    </p:cTn>
+                  </p:par>
+                  <p:par>
+                    <p:cTn id="31" fill="hold">
+                      <p:stCondLst>
+                        <p:cond delay="indefinite"/>
+                      </p:stCondLst>
+                      <p:childTnLst>
+                        <p:par>
+                          <p:cTn id="32" fill="hold">
+                            <p:stCondLst>
+                              <p:cond delay="0"/>
+                            </p:stCondLst>
+                            <p:childTnLst>
+                              <p:par>
+                                <p:cTn id="33" presetID="1" presetClass="entr" presetSubtype="0" fill="hold" grpId="0" nodeType="clickEffect">
+                                  <p:stCondLst>
+                                    <p:cond delay="0"/>
+                                  </p:stCondLst>
+                                  <p:childTnLst>
+                                    <p:set>
+                                      <p:cBhvr>
+                                        <p:cTn id="34" dur="1" fill="hold">
+                                          <p:stCondLst>
+                                            <p:cond delay="0"/>
+                                          </p:stCondLst>
+                                        </p:cTn>
+                                        <p:tgtEl>
+                                          <p:spTgt spid="65"/>
+                                        </p:tgtEl>
+                                        <p:attrNameLst>
+                                          <p:attrName>style.visibility</p:attrName>
+                                        </p:attrNameLst>
+                                      </p:cBhvr>
+                                      <p:to>
+                                        <p:strVal val="visible"/>
+                                      </p:to>
+                                    </p:set>
+                                  </p:childTnLst>
+                                </p:cTn>
+                              </p:par>
+                            </p:childTnLst>
+                          </p:cTn>
+                        </p:par>
+                      </p:childTnLst>
+                    </p:cTn>
+                  </p:par>
+                  <p:par>
+                    <p:cTn id="35" fill="hold">
+                      <p:stCondLst>
+                        <p:cond delay="indefinite"/>
+                      </p:stCondLst>
+                      <p:childTnLst>
+                        <p:par>
+                          <p:cTn id="36" fill="hold">
+                            <p:stCondLst>
+                              <p:cond delay="0"/>
+                            </p:stCondLst>
+                            <p:childTnLst>
+                              <p:par>
+                                <p:cTn id="37" presetID="1" presetClass="entr" presetSubtype="0" fill="hold" grpId="0" nodeType="clickEffect">
+                                  <p:stCondLst>
+                                    <p:cond delay="0"/>
+                                  </p:stCondLst>
+                                  <p:childTnLst>
+                                    <p:set>
+                                      <p:cBhvr>
+                                        <p:cTn id="38" dur="1" fill="hold">
+                                          <p:stCondLst>
+                                            <p:cond delay="0"/>
+                                          </p:stCondLst>
+                                        </p:cTn>
+                                        <p:tgtEl>
+                                          <p:spTgt spid="66"/>
+                                        </p:tgtEl>
+                                        <p:attrNameLst>
+                                          <p:attrName>style.visibility</p:attrName>
+                                        </p:attrNameLst>
+                                      </p:cBhvr>
+                                      <p:to>
+                                        <p:strVal val="visible"/>
+                                      </p:to>
+                                    </p:set>
+                                  </p:childTnLst>
+                                </p:cTn>
+                              </p:par>
+                            </p:childTnLst>
+                          </p:cTn>
+                        </p:par>
+                      </p:childTnLst>
+                    </p:cTn>
+                  </p:par>
+                  <p:par>
+                    <p:cTn id="39" fill="hold">
+                      <p:stCondLst>
+                        <p:cond delay="indefinite"/>
+                      </p:stCondLst>
+                      <p:childTnLst>
+                        <p:par>
+                          <p:cTn id="40" fill="hold">
+                            <p:stCondLst>
+                              <p:cond delay="0"/>
+                            </p:stCondLst>
+                            <p:childTnLst>
+                              <p:par>
+                                <p:cTn id="41" presetID="1" presetClass="entr" presetSubtype="0" fill="hold" grpId="0" nodeType="clickEffect">
+                                  <p:stCondLst>
+                                    <p:cond delay="0"/>
+                                  </p:stCondLst>
+                                  <p:childTnLst>
+                                    <p:set>
+                                      <p:cBhvr>
+                                        <p:cTn id="42" dur="1" fill="hold">
+                                          <p:stCondLst>
+                                            <p:cond delay="0"/>
+                                          </p:stCondLst>
+                                        </p:cTn>
+                                        <p:tgtEl>
+                                          <p:spTgt spid="67"/>
+                                        </p:tgtEl>
+                                        <p:attrNameLst>
+                                          <p:attrName>style.visibility</p:attrName>
+                                        </p:attrNameLst>
+                                      </p:cBhvr>
+                                      <p:to>
+                                        <p:strVal val="visible"/>
+                                      </p:to>
+                                    </p:set>
+                                  </p:childTnLst>
+                                </p:cTn>
+                              </p:par>
+                            </p:childTnLst>
+                          </p:cTn>
+                        </p:par>
+                      </p:childTnLst>
+                    </p:cTn>
+                  </p:par>
+                  <p:par>
+                    <p:cTn id="43" fill="hold">
+                      <p:stCondLst>
+                        <p:cond delay="indefinite"/>
+                      </p:stCondLst>
+                      <p:childTnLst>
+                        <p:par>
+                          <p:cTn id="44" fill="hold">
+                            <p:stCondLst>
+                              <p:cond delay="0"/>
+                            </p:stCondLst>
+                            <p:childTnLst>
+                              <p:par>
+                                <p:cTn id="45" presetID="1" presetClass="entr" presetSubtype="0" fill="hold" grpId="0" nodeType="clickEffect">
+                                  <p:stCondLst>
+                                    <p:cond delay="0"/>
+                                  </p:stCondLst>
+                                  <p:childTnLst>
+                                    <p:set>
+                                      <p:cBhvr>
+                                        <p:cTn id="46" dur="1" fill="hold">
+                                          <p:stCondLst>
+                                            <p:cond delay="0"/>
+                                          </p:stCondLst>
+                                        </p:cTn>
+                                        <p:tgtEl>
+                                          <p:spTgt spid="69"/>
+                                        </p:tgtEl>
+                                        <p:attrNameLst>
+                                          <p:attrName>style.visibility</p:attrName>
+                                        </p:attrNameLst>
+                                      </p:cBhvr>
+                                      <p:to>
+                                        <p:strVal val="visible"/>
+                                      </p:to>
+                                    </p:set>
+                                  </p:childTnLst>
+                                </p:cTn>
+                              </p:par>
+                            </p:childTnLst>
+                          </p:cTn>
+                        </p:par>
+                      </p:childTnLst>
+                    </p:cTn>
+                  </p:par>
+                  <p:par>
+                    <p:cTn id="47" fill="hold">
+                      <p:stCondLst>
+                        <p:cond delay="indefinite"/>
+                      </p:stCondLst>
+                      <p:childTnLst>
+                        <p:par>
+                          <p:cTn id="48" fill="hold">
+                            <p:stCondLst>
+                              <p:cond delay="0"/>
+                            </p:stCondLst>
+                            <p:childTnLst>
+                              <p:par>
+                                <p:cTn id="49" presetID="1" presetClass="entr" presetSubtype="0" fill="hold" grpId="0" nodeType="clickEffect">
+                                  <p:stCondLst>
+                                    <p:cond delay="0"/>
+                                  </p:stCondLst>
+                                  <p:childTnLst>
+                                    <p:set>
+                                      <p:cBhvr>
+                                        <p:cTn id="50" dur="1" fill="hold">
+                                          <p:stCondLst>
+                                            <p:cond delay="0"/>
+                                          </p:stCondLst>
+                                        </p:cTn>
+                                        <p:tgtEl>
+                                          <p:spTgt spid="70"/>
+                                        </p:tgtEl>
+                                        <p:attrNameLst>
+                                          <p:attrName>style.visibility</p:attrName>
+                                        </p:attrNameLst>
+                                      </p:cBhvr>
+                                      <p:to>
+                                        <p:strVal val="visible"/>
+                                      </p:to>
+                                    </p:set>
+                                  </p:childTnLst>
+                                </p:cTn>
+                              </p:par>
+                            </p:childTnLst>
+                          </p:cTn>
+                        </p:par>
+                      </p:childTnLst>
+                    </p:cTn>
+                  </p:par>
+                  <p:par>
+                    <p:cTn id="51" fill="hold">
+                      <p:stCondLst>
+                        <p:cond delay="indefinite"/>
+                      </p:stCondLst>
+                      <p:childTnLst>
+                        <p:par>
+                          <p:cTn id="52" fill="hold">
+                            <p:stCondLst>
+                              <p:cond delay="0"/>
+                            </p:stCondLst>
+                            <p:childTnLst>
+                              <p:par>
+                                <p:cTn id="53" presetID="1" presetClass="entr" presetSubtype="0" fill="hold" grpId="0" nodeType="clickEffect">
+                                  <p:stCondLst>
+                                    <p:cond delay="0"/>
+                                  </p:stCondLst>
+                                  <p:childTnLst>
+                                    <p:set>
+                                      <p:cBhvr>
+                                        <p:cTn id="54" dur="1" fill="hold">
+                                          <p:stCondLst>
+                                            <p:cond delay="0"/>
+                                          </p:stCondLst>
+                                        </p:cTn>
+                                        <p:tgtEl>
+                                          <p:spTgt spid="71"/>
+                                        </p:tgtEl>
+                                        <p:attrNameLst>
+                                          <p:attrName>style.visibility</p:attrName>
+                                        </p:attrNameLst>
+                                      </p:cBhvr>
+                                      <p:to>
+                                        <p:strVal val="visible"/>
+                                      </p:to>
+                                    </p:set>
+                                  </p:childTnLst>
+                                </p:cTn>
+                              </p:par>
+                            </p:childTnLst>
+                          </p:cTn>
+                        </p:par>
+                      </p:childTnLst>
+                    </p:cTn>
+                  </p:par>
+                  <p:par>
+                    <p:cTn id="55" fill="hold">
+                      <p:stCondLst>
+                        <p:cond delay="indefinite"/>
+                      </p:stCondLst>
+                      <p:childTnLst>
+                        <p:par>
+                          <p:cTn id="56" fill="hold">
+                            <p:stCondLst>
+                              <p:cond delay="0"/>
+                            </p:stCondLst>
+                            <p:childTnLst>
+                              <p:par>
+                                <p:cTn id="57" presetID="1" presetClass="entr" presetSubtype="0" fill="hold" grpId="0" nodeType="clickEffect">
+                                  <p:stCondLst>
+                                    <p:cond delay="0"/>
+                                  </p:stCondLst>
+                                  <p:childTnLst>
+                                    <p:set>
+                                      <p:cBhvr>
+                                        <p:cTn id="58" dur="1" fill="hold">
+                                          <p:stCondLst>
+                                            <p:cond delay="0"/>
+                                          </p:stCondLst>
+                                        </p:cTn>
+                                        <p:tgtEl>
+                                          <p:spTgt spid="72"/>
+                                        </p:tgtEl>
+                                        <p:attrNameLst>
+                                          <p:attrName>style.visibility</p:attrName>
+                                        </p:attrNameLst>
+                                      </p:cBhvr>
+                                      <p:to>
+                                        <p:strVal val="visible"/>
+                                      </p:to>
+                                    </p:set>
+                                  </p:childTnLst>
+                                </p:cTn>
+                              </p:par>
+                            </p:childTnLst>
+                          </p:cTn>
+                        </p:par>
+                      </p:childTnLst>
+                    </p:cTn>
+                  </p:par>
+                  <p:par>
+                    <p:cTn id="59" fill="hold">
+                      <p:stCondLst>
+                        <p:cond delay="indefinite"/>
+                      </p:stCondLst>
+                      <p:childTnLst>
+                        <p:par>
+                          <p:cTn id="60" fill="hold">
+                            <p:stCondLst>
+                              <p:cond delay="0"/>
+                            </p:stCondLst>
+                            <p:childTnLst>
+                              <p:par>
+                                <p:cTn id="61" presetID="1" presetClass="entr" presetSubtype="0" fill="hold" grpId="0" nodeType="clickEffect">
+                                  <p:stCondLst>
+                                    <p:cond delay="0"/>
+                                  </p:stCondLst>
+                                  <p:childTnLst>
+                                    <p:set>
+                                      <p:cBhvr>
+                                        <p:cTn id="62" dur="1" fill="hold">
+                                          <p:stCondLst>
+                                            <p:cond delay="0"/>
+                                          </p:stCondLst>
+                                        </p:cTn>
+                                        <p:tgtEl>
+                                          <p:spTgt spid="74"/>
+                                        </p:tgtEl>
+                                        <p:attrNameLst>
+                                          <p:attrName>style.visibility</p:attrName>
+                                        </p:attrNameLst>
+                                      </p:cBhvr>
+                                      <p:to>
+                                        <p:strVal val="visible"/>
+                                      </p:to>
+                                    </p:set>
+                                  </p:childTnLst>
+                                </p:cTn>
+                              </p:par>
+                            </p:childTnLst>
+                          </p:cTn>
+                        </p:par>
+                      </p:childTnLst>
+                    </p:cTn>
+                  </p:par>
+                  <p:par>
+                    <p:cTn id="63" fill="hold">
+                      <p:stCondLst>
+                        <p:cond delay="indefinite"/>
+                      </p:stCondLst>
+                      <p:childTnLst>
+                        <p:par>
+                          <p:cTn id="64" fill="hold">
+                            <p:stCondLst>
+                              <p:cond delay="0"/>
+                            </p:stCondLst>
+                            <p:childTnLst>
+                              <p:par>
+                                <p:cTn id="65" presetID="1" presetClass="entr" presetSubtype="0" fill="hold" grpId="0" nodeType="clickEffect">
+                                  <p:stCondLst>
+                                    <p:cond delay="0"/>
+                                  </p:stCondLst>
+                                  <p:childTnLst>
+                                    <p:set>
+                                      <p:cBhvr>
+                                        <p:cTn id="66" dur="1" fill="hold">
+                                          <p:stCondLst>
+                                            <p:cond delay="0"/>
+                                          </p:stCondLst>
+                                        </p:cTn>
+                                        <p:tgtEl>
+                                          <p:spTgt spid="75"/>
+                                        </p:tgtEl>
+                                        <p:attrNameLst>
+                                          <p:attrName>style.visibility</p:attrName>
+                                        </p:attrNameLst>
+                                      </p:cBhvr>
+                                      <p:to>
+                                        <p:strVal val="visible"/>
+                                      </p:to>
+                                    </p:set>
+                                  </p:childTnLst>
+                                </p:cTn>
+                              </p:par>
+                            </p:childTnLst>
+                          </p:cTn>
+                        </p:par>
+                      </p:childTnLst>
+                    </p:cTn>
+                  </p:par>
+                  <p:par>
+                    <p:cTn id="67" fill="hold">
+                      <p:stCondLst>
+                        <p:cond delay="indefinite"/>
+                      </p:stCondLst>
+                      <p:childTnLst>
+                        <p:par>
+                          <p:cTn id="68" fill="hold">
+                            <p:stCondLst>
+                              <p:cond delay="0"/>
+                            </p:stCondLst>
+                            <p:childTnLst>
+                              <p:par>
+                                <p:cTn id="69" presetID="1" presetClass="entr" presetSubtype="0" fill="hold" grpId="0" nodeType="clickEffect">
+                                  <p:stCondLst>
+                                    <p:cond delay="0"/>
+                                  </p:stCondLst>
+                                  <p:childTnLst>
+                                    <p:set>
+                                      <p:cBhvr>
+                                        <p:cTn id="70" dur="1" fill="hold">
+                                          <p:stCondLst>
+                                            <p:cond delay="0"/>
+                                          </p:stCondLst>
+                                        </p:cTn>
+                                        <p:tgtEl>
+                                          <p:spTgt spid="76"/>
+                                        </p:tgtEl>
+                                        <p:attrNameLst>
+                                          <p:attrName>style.visibility</p:attrName>
+                                        </p:attrNameLst>
+                                      </p:cBhvr>
+                                      <p:to>
+                                        <p:strVal val="visible"/>
+                                      </p:to>
+                                    </p:set>
+                                  </p:childTnLst>
+                                </p:cTn>
+                              </p:par>
+                            </p:childTnLst>
+                          </p:cTn>
+                        </p:par>
+                      </p:childTnLst>
+                    </p:cTn>
+                  </p:par>
+                  <p:par>
+                    <p:cTn id="71" fill="hold">
+                      <p:stCondLst>
+                        <p:cond delay="indefinite"/>
+                      </p:stCondLst>
+                      <p:childTnLst>
+                        <p:par>
+                          <p:cTn id="72" fill="hold">
+                            <p:stCondLst>
+                              <p:cond delay="0"/>
+                            </p:stCondLst>
+                            <p:childTnLst>
+                              <p:par>
+                                <p:cTn id="73" presetID="1" presetClass="entr" presetSubtype="0" fill="hold" grpId="0" nodeType="clickEffect">
+                                  <p:stCondLst>
+                                    <p:cond delay="0"/>
+                                  </p:stCondLst>
+                                  <p:childTnLst>
+                                    <p:set>
+                                      <p:cBhvr>
+                                        <p:cTn id="74" dur="1" fill="hold">
+                                          <p:stCondLst>
+                                            <p:cond delay="0"/>
+                                          </p:stCondLst>
+                                        </p:cTn>
+                                        <p:tgtEl>
+                                          <p:spTgt spid="80"/>
+                                        </p:tgtEl>
+                                        <p:attrNameLst>
+                                          <p:attrName>style.visibility</p:attrName>
+                                        </p:attrNameLst>
+                                      </p:cBhvr>
+                                      <p:to>
+                                        <p:strVal val="visible"/>
+                                      </p:to>
+                                    </p:set>
+                                  </p:childTnLst>
+                                </p:cTn>
+                              </p:par>
+                            </p:childTnLst>
+                          </p:cTn>
+                        </p:par>
+                      </p:childTnLst>
+                    </p:cTn>
+                  </p:par>
+                  <p:par>
+                    <p:cTn id="75" fill="hold">
+                      <p:stCondLst>
+                        <p:cond delay="indefinite"/>
+                      </p:stCondLst>
+                      <p:childTnLst>
+                        <p:par>
+                          <p:cTn id="76" fill="hold">
+                            <p:stCondLst>
+                              <p:cond delay="0"/>
+                            </p:stCondLst>
+                            <p:childTnLst>
+                              <p:par>
+                                <p:cTn id="77" presetID="1" presetClass="entr" presetSubtype="0" fill="hold" grpId="0" nodeType="clickEffect">
+                                  <p:stCondLst>
+                                    <p:cond delay="0"/>
+                                  </p:stCondLst>
+                                  <p:childTnLst>
+                                    <p:set>
+                                      <p:cBhvr>
+                                        <p:cTn id="78" dur="1" fill="hold">
+                                          <p:stCondLst>
+                                            <p:cond delay="0"/>
+                                          </p:stCondLst>
+                                        </p:cTn>
+                                        <p:tgtEl>
+                                          <p:spTgt spid="81"/>
+                                        </p:tgtEl>
+                                        <p:attrNameLst>
+                                          <p:attrName>style.visibility</p:attrName>
+                                        </p:attrNameLst>
+                                      </p:cBhvr>
+                                      <p:to>
+                                        <p:strVal val="visible"/>
+                                      </p:to>
+                                    </p:set>
+                                  </p:childTnLst>
+                                </p:cTn>
+                              </p:par>
+                            </p:childTnLst>
+                          </p:cTn>
+                        </p:par>
+                      </p:childTnLst>
+                    </p:cTn>
+                  </p:par>
+                  <p:par>
+                    <p:cTn id="79" fill="hold">
+                      <p:stCondLst>
+                        <p:cond delay="indefinite"/>
+                      </p:stCondLst>
+                      <p:childTnLst>
+                        <p:par>
+                          <p:cTn id="80" fill="hold">
+                            <p:stCondLst>
+                              <p:cond delay="0"/>
+                            </p:stCondLst>
+                            <p:childTnLst>
+                              <p:par>
+                                <p:cTn id="81" presetID="1" presetClass="entr" presetSubtype="0" fill="hold" grpId="0" nodeType="clickEffect">
+                                  <p:stCondLst>
+                                    <p:cond delay="0"/>
+                                  </p:stCondLst>
+                                  <p:childTnLst>
+                                    <p:set>
+                                      <p:cBhvr>
+                                        <p:cTn id="82" dur="1" fill="hold">
+                                          <p:stCondLst>
+                                            <p:cond delay="0"/>
+                                          </p:stCondLst>
+                                        </p:cTn>
+                                        <p:tgtEl>
+                                          <p:spTgt spid="83"/>
+                                        </p:tgtEl>
+                                        <p:attrNameLst>
+                                          <p:attrName>style.visibility</p:attrName>
+                                        </p:attrNameLst>
+                                      </p:cBhvr>
+                                      <p:to>
+                                        <p:strVal val="visible"/>
+                                      </p:to>
+                                    </p:set>
+                                  </p:childTnLst>
+                                </p:cTn>
+                              </p:par>
+                            </p:childTnLst>
+                          </p:cTn>
+                        </p:par>
+                      </p:childTnLst>
+                    </p:cTn>
+                  </p:par>
+                  <p:par>
+                    <p:cTn id="83" fill="hold">
+                      <p:stCondLst>
+                        <p:cond delay="indefinite"/>
+                      </p:stCondLst>
+                      <p:childTnLst>
+                        <p:par>
+                          <p:cTn id="84" fill="hold">
+                            <p:stCondLst>
+                              <p:cond delay="0"/>
+                            </p:stCondLst>
+                            <p:childTnLst>
+                              <p:par>
+                                <p:cTn id="85" presetID="1" presetClass="entr" presetSubtype="0" fill="hold" grpId="0" nodeType="clickEffect">
+                                  <p:stCondLst>
+                                    <p:cond delay="0"/>
+                                  </p:stCondLst>
+                                  <p:childTnLst>
+                                    <p:set>
+                                      <p:cBhvr>
+                                        <p:cTn id="86" dur="1" fill="hold">
+                                          <p:stCondLst>
+                                            <p:cond delay="0"/>
+                                          </p:stCondLst>
+                                        </p:cTn>
+                                        <p:tgtEl>
+                                          <p:spTgt spid="84"/>
+                                        </p:tgtEl>
+                                        <p:attrNameLst>
+                                          <p:attrName>style.visibility</p:attrName>
+                                        </p:attrNameLst>
+                                      </p:cBhvr>
+                                      <p:to>
+                                        <p:strVal val="visible"/>
+                                      </p:to>
+                                    </p:set>
+                                  </p:childTnLst>
+                                </p:cTn>
+                              </p:par>
+                            </p:childTnLst>
+                          </p:cTn>
+                        </p:par>
+                      </p:childTnLst>
+                    </p:cTn>
+                  </p:par>
+                  <p:par>
+                    <p:cTn id="87" fill="hold">
+                      <p:stCondLst>
+                        <p:cond delay="indefinite"/>
+                      </p:stCondLst>
+                      <p:childTnLst>
+                        <p:par>
+                          <p:cTn id="88" fill="hold">
+                            <p:stCondLst>
+                              <p:cond delay="0"/>
+                            </p:stCondLst>
+                            <p:childTnLst>
+                              <p:par>
+                                <p:cTn id="89" presetID="1" presetClass="entr" presetSubtype="0" fill="hold" grpId="0" nodeType="clickEffect">
+                                  <p:stCondLst>
+                                    <p:cond delay="0"/>
+                                  </p:stCondLst>
+                                  <p:childTnLst>
+                                    <p:set>
+                                      <p:cBhvr>
+                                        <p:cTn id="90" dur="1" fill="hold">
+                                          <p:stCondLst>
+                                            <p:cond delay="0"/>
+                                          </p:stCondLst>
+                                        </p:cTn>
+                                        <p:tgtEl>
+                                          <p:spTgt spid="85"/>
+                                        </p:tgtEl>
+                                        <p:attrNameLst>
+                                          <p:attrName>style.visibility</p:attrName>
+                                        </p:attrNameLst>
+                                      </p:cBhvr>
+                                      <p:to>
+                                        <p:strVal val="visible"/>
+                                      </p:to>
+                                    </p:set>
+                                  </p:childTnLst>
+                                </p:cTn>
+                              </p:par>
+                            </p:childTnLst>
+                          </p:cTn>
+                        </p:par>
+                      </p:childTnLst>
+                    </p:cTn>
+                  </p:par>
+                  <p:par>
+                    <p:cTn id="91" fill="hold">
+                      <p:stCondLst>
+                        <p:cond delay="indefinite"/>
+                      </p:stCondLst>
+                      <p:childTnLst>
+                        <p:par>
+                          <p:cTn id="92" fill="hold">
+                            <p:stCondLst>
+                              <p:cond delay="0"/>
+                            </p:stCondLst>
+                            <p:childTnLst>
+                              <p:par>
+                                <p:cTn id="93" presetID="1" presetClass="entr" presetSubtype="0" fill="hold" grpId="0" nodeType="clickEffect">
+                                  <p:stCondLst>
+                                    <p:cond delay="0"/>
+                                  </p:stCondLst>
+                                  <p:childTnLst>
+                                    <p:set>
+                                      <p:cBhvr>
+                                        <p:cTn id="94" dur="1" fill="hold">
+                                          <p:stCondLst>
+                                            <p:cond delay="0"/>
+                                          </p:stCondLst>
+                                        </p:cTn>
+                                        <p:tgtEl>
+                                          <p:spTgt spid="90"/>
+                                        </p:tgtEl>
+                                        <p:attrNameLst>
+                                          <p:attrName>style.visibility</p:attrName>
+                                        </p:attrNameLst>
+                                      </p:cBhvr>
+                                      <p:to>
+                                        <p:strVal val="visible"/>
+                                      </p:to>
+                                    </p:set>
+                                  </p:childTnLst>
+                                </p:cTn>
+                              </p:par>
+                            </p:childTnLst>
+                          </p:cTn>
+                        </p:par>
+                      </p:childTnLst>
+                    </p:cTn>
+                  </p:par>
+                  <p:par>
+                    <p:cTn id="95" fill="hold">
+                      <p:stCondLst>
+                        <p:cond delay="indefinite"/>
+                      </p:stCondLst>
+                      <p:childTnLst>
+                        <p:par>
+                          <p:cTn id="96" fill="hold">
+                            <p:stCondLst>
+                              <p:cond delay="0"/>
+                            </p:stCondLst>
+                            <p:childTnLst>
+                              <p:par>
+                                <p:cTn id="97" presetID="1" presetClass="entr" presetSubtype="0" fill="hold" grpId="0" nodeType="clickEffect">
+                                  <p:stCondLst>
+                                    <p:cond delay="0"/>
+                                  </p:stCondLst>
+                                  <p:childTnLst>
+                                    <p:set>
+                                      <p:cBhvr>
+                                        <p:cTn id="98" dur="1" fill="hold">
+                                          <p:stCondLst>
+                                            <p:cond delay="0"/>
+                                          </p:stCondLst>
+                                        </p:cTn>
+                                        <p:tgtEl>
+                                          <p:spTgt spid="92"/>
+                                        </p:tgtEl>
+                                        <p:attrNameLst>
+                                          <p:attrName>style.visibility</p:attrName>
+                                        </p:attrNameLst>
+                                      </p:cBhvr>
+                                      <p:to>
+                                        <p:strVal val="visible"/>
+                                      </p:to>
+                                    </p:set>
+                                  </p:childTnLst>
+                                </p:cTn>
+                              </p:par>
+                            </p:childTnLst>
+                          </p:cTn>
+                        </p:par>
+                      </p:childTnLst>
+                    </p:cTn>
+                  </p:par>
+                </p:childTnLst>
+              </p:cTn>
+              <p:prevCondLst>
+                <p:cond evt="onPrev" delay="0">
+                  <p:tgtEl>
+                    <p:sldTgt/>
+                  </p:tgtEl>
+                </p:cond>
+              </p:prevCondLst>
+              <p:nextCondLst>
+                <p:cond evt="onNext" delay="0">
+                  <p:tgtEl>
+                    <p:sldTgt/>
+                  </p:tgtEl>
+                </p:cond>
+              </p:nextCondLst>
+            </p:seq>
+          </p:childTnLst>
+        </p:cTn>
+      </p:par>
+    </p:tnLst>
+    <p:bldLst>
+      <p:bldP spid="61" grpId="0"/>
+      <p:bldP spid="48" grpId="0"/>
+      <p:bldP spid="50" grpId="0"/>
+      <p:bldP spid="55" grpId="0"/>
+      <p:bldP spid="57" grpId="0"/>
+      <p:bldP spid="58" grpId="0"/>
+      <p:bldP spid="64" grpId="0"/>
+      <p:bldP spid="65" grpId="0"/>
+      <p:bldP spid="66" grpId="0"/>
+      <p:bldP spid="67" grpId="0"/>
+      <p:bldP spid="69" grpId="0"/>
+      <p:bldP spid="70" grpId="0"/>
+      <p:bldP spid="71" grpId="0"/>
+      <p:bldP spid="72" grpId="0"/>
+      <p:bldP spid="74" grpId="0"/>
+      <p:bldP spid="75" grpId="0"/>
+      <p:bldP spid="76" grpId="0"/>
+      <p:bldP spid="80" grpId="0"/>
+      <p:bldP spid="81" grpId="0"/>
+      <p:bldP spid="83" grpId="0"/>
+      <p:bldP spid="84" grpId="0"/>
+      <p:bldP spid="85" grpId="0"/>
+      <p:bldP spid="90" grpId="0"/>
+      <p:bldP spid="92" grpId="0"/>
+    </p:bldLst>
+  </p:timing>
+</p:sld>
+</file>
+
+<file path=ppt/slides/slide5.xml><?xml version="1.0" encoding="utf-8"?>
+<p:sld xmlns:a="http://schemas.openxmlformats.org/drawingml/2006/main" xmlns:r="http://schemas.openxmlformats.org/officeDocument/2006/relationships" xmlns:p="http://schemas.openxmlformats.org/presentationml/2006/main">
+  <p:cSld>
+    <p:spTree>
+      <p:nvGrpSpPr>
+        <p:cNvPr id="1" name=""/>
+        <p:cNvGrpSpPr/>
+        <p:nvPr/>
+      </p:nvGrpSpPr>
+      <p:grpSpPr>
+        <a:xfrm>
+          <a:off x="0" y="0"/>
+          <a:ext cx="0" cy="0"/>
+          <a:chOff x="0" y="0"/>
+          <a:chExt cx="0" cy="0"/>
+        </a:xfrm>
+      </p:grpSpPr>
+      <p:sp>
+        <p:nvSpPr>
           <p:cNvPr id="2" name="Title 1"/>
           <p:cNvSpPr>
             <a:spLocks noGrp="1"/>
@@ -3415,8 +9268,8 @@
           <a:lstStyle/>
           <a:p>
             <a:pPr marL="285750" indent="-285750">
-              <a:buFont typeface="Wingdings" charset="2"/>
-              <a:buChar char="q"/>
+              <a:buFont typeface="Courier New"/>
+              <a:buChar char="o"/>
             </a:pPr>
             <a:r>
               <a:rPr lang="en-US" sz="1800" dirty="0" smtClean="0">
@@ -3465,8 +9318,8 @@
           <a:lstStyle/>
           <a:p>
             <a:pPr marL="285750" indent="-285750">
-              <a:buFont typeface="Wingdings" charset="2"/>
-              <a:buChar char="q"/>
+              <a:buFont typeface="Courier New"/>
+              <a:buChar char="o"/>
             </a:pPr>
             <a:r>
               <a:rPr lang="en-US" sz="1800" dirty="0" smtClean="0">
@@ -3515,8 +9368,8 @@
           <a:lstStyle/>
           <a:p>
             <a:pPr marL="285750" indent="-285750">
-              <a:buFont typeface="Wingdings" charset="2"/>
-              <a:buChar char="q"/>
+              <a:buFont typeface="Courier New"/>
+              <a:buChar char="o"/>
             </a:pPr>
             <a:r>
               <a:rPr lang="en-US" sz="1800" dirty="0" smtClean="0">
@@ -3548,7 +9401,7 @@
         </p:nvSpPr>
         <p:spPr>
           <a:xfrm>
-            <a:off x="3997854" y="2551654"/>
+            <a:off x="3714489" y="2551654"/>
             <a:ext cx="2557855" cy="646331"/>
           </a:xfrm>
           <a:prstGeom prst="rect">
@@ -3627,7 +9480,7 @@
         </p:nvSpPr>
         <p:spPr>
           <a:xfrm>
-            <a:off x="3997855" y="3175718"/>
+            <a:off x="3714490" y="3175718"/>
             <a:ext cx="2557854" cy="646331"/>
           </a:xfrm>
           <a:prstGeom prst="rect">
@@ -3687,7 +9540,7 @@
         </p:nvSpPr>
         <p:spPr>
           <a:xfrm>
-            <a:off x="3997854" y="3799781"/>
+            <a:off x="3714489" y="3799781"/>
             <a:ext cx="2462566" cy="646331"/>
           </a:xfrm>
           <a:prstGeom prst="rect">
@@ -4250,7 +10103,7 @@
         </p:nvSpPr>
         <p:spPr>
           <a:xfrm>
-            <a:off x="3996306" y="2141155"/>
+            <a:off x="3712941" y="2141155"/>
             <a:ext cx="2557855" cy="369332"/>
           </a:xfrm>
           <a:prstGeom prst="rect">
@@ -4377,19 +10230,7 @@
                 <a:latin typeface="Open Sans Light"/>
                 <a:cs typeface="Open Sans Light"/>
               </a:rPr>
-              <a:t>devops_2.0-</a:t>
-            </a:r>
-            <a:r>
-              <a:rPr lang="en-US" sz="600" dirty="0" smtClean="0">
-                <a:solidFill>
-                  <a:schemeClr val="bg1">
-                    <a:lumMod val="75000"/>
-                  </a:schemeClr>
-                </a:solidFill>
-                <a:latin typeface="Open Sans Light"/>
-                <a:cs typeface="Open Sans Light"/>
-              </a:rPr>
-              <a:t>v01.pptx Copyright 2016 Wilson Mar.  All rights reserved.</a:t>
+              <a:t>devops_2.0-v01.pptx Copyright 2016 Wilson Mar.  All rights reserved.</a:t>
             </a:r>
             <a:endParaRPr lang="en-US" sz="600" dirty="0">
               <a:solidFill>
@@ -4902,326 +10743,6 @@
 </p:sld>
 </file>
 
-<file path=ppt/slides/slide5.xml><?xml version="1.0" encoding="utf-8"?>
-<p:sld xmlns:a="http://schemas.openxmlformats.org/drawingml/2006/main" xmlns:r="http://schemas.openxmlformats.org/officeDocument/2006/relationships" xmlns:p="http://schemas.openxmlformats.org/presentationml/2006/main">
-  <p:cSld>
-    <p:spTree>
-      <p:nvGrpSpPr>
-        <p:cNvPr id="1" name=""/>
-        <p:cNvGrpSpPr/>
-        <p:nvPr/>
-      </p:nvGrpSpPr>
-      <p:grpSpPr>
-        <a:xfrm>
-          <a:off x="0" y="0"/>
-          <a:ext cx="0" cy="0"/>
-          <a:chOff x="0" y="0"/>
-          <a:chExt cx="0" cy="0"/>
-        </a:xfrm>
-      </p:grpSpPr>
-      <p:sp>
-        <p:nvSpPr>
-          <p:cNvPr id="2" name="Title 1"/>
-          <p:cNvSpPr>
-            <a:spLocks noGrp="1"/>
-          </p:cNvSpPr>
-          <p:nvPr>
-            <p:ph type="title"/>
-          </p:nvPr>
-        </p:nvSpPr>
-        <p:spPr/>
-        <p:txBody>
-          <a:bodyPr/>
-          <a:lstStyle/>
-          <a:p>
-            <a:endParaRPr lang="en-US" dirty="0"/>
-          </a:p>
-        </p:txBody>
-      </p:sp>
-      <p:sp>
-        <p:nvSpPr>
-          <p:cNvPr id="4" name="TextBox 3">
-            <a:hlinkClick r:id="rId2"/>
-          </p:cNvPr>
-          <p:cNvSpPr txBox="1"/>
-          <p:nvPr/>
-        </p:nvSpPr>
-        <p:spPr>
-          <a:xfrm>
-            <a:off x="603027" y="2375633"/>
-            <a:ext cx="2514463" cy="584776"/>
-          </a:xfrm>
-          <a:prstGeom prst="rect">
-            <a:avLst/>
-          </a:prstGeom>
-          <a:solidFill>
-            <a:schemeClr val="bg1"/>
-          </a:solidFill>
-        </p:spPr>
-        <p:txBody>
-          <a:bodyPr wrap="square" rtlCol="0">
-            <a:spAutoFit/>
-          </a:bodyPr>
-          <a:lstStyle/>
-          <a:p>
-            <a:pPr marL="285750" indent="-285750">
-              <a:buFont typeface="Arial"/>
-              <a:buChar char="•"/>
-            </a:pPr>
-            <a:r>
-              <a:rPr lang="en-US" sz="1600" dirty="0" smtClean="0">
-                <a:latin typeface="Open Sans Light"/>
-                <a:cs typeface="Open Sans Light"/>
-              </a:rPr>
-              <a:t>AWS ECS (EC2 Container Services)</a:t>
-            </a:r>
-            <a:endParaRPr lang="en-US" sz="1600" dirty="0">
-              <a:latin typeface="Open Sans Light"/>
-              <a:cs typeface="Open Sans Light"/>
-            </a:endParaRPr>
-          </a:p>
-        </p:txBody>
-      </p:sp>
-      <p:sp>
-        <p:nvSpPr>
-          <p:cNvPr id="5" name="TextBox 4">
-            <a:hlinkClick r:id="rId3"/>
-          </p:cNvPr>
-          <p:cNvSpPr txBox="1"/>
-          <p:nvPr/>
-        </p:nvSpPr>
-        <p:spPr>
-          <a:xfrm>
-            <a:off x="3820229" y="2421799"/>
-            <a:ext cx="2222316" cy="584776"/>
-          </a:xfrm>
-          <a:prstGeom prst="rect">
-            <a:avLst/>
-          </a:prstGeom>
-          <a:solidFill>
-            <a:schemeClr val="bg1"/>
-          </a:solidFill>
-        </p:spPr>
-        <p:txBody>
-          <a:bodyPr wrap="square" rtlCol="0">
-            <a:spAutoFit/>
-          </a:bodyPr>
-          <a:lstStyle/>
-          <a:p>
-            <a:pPr marL="285750" indent="-285750">
-              <a:buFont typeface="Arial"/>
-              <a:buChar char="•"/>
-            </a:pPr>
-            <a:r>
-              <a:rPr lang="en-US" sz="1600" dirty="0" smtClean="0">
-                <a:latin typeface="Open Sans Light"/>
-                <a:cs typeface="Open Sans Light"/>
-              </a:rPr>
-              <a:t>AWS ECR (EC2 Container Registry)</a:t>
-            </a:r>
-            <a:endParaRPr lang="en-US" sz="1600" dirty="0">
-              <a:latin typeface="Open Sans Light"/>
-              <a:cs typeface="Open Sans Light"/>
-            </a:endParaRPr>
-          </a:p>
-        </p:txBody>
-      </p:sp>
-      <p:sp>
-        <p:nvSpPr>
-          <p:cNvPr id="6" name="TextBox 5">
-            <a:hlinkClick r:id="rId2"/>
-          </p:cNvPr>
-          <p:cNvSpPr txBox="1"/>
-          <p:nvPr/>
-        </p:nvSpPr>
-        <p:spPr>
-          <a:xfrm>
-            <a:off x="590143" y="2968718"/>
-            <a:ext cx="2514463" cy="584776"/>
-          </a:xfrm>
-          <a:prstGeom prst="rect">
-            <a:avLst/>
-          </a:prstGeom>
-          <a:solidFill>
-            <a:schemeClr val="bg1"/>
-          </a:solidFill>
-        </p:spPr>
-        <p:txBody>
-          <a:bodyPr wrap="square" rtlCol="0">
-            <a:spAutoFit/>
-          </a:bodyPr>
-          <a:lstStyle/>
-          <a:p>
-            <a:pPr marL="285750" indent="-285750">
-              <a:buFont typeface="Arial"/>
-              <a:buChar char="•"/>
-            </a:pPr>
-            <a:r>
-              <a:rPr lang="en-US" sz="1600" dirty="0" smtClean="0">
-                <a:latin typeface="Open Sans Light"/>
-                <a:cs typeface="Open Sans Light"/>
-              </a:rPr>
-              <a:t>Google Container Services</a:t>
-            </a:r>
-            <a:endParaRPr lang="en-US" sz="1600" dirty="0">
-              <a:latin typeface="Open Sans Light"/>
-              <a:cs typeface="Open Sans Light"/>
-            </a:endParaRPr>
-          </a:p>
-        </p:txBody>
-      </p:sp>
-      <p:sp>
-        <p:nvSpPr>
-          <p:cNvPr id="7" name="TextBox 6">
-            <a:hlinkClick r:id="rId4"/>
-          </p:cNvPr>
-          <p:cNvSpPr txBox="1"/>
-          <p:nvPr/>
-        </p:nvSpPr>
-        <p:spPr>
-          <a:xfrm>
-            <a:off x="3810320" y="3006575"/>
-            <a:ext cx="2514463" cy="584776"/>
-          </a:xfrm>
-          <a:prstGeom prst="rect">
-            <a:avLst/>
-          </a:prstGeom>
-          <a:solidFill>
-            <a:schemeClr val="bg1"/>
-          </a:solidFill>
-        </p:spPr>
-        <p:txBody>
-          <a:bodyPr wrap="square" rtlCol="0">
-            <a:spAutoFit/>
-          </a:bodyPr>
-          <a:lstStyle/>
-          <a:p>
-            <a:pPr marL="285750" indent="-285750">
-              <a:buFont typeface="Arial"/>
-              <a:buChar char="•"/>
-            </a:pPr>
-            <a:r>
-              <a:rPr lang="en-US" sz="1600" dirty="0" smtClean="0">
-                <a:latin typeface="Open Sans Light"/>
-                <a:cs typeface="Open Sans Light"/>
-              </a:rPr>
-              <a:t>Google Container Registry</a:t>
-            </a:r>
-            <a:endParaRPr lang="en-US" sz="1600" dirty="0">
-              <a:latin typeface="Open Sans Light"/>
-              <a:cs typeface="Open Sans Light"/>
-            </a:endParaRPr>
-          </a:p>
-        </p:txBody>
-      </p:sp>
-      <p:sp>
-        <p:nvSpPr>
-          <p:cNvPr id="8" name="TextBox 7">
-            <a:hlinkClick r:id="rId5"/>
-          </p:cNvPr>
-          <p:cNvSpPr txBox="1"/>
-          <p:nvPr/>
-        </p:nvSpPr>
-        <p:spPr>
-          <a:xfrm>
-            <a:off x="577314" y="3551853"/>
-            <a:ext cx="2514463" cy="584776"/>
-          </a:xfrm>
-          <a:prstGeom prst="rect">
-            <a:avLst/>
-          </a:prstGeom>
-          <a:solidFill>
-            <a:schemeClr val="bg1"/>
-          </a:solidFill>
-        </p:spPr>
-        <p:txBody>
-          <a:bodyPr wrap="square" rtlCol="0">
-            <a:spAutoFit/>
-          </a:bodyPr>
-          <a:lstStyle/>
-          <a:p>
-            <a:pPr marL="285750" indent="-285750">
-              <a:buFont typeface="Arial"/>
-              <a:buChar char="•"/>
-            </a:pPr>
-            <a:r>
-              <a:rPr lang="en-US" sz="1600" dirty="0" smtClean="0">
-                <a:latin typeface="Open Sans Light"/>
-                <a:cs typeface="Open Sans Light"/>
-              </a:rPr>
-              <a:t>Azure Container Services</a:t>
-            </a:r>
-            <a:endParaRPr lang="en-US" sz="1600" dirty="0">
-              <a:latin typeface="Open Sans Light"/>
-              <a:cs typeface="Open Sans Light"/>
-            </a:endParaRPr>
-          </a:p>
-        </p:txBody>
-      </p:sp>
-      <p:sp>
-        <p:nvSpPr>
-          <p:cNvPr id="9" name="TextBox 8">
-            <a:hlinkClick r:id="rId5"/>
-          </p:cNvPr>
-          <p:cNvSpPr txBox="1"/>
-          <p:nvPr/>
-        </p:nvSpPr>
-        <p:spPr>
-          <a:xfrm>
-            <a:off x="3797491" y="3589710"/>
-            <a:ext cx="2514463" cy="584776"/>
-          </a:xfrm>
-          <a:prstGeom prst="rect">
-            <a:avLst/>
-          </a:prstGeom>
-          <a:solidFill>
-            <a:schemeClr val="bg1"/>
-          </a:solidFill>
-        </p:spPr>
-        <p:txBody>
-          <a:bodyPr wrap="square" rtlCol="0">
-            <a:spAutoFit/>
-          </a:bodyPr>
-          <a:lstStyle/>
-          <a:p>
-            <a:pPr marL="285750" indent="-285750">
-              <a:buFont typeface="Arial"/>
-              <a:buChar char="•"/>
-            </a:pPr>
-            <a:r>
-              <a:rPr lang="en-US" sz="1600" dirty="0" smtClean="0">
-                <a:latin typeface="Open Sans Light"/>
-                <a:cs typeface="Open Sans Light"/>
-              </a:rPr>
-              <a:t>Azure Container Registry</a:t>
-            </a:r>
-            <a:endParaRPr lang="en-US" sz="1600" dirty="0">
-              <a:latin typeface="Open Sans Light"/>
-              <a:cs typeface="Open Sans Light"/>
-            </a:endParaRPr>
-          </a:p>
-        </p:txBody>
-      </p:sp>
-    </p:spTree>
-    <p:extLst>
-      <p:ext uri="{BB962C8B-B14F-4D97-AF65-F5344CB8AC3E}">
-        <p14:creationId xmlns:p14="http://schemas.microsoft.com/office/powerpoint/2010/main" val="1534186549"/>
-      </p:ext>
-    </p:extLst>
-  </p:cSld>
-  <p:clrMapOvr>
-    <a:masterClrMapping/>
-  </p:clrMapOvr>
-  <p:timing>
-    <p:tnLst>
-      <p:par>
-        <p:cTn xmlns:p14="http://schemas.microsoft.com/office/powerpoint/2010/main" id="1" dur="indefinite" restart="never" nodeType="tmRoot"/>
-      </p:par>
-    </p:tnLst>
-  </p:timing>
-</p:sld>
-</file>
-
 <file path=ppt/slides/slide6.xml><?xml version="1.0" encoding="utf-8"?>
 <p:sld xmlns:a="http://schemas.openxmlformats.org/drawingml/2006/main" xmlns:r="http://schemas.openxmlformats.org/officeDocument/2006/relationships" xmlns:p="http://schemas.openxmlformats.org/presentationml/2006/main">
   <p:cSld>
@@ -5692,10 +11213,141 @@
           </a:p>
         </p:txBody>
       </p:sp>
+      <p:sp>
+        <p:nvSpPr>
+          <p:cNvPr id="17" name="Rectangle 16"/>
+          <p:cNvSpPr/>
+          <p:nvPr/>
+        </p:nvSpPr>
+        <p:spPr>
+          <a:xfrm>
+            <a:off x="695924" y="367355"/>
+            <a:ext cx="2221760" cy="307777"/>
+          </a:xfrm>
+          <a:prstGeom prst="rect">
+            <a:avLst/>
+          </a:prstGeom>
+        </p:spPr>
+        <p:txBody>
+          <a:bodyPr wrap="square">
+            <a:spAutoFit/>
+          </a:bodyPr>
+          <a:lstStyle/>
+          <a:p>
+            <a:r>
+              <a:rPr lang="en-US" dirty="0" smtClean="0"/>
+              <a:t>https://</a:t>
+            </a:r>
+            <a:r>
+              <a:rPr lang="en-US" dirty="0" err="1" smtClean="0"/>
+              <a:t>github.com</a:t>
+            </a:r>
+            <a:r>
+              <a:rPr lang="en-US" dirty="0" smtClean="0"/>
+              <a:t>/</a:t>
+            </a:r>
+            <a:r>
+              <a:rPr lang="is-IS" dirty="0" smtClean="0"/>
+              <a:t>…</a:t>
+            </a:r>
+            <a:endParaRPr lang="en-US" dirty="0"/>
+          </a:p>
+        </p:txBody>
+      </p:sp>
     </p:spTree>
     <p:extLst>
       <p:ext uri="{BB962C8B-B14F-4D97-AF65-F5344CB8AC3E}">
         <p14:creationId xmlns:p14="http://schemas.microsoft.com/office/powerpoint/2010/main" val="1000340373"/>
+      </p:ext>
+    </p:extLst>
+  </p:cSld>
+  <p:clrMapOvr>
+    <a:masterClrMapping/>
+  </p:clrMapOvr>
+  <p:timing>
+    <p:tnLst>
+      <p:par>
+        <p:cTn xmlns:p14="http://schemas.microsoft.com/office/powerpoint/2010/main" id="1" dur="indefinite" restart="never" nodeType="tmRoot"/>
+      </p:par>
+    </p:tnLst>
+  </p:timing>
+</p:sld>
+</file>
+
+<file path=ppt/slides/slide7.xml><?xml version="1.0" encoding="utf-8"?>
+<p:sld xmlns:a="http://schemas.openxmlformats.org/drawingml/2006/main" xmlns:r="http://schemas.openxmlformats.org/officeDocument/2006/relationships" xmlns:p="http://schemas.openxmlformats.org/presentationml/2006/main">
+  <p:cSld>
+    <p:spTree>
+      <p:nvGrpSpPr>
+        <p:cNvPr id="1" name=""/>
+        <p:cNvGrpSpPr/>
+        <p:nvPr/>
+      </p:nvGrpSpPr>
+      <p:grpSpPr>
+        <a:xfrm>
+          <a:off x="0" y="0"/>
+          <a:ext cx="0" cy="0"/>
+          <a:chOff x="0" y="0"/>
+          <a:chExt cx="0" cy="0"/>
+        </a:xfrm>
+      </p:grpSpPr>
+      <p:sp>
+        <p:nvSpPr>
+          <p:cNvPr id="2" name="Title 1"/>
+          <p:cNvSpPr>
+            <a:spLocks noGrp="1"/>
+          </p:cNvSpPr>
+          <p:nvPr>
+            <p:ph type="title"/>
+          </p:nvPr>
+        </p:nvSpPr>
+        <p:spPr/>
+        <p:txBody>
+          <a:bodyPr/>
+          <a:lstStyle/>
+          <a:p>
+            <a:r>
+              <a:rPr lang="en-US" dirty="0" smtClean="0"/>
+              <a:t>Pricing</a:t>
+            </a:r>
+            <a:endParaRPr lang="en-US" dirty="0"/>
+          </a:p>
+        </p:txBody>
+      </p:sp>
+      <p:pic>
+        <p:nvPicPr>
+          <p:cNvPr id="6" name="Picture 5" descr="Screen Shot 2016-07-17 at 8.17.46 AM.png"/>
+          <p:cNvPicPr>
+            <a:picLocks noChangeAspect="1"/>
+          </p:cNvPicPr>
+          <p:nvPr/>
+        </p:nvPicPr>
+        <p:blipFill>
+          <a:blip r:embed="rId2">
+            <a:extLst>
+              <a:ext uri="{28A0092B-C50C-407E-A947-70E740481C1C}">
+                <a14:useLocalDpi xmlns:a14="http://schemas.microsoft.com/office/drawing/2010/main" val="0"/>
+              </a:ext>
+            </a:extLst>
+          </a:blip>
+          <a:stretch>
+            <a:fillRect/>
+          </a:stretch>
+        </p:blipFill>
+        <p:spPr>
+          <a:xfrm>
+            <a:off x="641276" y="241429"/>
+            <a:ext cx="8502724" cy="5143500"/>
+          </a:xfrm>
+          <a:prstGeom prst="rect">
+            <a:avLst/>
+          </a:prstGeom>
+        </p:spPr>
+      </p:pic>
+    </p:spTree>
+    <p:extLst>
+      <p:ext uri="{BB962C8B-B14F-4D97-AF65-F5344CB8AC3E}">
+        <p14:creationId xmlns:p14="http://schemas.microsoft.com/office/powerpoint/2010/main" val="1893438001"/>
       </p:ext>
     </p:extLst>
   </p:cSld>

--- a/fig/shippable-v01.pptx
+++ b/fig/shippable-v01.pptx
@@ -1006,6 +1006,33 @@
             <a:r>
               <a:rPr lang="en-US" dirty="0" err="1" smtClean="0"/>
               <a:t>kubernetes</a:t>
+            </a:r>
+            <a:endParaRPr lang="en-US" dirty="0" smtClean="0"/>
+          </a:p>
+          <a:p>
+            <a:r>
+              <a:rPr lang="en-US" dirty="0" smtClean="0"/>
+              <a:t>Icons</a:t>
+            </a:r>
+            <a:r>
+              <a:rPr lang="en-US" baseline="0" dirty="0" smtClean="0"/>
+              <a:t> on this page have been s</a:t>
+            </a:r>
+            <a:r>
+              <a:rPr lang="en-US" dirty="0" smtClean="0"/>
+              <a:t>hrunk to </a:t>
+            </a:r>
+            <a:r>
+              <a:rPr lang="en-US" smtClean="0"/>
+              <a:t>.8x.8</a:t>
+            </a:r>
+            <a:r>
+              <a:rPr lang="en-US" baseline="0" smtClean="0"/>
+              <a:t> </a:t>
+            </a:r>
+            <a:r>
+              <a:rPr lang="en-US" baseline="0" dirty="0" smtClean="0"/>
+              <a:t>width</a:t>
             </a:r>
             <a:endParaRPr lang="en-US" dirty="0"/>
           </a:p>
@@ -6123,6 +6150,11 @@
             <a:pPr algn="ctr"/>
             <a:r>
               <a:rPr lang="en-US" sz="1200" dirty="0" smtClean="0">
+                <a:solidFill>
+                  <a:schemeClr val="bg1">
+                    <a:lumMod val="65000"/>
+                  </a:schemeClr>
+                </a:solidFill>
                 <a:latin typeface="Open Sans Light"/>
                 <a:cs typeface="Open Sans Light"/>
               </a:rPr>
@@ -6130,18 +6162,33 @@
             </a:r>
             <a:br>
               <a:rPr lang="en-US" sz="1200" dirty="0" smtClean="0">
+                <a:solidFill>
+                  <a:schemeClr val="bg1">
+                    <a:lumMod val="65000"/>
+                  </a:schemeClr>
+                </a:solidFill>
                 <a:latin typeface="Open Sans Light"/>
                 <a:cs typeface="Open Sans Light"/>
               </a:rPr>
             </a:br>
             <a:r>
               <a:rPr lang="en-US" sz="1200" dirty="0" smtClean="0">
+                <a:solidFill>
+                  <a:schemeClr val="bg1">
+                    <a:lumMod val="65000"/>
+                  </a:schemeClr>
+                </a:solidFill>
                 <a:latin typeface="Open Sans Light"/>
                 <a:cs typeface="Open Sans Light"/>
               </a:rPr>
               <a:t>Registry</a:t>
             </a:r>
             <a:endParaRPr lang="en-US" sz="1200" dirty="0">
+              <a:solidFill>
+                <a:schemeClr val="bg1">
+                  <a:lumMod val="65000"/>
+                </a:schemeClr>
+              </a:solidFill>
               <a:latin typeface="Open Sans Light"/>
               <a:cs typeface="Open Sans Light"/>
             </a:endParaRPr>
@@ -6269,6 +6316,11 @@
             <a:pPr algn="ctr"/>
             <a:r>
               <a:rPr lang="en-US" sz="1200" dirty="0" smtClean="0">
+                <a:solidFill>
+                  <a:schemeClr val="bg1">
+                    <a:lumMod val="65000"/>
+                  </a:schemeClr>
+                </a:solidFill>
                 <a:latin typeface="Open Sans Light"/>
                 <a:cs typeface="Open Sans Light"/>
               </a:rPr>
@@ -6276,18 +6328,33 @@
             </a:r>
             <a:br>
               <a:rPr lang="en-US" sz="1200" dirty="0" smtClean="0">
+                <a:solidFill>
+                  <a:schemeClr val="bg1">
+                    <a:lumMod val="65000"/>
+                  </a:schemeClr>
+                </a:solidFill>
                 <a:latin typeface="Open Sans Light"/>
                 <a:cs typeface="Open Sans Light"/>
               </a:rPr>
             </a:br>
             <a:r>
               <a:rPr lang="en-US" sz="1200" dirty="0" smtClean="0">
+                <a:solidFill>
+                  <a:schemeClr val="bg1">
+                    <a:lumMod val="65000"/>
+                  </a:schemeClr>
+                </a:solidFill>
                 <a:latin typeface="Open Sans Light"/>
                 <a:cs typeface="Open Sans Light"/>
               </a:rPr>
               <a:t>Service</a:t>
             </a:r>
             <a:endParaRPr lang="en-US" sz="1200" dirty="0">
+              <a:solidFill>
+                <a:schemeClr val="bg1">
+                  <a:lumMod val="65000"/>
+                </a:schemeClr>
+              </a:solidFill>
               <a:latin typeface="Open Sans Light"/>
               <a:cs typeface="Open Sans Light"/>
             </a:endParaRPr>
@@ -6343,12 +6410,22 @@
             <a:pPr algn="ctr"/>
             <a:r>
               <a:rPr lang="en-US" sz="1200" dirty="0" smtClean="0">
+                <a:solidFill>
+                  <a:schemeClr val="bg1">
+                    <a:lumMod val="65000"/>
+                  </a:schemeClr>
+                </a:solidFill>
                 <a:latin typeface="Open Sans Light"/>
                 <a:cs typeface="Open Sans Light"/>
               </a:rPr>
               <a:t>EC2</a:t>
             </a:r>
             <a:endParaRPr lang="en-US" sz="1200" dirty="0">
+              <a:solidFill>
+                <a:schemeClr val="bg1">
+                  <a:lumMod val="65000"/>
+                </a:schemeClr>
+              </a:solidFill>
               <a:latin typeface="Open Sans Light"/>
               <a:cs typeface="Open Sans Light"/>
             </a:endParaRPr>
@@ -6363,7 +6440,7 @@
         </p:nvSpPr>
         <p:spPr>
           <a:xfrm>
-            <a:off x="7180506" y="4432859"/>
+            <a:off x="7147251" y="4432859"/>
             <a:ext cx="632129" cy="461665"/>
           </a:xfrm>
           <a:prstGeom prst="rect">
@@ -6380,6 +6457,11 @@
             <a:pPr algn="ctr"/>
             <a:r>
               <a:rPr lang="en-US" sz="1200" dirty="0" smtClean="0">
+                <a:solidFill>
+                  <a:schemeClr val="bg1">
+                    <a:lumMod val="65000"/>
+                  </a:schemeClr>
+                </a:solidFill>
                 <a:latin typeface="Open Sans Light"/>
                 <a:cs typeface="Open Sans Light"/>
               </a:rPr>
@@ -6387,18 +6469,33 @@
             </a:r>
             <a:br>
               <a:rPr lang="en-US" sz="1200" dirty="0" smtClean="0">
+                <a:solidFill>
+                  <a:schemeClr val="bg1">
+                    <a:lumMod val="65000"/>
+                  </a:schemeClr>
+                </a:solidFill>
                 <a:latin typeface="Open Sans Light"/>
                 <a:cs typeface="Open Sans Light"/>
               </a:rPr>
             </a:br>
             <a:r>
               <a:rPr lang="en-US" sz="1200" dirty="0" smtClean="0">
+                <a:solidFill>
+                  <a:schemeClr val="bg1">
+                    <a:lumMod val="65000"/>
+                  </a:schemeClr>
+                </a:solidFill>
                 <a:latin typeface="Open Sans Light"/>
                 <a:cs typeface="Open Sans Light"/>
               </a:rPr>
               <a:t>Ocean</a:t>
             </a:r>
             <a:endParaRPr lang="en-US" sz="1200" dirty="0">
+              <a:solidFill>
+                <a:schemeClr val="bg1">
+                  <a:lumMod val="65000"/>
+                </a:schemeClr>
+              </a:solidFill>
               <a:latin typeface="Open Sans Light"/>
               <a:cs typeface="Open Sans Light"/>
             </a:endParaRPr>
@@ -6421,7 +6518,7 @@
         </p:blipFill>
         <p:spPr>
           <a:xfrm>
-            <a:off x="6173073" y="3764546"/>
+            <a:off x="6173756" y="3748384"/>
             <a:ext cx="729213" cy="729213"/>
           </a:xfrm>
           <a:prstGeom prst="rect">
@@ -6437,7 +6534,7 @@
         </p:nvSpPr>
         <p:spPr>
           <a:xfrm>
-            <a:off x="7174011" y="963850"/>
+            <a:off x="7210682" y="963850"/>
             <a:ext cx="505267" cy="276999"/>
           </a:xfrm>
           <a:prstGeom prst="rect">
@@ -6454,12 +6551,22 @@
             <a:pPr algn="ctr"/>
             <a:r>
               <a:rPr lang="en-US" sz="1200" dirty="0" smtClean="0">
+                <a:solidFill>
+                  <a:schemeClr val="bg1">
+                    <a:lumMod val="65000"/>
+                  </a:schemeClr>
+                </a:solidFill>
                 <a:latin typeface="Open Sans Light"/>
                 <a:cs typeface="Open Sans Light"/>
               </a:rPr>
               <a:t>AWS</a:t>
             </a:r>
             <a:endParaRPr lang="en-US" sz="1200" dirty="0">
+              <a:solidFill>
+                <a:schemeClr val="bg1">
+                  <a:lumMod val="65000"/>
+                </a:schemeClr>
+              </a:solidFill>
               <a:latin typeface="Open Sans Light"/>
               <a:cs typeface="Open Sans Light"/>
             </a:endParaRPr>
@@ -6474,7 +6581,7 @@
         </p:nvSpPr>
         <p:spPr>
           <a:xfrm>
-            <a:off x="6246148" y="4432859"/>
+            <a:off x="6246831" y="4432859"/>
             <a:ext cx="583062" cy="276999"/>
           </a:xfrm>
           <a:prstGeom prst="rect">
@@ -6491,12 +6598,22 @@
             <a:pPr algn="ctr"/>
             <a:r>
               <a:rPr lang="en-US" sz="1200" dirty="0" smtClean="0">
+                <a:solidFill>
+                  <a:schemeClr val="bg1">
+                    <a:lumMod val="65000"/>
+                  </a:schemeClr>
+                </a:solidFill>
                 <a:latin typeface="Open Sans Light"/>
                 <a:cs typeface="Open Sans Light"/>
               </a:rPr>
               <a:t>Azure</a:t>
             </a:r>
             <a:endParaRPr lang="en-US" sz="1200" dirty="0">
+              <a:solidFill>
+                <a:schemeClr val="bg1">
+                  <a:lumMod val="65000"/>
+                </a:schemeClr>
+              </a:solidFill>
               <a:latin typeface="Open Sans Light"/>
               <a:cs typeface="Open Sans Light"/>
             </a:endParaRPr>
@@ -6519,7 +6636,7 @@
         </p:blipFill>
         <p:spPr>
           <a:xfrm>
-            <a:off x="7064457" y="292139"/>
+            <a:off x="7101128" y="292139"/>
             <a:ext cx="724374" cy="724374"/>
           </a:xfrm>
           <a:prstGeom prst="rect">
@@ -6576,12 +6693,22 @@
             <a:pPr algn="ctr"/>
             <a:r>
               <a:rPr lang="en-US" sz="1200" dirty="0" smtClean="0">
+                <a:solidFill>
+                  <a:schemeClr val="bg1">
+                    <a:lumMod val="65000"/>
+                  </a:schemeClr>
+                </a:solidFill>
                 <a:latin typeface="Open Sans Light"/>
                 <a:cs typeface="Open Sans Light"/>
               </a:rPr>
               <a:t>Opsworks</a:t>
             </a:r>
             <a:endParaRPr lang="en-US" sz="1200" dirty="0">
+              <a:solidFill>
+                <a:schemeClr val="bg1">
+                  <a:lumMod val="65000"/>
+                </a:schemeClr>
+              </a:solidFill>
               <a:latin typeface="Open Sans Light"/>
               <a:cs typeface="Open Sans Light"/>
             </a:endParaRPr>
@@ -6613,6 +6740,11 @@
             <a:pPr algn="ctr"/>
             <a:r>
               <a:rPr lang="en-US" sz="1200" dirty="0" smtClean="0">
+                <a:solidFill>
+                  <a:schemeClr val="bg1">
+                    <a:lumMod val="65000"/>
+                  </a:schemeClr>
+                </a:solidFill>
                 <a:latin typeface="Open Sans Light"/>
                 <a:cs typeface="Open Sans Light"/>
               </a:rPr>
@@ -6620,18 +6752,33 @@
             </a:r>
             <a:br>
               <a:rPr lang="en-US" sz="1200" dirty="0" smtClean="0">
+                <a:solidFill>
+                  <a:schemeClr val="bg1">
+                    <a:lumMod val="65000"/>
+                  </a:schemeClr>
+                </a:solidFill>
                 <a:latin typeface="Open Sans Light"/>
                 <a:cs typeface="Open Sans Light"/>
               </a:rPr>
             </a:br>
             <a:r>
               <a:rPr lang="en-US" sz="1200" dirty="0" smtClean="0">
+                <a:solidFill>
+                  <a:schemeClr val="bg1">
+                    <a:lumMod val="65000"/>
+                  </a:schemeClr>
+                </a:solidFill>
                 <a:latin typeface="Open Sans Light"/>
                 <a:cs typeface="Open Sans Light"/>
               </a:rPr>
               <a:t>Build</a:t>
             </a:r>
             <a:endParaRPr lang="en-US" sz="1200" dirty="0">
+              <a:solidFill>
+                <a:schemeClr val="bg1">
+                  <a:lumMod val="65000"/>
+                </a:schemeClr>
+              </a:solidFill>
               <a:latin typeface="Open Sans Light"/>
               <a:cs typeface="Open Sans Light"/>
             </a:endParaRPr>
@@ -6663,12 +6810,22 @@
             <a:pPr algn="ctr"/>
             <a:r>
               <a:rPr lang="en-US" sz="1200" dirty="0" smtClean="0">
+                <a:solidFill>
+                  <a:schemeClr val="bg1">
+                    <a:lumMod val="65000"/>
+                  </a:schemeClr>
+                </a:solidFill>
                 <a:latin typeface="Open Sans Light"/>
                 <a:cs typeface="Open Sans Light"/>
               </a:rPr>
               <a:t>EBS</a:t>
             </a:r>
             <a:endParaRPr lang="en-US" sz="1200" dirty="0">
+              <a:solidFill>
+                <a:schemeClr val="bg1">
+                  <a:lumMod val="65000"/>
+                </a:schemeClr>
+              </a:solidFill>
               <a:latin typeface="Open Sans Light"/>
               <a:cs typeface="Open Sans Light"/>
             </a:endParaRPr>
@@ -6683,7 +6840,7 @@
         </p:nvSpPr>
         <p:spPr>
           <a:xfrm>
-            <a:off x="7141997" y="2036042"/>
+            <a:off x="7120914" y="2067533"/>
             <a:ext cx="684803" cy="461665"/>
           </a:xfrm>
           <a:prstGeom prst="rect">
@@ -6700,6 +6857,11 @@
             <a:pPr algn="ctr"/>
             <a:r>
               <a:rPr lang="en-US" sz="1200" dirty="0" smtClean="0">
+                <a:solidFill>
+                  <a:schemeClr val="bg1">
+                    <a:lumMod val="65000"/>
+                  </a:schemeClr>
+                </a:solidFill>
                 <a:latin typeface="Open Sans Light"/>
                 <a:cs typeface="Open Sans Light"/>
               </a:rPr>
@@ -6707,18 +6869,33 @@
             </a:r>
             <a:br>
               <a:rPr lang="en-US" sz="1200" dirty="0" smtClean="0">
+                <a:solidFill>
+                  <a:schemeClr val="bg1">
+                    <a:lumMod val="65000"/>
+                  </a:schemeClr>
+                </a:solidFill>
                 <a:latin typeface="Open Sans Light"/>
                 <a:cs typeface="Open Sans Light"/>
               </a:rPr>
             </a:br>
             <a:r>
               <a:rPr lang="en-US" sz="1200" dirty="0" smtClean="0">
+                <a:solidFill>
+                  <a:schemeClr val="bg1">
+                    <a:lumMod val="65000"/>
+                  </a:schemeClr>
+                </a:solidFill>
                 <a:latin typeface="Open Sans Light"/>
                 <a:cs typeface="Open Sans Light"/>
               </a:rPr>
               <a:t>Cloud</a:t>
             </a:r>
             <a:endParaRPr lang="en-US" sz="1200" dirty="0">
+              <a:solidFill>
+                <a:schemeClr val="bg1">
+                  <a:lumMod val="65000"/>
+                </a:schemeClr>
+              </a:solidFill>
               <a:latin typeface="Open Sans Light"/>
               <a:cs typeface="Open Sans Light"/>
             </a:endParaRPr>
@@ -6750,6 +6927,11 @@
             <a:pPr algn="ctr"/>
             <a:r>
               <a:rPr lang="en-US" sz="1200" dirty="0" smtClean="0">
+                <a:solidFill>
+                  <a:schemeClr val="bg1">
+                    <a:lumMod val="65000"/>
+                  </a:schemeClr>
+                </a:solidFill>
                 <a:latin typeface="Open Sans Light"/>
                 <a:cs typeface="Open Sans Light"/>
               </a:rPr>
@@ -6757,18 +6939,33 @@
             </a:r>
             <a:br>
               <a:rPr lang="en-US" sz="1200" dirty="0" smtClean="0">
+                <a:solidFill>
+                  <a:schemeClr val="bg1">
+                    <a:lumMod val="65000"/>
+                  </a:schemeClr>
+                </a:solidFill>
                 <a:latin typeface="Open Sans Light"/>
                 <a:cs typeface="Open Sans Light"/>
               </a:rPr>
             </a:br>
             <a:r>
               <a:rPr lang="en-US" sz="1200" dirty="0" smtClean="0">
+                <a:solidFill>
+                  <a:schemeClr val="bg1">
+                    <a:lumMod val="65000"/>
+                  </a:schemeClr>
+                </a:solidFill>
                 <a:latin typeface="Open Sans Light"/>
                 <a:cs typeface="Open Sans Light"/>
               </a:rPr>
               <a:t>Hub</a:t>
             </a:r>
             <a:endParaRPr lang="en-US" sz="1200" dirty="0">
+              <a:solidFill>
+                <a:schemeClr val="bg1">
+                  <a:lumMod val="65000"/>
+                </a:schemeClr>
+              </a:solidFill>
               <a:latin typeface="Open Sans Light"/>
               <a:cs typeface="Open Sans Light"/>
             </a:endParaRPr>
@@ -6800,6 +6997,11 @@
             <a:pPr algn="ctr"/>
             <a:r>
               <a:rPr lang="en-US" sz="1200" dirty="0" smtClean="0">
+                <a:solidFill>
+                  <a:schemeClr val="bg1">
+                    <a:lumMod val="65000"/>
+                  </a:schemeClr>
+                </a:solidFill>
                 <a:latin typeface="Open Sans Light"/>
                 <a:cs typeface="Open Sans Light"/>
               </a:rPr>
@@ -6807,18 +7009,33 @@
             </a:r>
             <a:br>
               <a:rPr lang="en-US" sz="1200" dirty="0" smtClean="0">
+                <a:solidFill>
+                  <a:schemeClr val="bg1">
+                    <a:lumMod val="65000"/>
+                  </a:schemeClr>
+                </a:solidFill>
                 <a:latin typeface="Open Sans Light"/>
                 <a:cs typeface="Open Sans Light"/>
               </a:rPr>
             </a:br>
             <a:r>
               <a:rPr lang="en-US" sz="1200" dirty="0" smtClean="0">
+                <a:solidFill>
+                  <a:schemeClr val="bg1">
+                    <a:lumMod val="65000"/>
+                  </a:schemeClr>
+                </a:solidFill>
                 <a:latin typeface="Open Sans Light"/>
                 <a:cs typeface="Open Sans Light"/>
               </a:rPr>
               <a:t>Cloud</a:t>
             </a:r>
             <a:endParaRPr lang="en-US" sz="1200" dirty="0">
+              <a:solidFill>
+                <a:schemeClr val="bg1">
+                  <a:lumMod val="65000"/>
+                </a:schemeClr>
+              </a:solidFill>
               <a:latin typeface="Open Sans Light"/>
               <a:cs typeface="Open Sans Light"/>
             </a:endParaRPr>
@@ -6874,12 +7091,22 @@
             <a:pPr algn="ctr"/>
             <a:r>
               <a:rPr lang="en-US" sz="1200" dirty="0" smtClean="0">
+                <a:solidFill>
+                  <a:schemeClr val="bg1">
+                    <a:lumMod val="65000"/>
+                  </a:schemeClr>
+                </a:solidFill>
                 <a:latin typeface="Open Sans Light"/>
                 <a:cs typeface="Open Sans Light"/>
               </a:rPr>
               <a:t>Bitbucket</a:t>
             </a:r>
             <a:endParaRPr lang="en-US" sz="1200" dirty="0">
+              <a:solidFill>
+                <a:schemeClr val="bg1">
+                  <a:lumMod val="65000"/>
+                </a:schemeClr>
+              </a:solidFill>
               <a:latin typeface="Open Sans Light"/>
               <a:cs typeface="Open Sans Light"/>
             </a:endParaRPr>
@@ -6911,6 +7138,11 @@
             <a:pPr algn="ctr"/>
             <a:r>
               <a:rPr lang="en-US" sz="1200" dirty="0" smtClean="0">
+                <a:solidFill>
+                  <a:schemeClr val="bg1">
+                    <a:lumMod val="65000"/>
+                  </a:schemeClr>
+                </a:solidFill>
                 <a:latin typeface="Open Sans Light"/>
                 <a:cs typeface="Open Sans Light"/>
               </a:rPr>
@@ -6918,18 +7150,33 @@
             </a:r>
             <a:br>
               <a:rPr lang="en-US" sz="1200" dirty="0" smtClean="0">
+                <a:solidFill>
+                  <a:schemeClr val="bg1">
+                    <a:lumMod val="65000"/>
+                  </a:schemeClr>
+                </a:solidFill>
                 <a:latin typeface="Open Sans Light"/>
                 <a:cs typeface="Open Sans Light"/>
               </a:rPr>
             </a:br>
             <a:r>
               <a:rPr lang="en-US" sz="1200" dirty="0" smtClean="0">
+                <a:solidFill>
+                  <a:schemeClr val="bg1">
+                    <a:lumMod val="65000"/>
+                  </a:schemeClr>
+                </a:solidFill>
                 <a:latin typeface="Open Sans Light"/>
                 <a:cs typeface="Open Sans Light"/>
               </a:rPr>
               <a:t>Deploy</a:t>
             </a:r>
             <a:endParaRPr lang="en-US" sz="1200" dirty="0">
+              <a:solidFill>
+                <a:schemeClr val="bg1">
+                  <a:lumMod val="65000"/>
+                </a:schemeClr>
+              </a:solidFill>
               <a:latin typeface="Open Sans Light"/>
               <a:cs typeface="Open Sans Light"/>
             </a:endParaRPr>
@@ -6961,12 +7208,22 @@
             <a:pPr algn="ctr"/>
             <a:r>
               <a:rPr lang="en-US" sz="1200" dirty="0" smtClean="0">
+                <a:solidFill>
+                  <a:schemeClr val="bg1">
+                    <a:lumMod val="65000"/>
+                  </a:schemeClr>
+                </a:solidFill>
                 <a:latin typeface="Open Sans Light"/>
                 <a:cs typeface="Open Sans Light"/>
               </a:rPr>
               <a:t>Gitlab</a:t>
             </a:r>
             <a:endParaRPr lang="en-US" sz="1200" dirty="0">
+              <a:solidFill>
+                <a:schemeClr val="bg1">
+                  <a:lumMod val="65000"/>
+                </a:schemeClr>
+              </a:solidFill>
               <a:latin typeface="Open Sans Light"/>
               <a:cs typeface="Open Sans Light"/>
             </a:endParaRPr>
@@ -6989,7 +7246,7 @@
         </p:blipFill>
         <p:spPr>
           <a:xfrm>
-            <a:off x="7130967" y="3762553"/>
+            <a:off x="7097712" y="3746391"/>
             <a:ext cx="731206" cy="731206"/>
           </a:xfrm>
           <a:prstGeom prst="rect">
@@ -7094,12 +7351,22 @@
             <a:pPr algn="ctr"/>
             <a:r>
               <a:rPr lang="en-US" sz="1200" dirty="0" smtClean="0">
+                <a:solidFill>
+                  <a:schemeClr val="bg1">
+                    <a:lumMod val="65000"/>
+                  </a:schemeClr>
+                </a:solidFill>
                 <a:latin typeface="Open Sans Light"/>
                 <a:cs typeface="Open Sans Light"/>
               </a:rPr>
               <a:t>GitHub</a:t>
             </a:r>
             <a:endParaRPr lang="en-US" sz="1200" dirty="0">
+              <a:solidFill>
+                <a:schemeClr val="bg1">
+                  <a:lumMod val="65000"/>
+                </a:schemeClr>
+              </a:solidFill>
               <a:latin typeface="Open Sans Light"/>
               <a:cs typeface="Open Sans Light"/>
             </a:endParaRPr>
@@ -7131,6 +7398,11 @@
             <a:pPr algn="ctr"/>
             <a:r>
               <a:rPr lang="en-US" sz="1200" dirty="0" smtClean="0">
+                <a:solidFill>
+                  <a:schemeClr val="bg1">
+                    <a:lumMod val="65000"/>
+                  </a:schemeClr>
+                </a:solidFill>
                 <a:latin typeface="Open Sans Light"/>
                 <a:cs typeface="Open Sans Light"/>
               </a:rPr>
@@ -7138,18 +7410,33 @@
             </a:r>
             <a:br>
               <a:rPr lang="en-US" sz="1200" dirty="0" smtClean="0">
+                <a:solidFill>
+                  <a:schemeClr val="bg1">
+                    <a:lumMod val="65000"/>
+                  </a:schemeClr>
+                </a:solidFill>
                 <a:latin typeface="Open Sans Light"/>
                 <a:cs typeface="Open Sans Light"/>
               </a:rPr>
             </a:br>
             <a:r>
               <a:rPr lang="en-US" sz="1200" dirty="0" smtClean="0">
+                <a:solidFill>
+                  <a:schemeClr val="bg1">
+                    <a:lumMod val="65000"/>
+                  </a:schemeClr>
+                </a:solidFill>
                 <a:latin typeface="Open Sans Light"/>
                 <a:cs typeface="Open Sans Light"/>
               </a:rPr>
               <a:t>Datacenter</a:t>
             </a:r>
             <a:endParaRPr lang="en-US" sz="1200" dirty="0">
+              <a:solidFill>
+                <a:schemeClr val="bg1">
+                  <a:lumMod val="65000"/>
+                </a:schemeClr>
+              </a:solidFill>
               <a:latin typeface="Open Sans Light"/>
               <a:cs typeface="Open Sans Light"/>
             </a:endParaRPr>
@@ -7244,7 +7531,7 @@
         </p:blipFill>
         <p:spPr>
           <a:xfrm>
-            <a:off x="7979214" y="1383246"/>
+            <a:off x="7979214" y="1414737"/>
             <a:ext cx="729213" cy="729213"/>
           </a:xfrm>
           <a:prstGeom prst="rect">
@@ -7260,7 +7547,7 @@
         </p:nvSpPr>
         <p:spPr>
           <a:xfrm>
-            <a:off x="8014243" y="2036042"/>
+            <a:off x="8014243" y="2067533"/>
             <a:ext cx="659155" cy="461665"/>
           </a:xfrm>
           <a:prstGeom prst="rect">
@@ -7277,6 +7564,11 @@
             <a:pPr algn="ctr"/>
             <a:r>
               <a:rPr lang="en-US" sz="1200" dirty="0" smtClean="0">
+                <a:solidFill>
+                  <a:schemeClr val="bg1">
+                    <a:lumMod val="65000"/>
+                  </a:schemeClr>
+                </a:solidFill>
                 <a:latin typeface="Open Sans Light"/>
                 <a:cs typeface="Open Sans Light"/>
               </a:rPr>
@@ -7284,18 +7576,33 @@
             </a:r>
             <a:br>
               <a:rPr lang="en-US" sz="1200" dirty="0" smtClean="0">
+                <a:solidFill>
+                  <a:schemeClr val="bg1">
+                    <a:lumMod val="65000"/>
+                  </a:schemeClr>
+                </a:solidFill>
                 <a:latin typeface="Open Sans Light"/>
                 <a:cs typeface="Open Sans Light"/>
               </a:rPr>
             </a:br>
             <a:r>
               <a:rPr lang="en-US" sz="1200" dirty="0" smtClean="0">
+                <a:solidFill>
+                  <a:schemeClr val="bg1">
+                    <a:lumMod val="65000"/>
+                  </a:schemeClr>
+                </a:solidFill>
                 <a:latin typeface="Open Sans Light"/>
                 <a:cs typeface="Open Sans Light"/>
               </a:rPr>
               <a:t>Engine</a:t>
             </a:r>
             <a:endParaRPr lang="en-US" sz="1200" dirty="0">
+              <a:solidFill>
+                <a:schemeClr val="bg1">
+                  <a:lumMod val="65000"/>
+                </a:schemeClr>
+              </a:solidFill>
               <a:latin typeface="Open Sans Light"/>
               <a:cs typeface="Open Sans Light"/>
             </a:endParaRPr>
@@ -7327,12 +7634,22 @@
             <a:pPr algn="ctr"/>
             <a:r>
               <a:rPr lang="en-US" sz="1200" dirty="0" smtClean="0">
+                <a:solidFill>
+                  <a:schemeClr val="bg1">
+                    <a:lumMod val="65000"/>
+                  </a:schemeClr>
+                </a:solidFill>
                 <a:latin typeface="Open Sans Light"/>
                 <a:cs typeface="Open Sans Light"/>
               </a:rPr>
               <a:t>Heroku</a:t>
             </a:r>
             <a:endParaRPr lang="en-US" sz="1200" dirty="0">
+              <a:solidFill>
+                <a:schemeClr val="bg1">
+                  <a:lumMod val="65000"/>
+                </a:schemeClr>
+              </a:solidFill>
               <a:latin typeface="Open Sans Light"/>
               <a:cs typeface="Open Sans Light"/>
             </a:endParaRPr>
@@ -7355,7 +7672,7 @@
         </p:blipFill>
         <p:spPr>
           <a:xfrm>
-            <a:off x="7130967" y="1405596"/>
+            <a:off x="7109884" y="1437087"/>
             <a:ext cx="706863" cy="706863"/>
           </a:xfrm>
           <a:prstGeom prst="rect">
@@ -7379,7 +7696,7 @@
         </p:blipFill>
         <p:spPr>
           <a:xfrm>
-            <a:off x="6201127" y="1439354"/>
+            <a:off x="6201127" y="1470845"/>
             <a:ext cx="673105" cy="673105"/>
           </a:xfrm>
           <a:prstGeom prst="rect">
@@ -7395,7 +7712,7 @@
         </p:nvSpPr>
         <p:spPr>
           <a:xfrm>
-            <a:off x="6124746" y="2036042"/>
+            <a:off x="6124746" y="2067533"/>
             <a:ext cx="825867" cy="461665"/>
           </a:xfrm>
           <a:prstGeom prst="rect">
@@ -7412,6 +7729,11 @@
             <a:pPr algn="ctr"/>
             <a:r>
               <a:rPr lang="en-US" sz="1200" dirty="0" smtClean="0">
+                <a:solidFill>
+                  <a:schemeClr val="bg1">
+                    <a:lumMod val="65000"/>
+                  </a:schemeClr>
+                </a:solidFill>
                 <a:latin typeface="Open Sans Light"/>
                 <a:cs typeface="Open Sans Light"/>
               </a:rPr>
@@ -7419,18 +7741,33 @@
             </a:r>
             <a:br>
               <a:rPr lang="en-US" sz="1200" dirty="0" smtClean="0">
+                <a:solidFill>
+                  <a:schemeClr val="bg1">
+                    <a:lumMod val="65000"/>
+                  </a:schemeClr>
+                </a:solidFill>
                 <a:latin typeface="Open Sans Light"/>
                 <a:cs typeface="Open Sans Light"/>
               </a:rPr>
             </a:br>
             <a:r>
               <a:rPr lang="en-US" sz="1200" dirty="0" smtClean="0">
+                <a:solidFill>
+                  <a:schemeClr val="bg1">
+                    <a:lumMod val="65000"/>
+                  </a:schemeClr>
+                </a:solidFill>
                 <a:latin typeface="Open Sans Light"/>
                 <a:cs typeface="Open Sans Light"/>
               </a:rPr>
               <a:t>Engine</a:t>
             </a:r>
             <a:endParaRPr lang="en-US" sz="1200" dirty="0">
+              <a:solidFill>
+                <a:schemeClr val="bg1">
+                  <a:lumMod val="65000"/>
+                </a:schemeClr>
+              </a:solidFill>
               <a:latin typeface="Open Sans Light"/>
               <a:cs typeface="Open Sans Light"/>
             </a:endParaRPr>
@@ -7445,7 +7782,7 @@
         </p:nvSpPr>
         <p:spPr>
           <a:xfrm>
-            <a:off x="3324617" y="2036042"/>
+            <a:off x="3324617" y="2067533"/>
             <a:ext cx="864339" cy="461665"/>
           </a:xfrm>
           <a:prstGeom prst="rect">
@@ -7462,6 +7799,11 @@
             <a:pPr algn="ctr"/>
             <a:r>
               <a:rPr lang="en-US" sz="1200" dirty="0" smtClean="0">
+                <a:solidFill>
+                  <a:schemeClr val="bg1">
+                    <a:lumMod val="65000"/>
+                  </a:schemeClr>
+                </a:solidFill>
                 <a:latin typeface="Open Sans Light"/>
                 <a:cs typeface="Open Sans Light"/>
               </a:rPr>
@@ -7469,18 +7811,33 @@
             </a:r>
             <a:br>
               <a:rPr lang="en-US" sz="1200" dirty="0" smtClean="0">
+                <a:solidFill>
+                  <a:schemeClr val="bg1">
+                    <a:lumMod val="65000"/>
+                  </a:schemeClr>
+                </a:solidFill>
                 <a:latin typeface="Open Sans Light"/>
                 <a:cs typeface="Open Sans Light"/>
               </a:rPr>
             </a:br>
             <a:r>
               <a:rPr lang="en-US" sz="1200" dirty="0" smtClean="0">
+                <a:solidFill>
+                  <a:schemeClr val="bg1">
+                    <a:lumMod val="65000"/>
+                  </a:schemeClr>
+                </a:solidFill>
                 <a:latin typeface="Open Sans Light"/>
                 <a:cs typeface="Open Sans Light"/>
               </a:rPr>
               <a:t>Engine</a:t>
             </a:r>
             <a:endParaRPr lang="en-US" sz="1200" dirty="0">
+              <a:solidFill>
+                <a:schemeClr val="bg1">
+                  <a:lumMod val="65000"/>
+                </a:schemeClr>
+              </a:solidFill>
               <a:latin typeface="Open Sans Light"/>
               <a:cs typeface="Open Sans Light"/>
             </a:endParaRPr>
@@ -7495,7 +7852,7 @@
         </p:nvSpPr>
         <p:spPr>
           <a:xfrm>
-            <a:off x="2530020" y="2036042"/>
+            <a:off x="2530020" y="2067533"/>
             <a:ext cx="864339" cy="461665"/>
           </a:xfrm>
           <a:prstGeom prst="rect">
@@ -7512,6 +7869,11 @@
             <a:pPr algn="ctr"/>
             <a:r>
               <a:rPr lang="en-US" sz="1200" dirty="0" smtClean="0">
+                <a:solidFill>
+                  <a:schemeClr val="bg1">
+                    <a:lumMod val="65000"/>
+                  </a:schemeClr>
+                </a:solidFill>
                 <a:latin typeface="Open Sans Light"/>
                 <a:cs typeface="Open Sans Light"/>
               </a:rPr>
@@ -7519,18 +7881,33 @@
             </a:r>
             <a:br>
               <a:rPr lang="en-US" sz="1200" dirty="0" smtClean="0">
+                <a:solidFill>
+                  <a:schemeClr val="bg1">
+                    <a:lumMod val="65000"/>
+                  </a:schemeClr>
+                </a:solidFill>
                 <a:latin typeface="Open Sans Light"/>
                 <a:cs typeface="Open Sans Light"/>
               </a:rPr>
             </a:br>
             <a:r>
               <a:rPr lang="en-US" sz="1200" dirty="0" smtClean="0">
+                <a:solidFill>
+                  <a:schemeClr val="bg1">
+                    <a:lumMod val="65000"/>
+                  </a:schemeClr>
+                </a:solidFill>
                 <a:latin typeface="Open Sans Light"/>
                 <a:cs typeface="Open Sans Light"/>
               </a:rPr>
               <a:t>Registry</a:t>
             </a:r>
             <a:endParaRPr lang="en-US" sz="1200" dirty="0">
+              <a:solidFill>
+                <a:schemeClr val="bg1">
+                  <a:lumMod val="65000"/>
+                </a:schemeClr>
+              </a:solidFill>
               <a:latin typeface="Open Sans Light"/>
               <a:cs typeface="Open Sans Light"/>
             </a:endParaRPr>
@@ -7553,7 +7930,7 @@
         </p:blipFill>
         <p:spPr>
           <a:xfrm>
-            <a:off x="3398344" y="1395574"/>
+            <a:off x="3398344" y="1427065"/>
             <a:ext cx="716885" cy="716885"/>
           </a:xfrm>
           <a:prstGeom prst="rect">
@@ -7577,7 +7954,7 @@
         </p:blipFill>
         <p:spPr>
           <a:xfrm>
-            <a:off x="2565120" y="1388170"/>
+            <a:off x="2565120" y="1419661"/>
             <a:ext cx="724289" cy="724289"/>
           </a:xfrm>
           <a:prstGeom prst="rect">
@@ -7601,7 +7978,7 @@
         </p:blipFill>
         <p:spPr>
           <a:xfrm>
-            <a:off x="8005839" y="3771520"/>
+            <a:off x="8005839" y="3755358"/>
             <a:ext cx="722239" cy="722239"/>
           </a:xfrm>
           <a:prstGeom prst="rect">
@@ -7625,7 +8002,7 @@
         </p:blipFill>
         <p:spPr>
           <a:xfrm>
-            <a:off x="772155" y="3805367"/>
+            <a:off x="772155" y="3789205"/>
             <a:ext cx="688392" cy="688392"/>
           </a:xfrm>
           <a:prstGeom prst="rect">
@@ -7658,12 +8035,22 @@
             <a:pPr algn="ctr"/>
             <a:r>
               <a:rPr lang="en-US" sz="1200" dirty="0" smtClean="0">
+                <a:solidFill>
+                  <a:schemeClr val="bg1">
+                    <a:lumMod val="65000"/>
+                  </a:schemeClr>
+                </a:solidFill>
                 <a:latin typeface="Open Sans Light"/>
                 <a:cs typeface="Open Sans Light"/>
               </a:rPr>
               <a:t>Slack</a:t>
             </a:r>
             <a:endParaRPr lang="en-US" sz="1200" dirty="0">
+              <a:solidFill>
+                <a:schemeClr val="bg1">
+                  <a:lumMod val="65000"/>
+                </a:schemeClr>
+              </a:solidFill>
               <a:latin typeface="Open Sans Light"/>
               <a:cs typeface="Open Sans Light"/>
             </a:endParaRPr>
@@ -7695,12 +8082,22 @@
             <a:pPr algn="ctr"/>
             <a:r>
               <a:rPr lang="en-US" sz="1200" dirty="0" smtClean="0">
+                <a:solidFill>
+                  <a:schemeClr val="bg1">
+                    <a:lumMod val="65000"/>
+                  </a:schemeClr>
+                </a:solidFill>
                 <a:latin typeface="Open Sans Light"/>
                 <a:cs typeface="Open Sans Light"/>
               </a:rPr>
               <a:t>IRC</a:t>
             </a:r>
             <a:endParaRPr lang="en-US" sz="1200" dirty="0">
+              <a:solidFill>
+                <a:schemeClr val="bg1">
+                  <a:lumMod val="65000"/>
+                </a:schemeClr>
+              </a:solidFill>
               <a:latin typeface="Open Sans Light"/>
               <a:cs typeface="Open Sans Light"/>
             </a:endParaRPr>
@@ -7723,7 +8120,7 @@
         </p:blipFill>
         <p:spPr>
           <a:xfrm>
-            <a:off x="1603591" y="3811366"/>
+            <a:off x="1603591" y="3795204"/>
             <a:ext cx="682393" cy="682393"/>
           </a:xfrm>
           <a:prstGeom prst="rect">
@@ -7731,6 +8128,77 @@
           </a:prstGeom>
         </p:spPr>
       </p:pic>
+      <p:pic>
+        <p:nvPicPr>
+          <p:cNvPr id="8" name="Picture 7"/>
+          <p:cNvPicPr>
+            <a:picLocks noChangeAspect="1"/>
+          </p:cNvPicPr>
+          <p:nvPr/>
+        </p:nvPicPr>
+        <p:blipFill>
+          <a:blip r:embed="rId27"/>
+          <a:stretch>
+            <a:fillRect/>
+          </a:stretch>
+        </p:blipFill>
+        <p:spPr>
+          <a:xfrm>
+            <a:off x="2604606" y="3838302"/>
+            <a:ext cx="639295" cy="639295"/>
+          </a:xfrm>
+          <a:prstGeom prst="rect">
+            <a:avLst/>
+          </a:prstGeom>
+        </p:spPr>
+      </p:pic>
+      <p:sp>
+        <p:nvSpPr>
+          <p:cNvPr id="54" name="TextBox 53"/>
+          <p:cNvSpPr txBox="1"/>
+          <p:nvPr/>
+        </p:nvSpPr>
+        <p:spPr>
+          <a:xfrm>
+            <a:off x="2668726" y="4432859"/>
+            <a:ext cx="556563" cy="276999"/>
+          </a:xfrm>
+          <a:prstGeom prst="rect">
+            <a:avLst/>
+          </a:prstGeom>
+          <a:noFill/>
+        </p:spPr>
+        <p:txBody>
+          <a:bodyPr wrap="none" rtlCol="0">
+            <a:spAutoFit/>
+          </a:bodyPr>
+          <a:lstStyle/>
+          <a:p>
+            <a:pPr algn="ctr"/>
+            <a:r>
+              <a:rPr lang="en-US" sz="1200" dirty="0" smtClean="0">
+                <a:solidFill>
+                  <a:schemeClr val="bg1">
+                    <a:lumMod val="65000"/>
+                  </a:schemeClr>
+                </a:solidFill>
+                <a:latin typeface="Open Sans Light"/>
+                <a:cs typeface="Open Sans Light"/>
+              </a:rPr>
+              <a:t>Quay</a:t>
+            </a:r>
+            <a:endParaRPr lang="en-US" sz="1200" dirty="0">
+              <a:solidFill>
+                <a:schemeClr val="bg1">
+                  <a:lumMod val="65000"/>
+                </a:schemeClr>
+              </a:solidFill>
+              <a:latin typeface="Open Sans Light"/>
+              <a:cs typeface="Open Sans Light"/>
+            </a:endParaRPr>
+          </a:p>
+        </p:txBody>
+      </p:sp>
     </p:spTree>
     <p:extLst>
       <p:ext uri="{BB962C8B-B14F-4D97-AF65-F5344CB8AC3E}">
@@ -8829,6 +9297,51 @@
                       </p:childTnLst>
                     </p:cTn>
                   </p:par>
+                  <p:par>
+                    <p:cTn id="99" fill="hold">
+                      <p:stCondLst>
+                        <p:cond delay="indefinite"/>
+                      </p:stCondLst>
+                      <p:childTnLst>
+                        <p:par>
+                          <p:cTn id="100" fill="hold">
+                            <p:stCondLst>
+                              <p:cond delay="0"/>
+                            </p:stCondLst>
+                            <p:childTnLst>
+                              <p:par>
+                                <p:cTn id="101" presetID="1" presetClass="entr" presetSubtype="0" fill="hold" grpId="0" nodeType="clickEffect">
+                                  <p:stCondLst>
+                                    <p:cond delay="0"/>
+                                  </p:stCondLst>
+                                  <p:childTnLst>
+                                    <p:set>
+                                      <p:cBhvr>
+                                        <p:cTn id="102" dur="1" fill="hold">
+                                          <p:stCondLst>
+                                            <p:cond delay="0"/>
+                                          </p:stCondLst>
+                                        </p:cTn>
+                                        <p:tgtEl>
+                                          <p:spTgt spid="54"/>
+                                        </p:tgtEl>
+                                        <p:attrNameLst>
+                                          <p:attrName>style.visibility</p:attrName>
+                                        </p:attrNameLst>
+                                      </p:cBhvr>
+                                      <p:to>
+                                        <p:strVal val="visible"/>
+                                      </p:to>
+                                    </p:set>
+                                  </p:childTnLst>
+                                </p:cTn>
+                              </p:par>
+                            </p:childTnLst>
+                          </p:cTn>
+                        </p:par>
+                      </p:childTnLst>
+                    </p:cTn>
+                  </p:par>
                 </p:childTnLst>
               </p:cTn>
               <p:prevCondLst>
@@ -8875,6 +9388,7 @@
       <p:bldP spid="85" grpId="0"/>
       <p:bldP spid="90" grpId="0"/>
       <p:bldP spid="92" grpId="0"/>
+      <p:bldP spid="54" grpId="0"/>
     </p:bldLst>
   </p:timing>
 </p:sld>

--- a/fig/shippable-v01.pptx
+++ b/fig/shippable-v01.pptx
@@ -839,7 +839,55 @@
           <a:p>
             <a:r>
               <a:rPr lang="en-US" dirty="0" smtClean="0"/>
-              <a:t>http://</a:t>
+              <a:t>A pipeline is the lifecycle for a unit of deployment, aka 'Cell'. A Cell is always deployed at one time and on the same node. What constitutes a cell is unique to your case. It can be a </a:t>
+            </a:r>
+            <a:r>
+              <a:rPr lang="en-US" dirty="0" err="1" smtClean="0"/>
+              <a:t>microservice</a:t>
+            </a:r>
+            <a:r>
+              <a:rPr lang="en-US" dirty="0" smtClean="0"/>
+              <a:t>, a service, or even your entire application. A monolithic application is likely to need just one pipeline while a </a:t>
+            </a:r>
+            <a:r>
+              <a:rPr lang="en-US" dirty="0" err="1" smtClean="0"/>
+              <a:t>microservices</a:t>
+            </a:r>
+            <a:r>
+              <a:rPr lang="en-US" dirty="0" smtClean="0"/>
+              <a:t> based application might need tens or hundreds of pipelines. “Continuous Delivery” deploys</a:t>
+            </a:r>
+            <a:r>
+              <a:rPr lang="en-US" baseline="0" dirty="0" smtClean="0"/>
+              <a:t> software to any given environment at any time.</a:t>
+            </a:r>
+            <a:endParaRPr lang="en-US" dirty="0" smtClean="0"/>
+          </a:p>
+          <a:p>
+            <a:endParaRPr lang="en-US" dirty="0" smtClean="0"/>
+          </a:p>
+          <a:p>
+            <a:r>
+              <a:rPr lang="en-US" dirty="0" smtClean="0"/>
+              <a:t>Speed </a:t>
+            </a:r>
+            <a:r>
+              <a:rPr lang="en-US" dirty="0" smtClean="0"/>
+              <a:t>is the differentiator in almost any market that is getting disrupted by online services. </a:t>
+            </a:r>
+            <a:endParaRPr lang="en-US" dirty="0" smtClean="0"/>
+          </a:p>
+          <a:p>
+            <a:endParaRPr lang="en-US" dirty="0" smtClean="0"/>
+          </a:p>
+          <a:p>
+            <a:r>
+              <a:rPr lang="en-US" dirty="0" smtClean="0"/>
+              <a:t>http</a:t>
+            </a:r>
+            <a:r>
+              <a:rPr lang="en-US" dirty="0" smtClean="0"/>
+              <a:t>://</a:t>
             </a:r>
             <a:r>
               <a:rPr lang="en-US" dirty="0" err="1" smtClean="0"/>
@@ -1020,19 +1068,11 @@
             </a:r>
             <a:r>
               <a:rPr lang="en-US" dirty="0" smtClean="0"/>
-              <a:t>hrunk to </a:t>
-            </a:r>
-            <a:r>
-              <a:rPr lang="en-US" smtClean="0"/>
-              <a:t>.8x.8</a:t>
-            </a:r>
-            <a:r>
-              <a:rPr lang="en-US" baseline="0" smtClean="0"/>
-              <a:t> </a:t>
+              <a:t>hrunk to .8x.8</a:t>
             </a:r>
             <a:r>
               <a:rPr lang="en-US" baseline="0" dirty="0" smtClean="0"/>
-              <a:t>width</a:t>
+              <a:t> width</a:t>
             </a:r>
             <a:endParaRPr lang="en-US" dirty="0"/>
           </a:p>
@@ -2621,7 +2661,11 @@
           <a:p>
             <a:r>
               <a:rPr lang="en-US" dirty="0" smtClean="0"/>
-              <a:t>Focus on innovation</a:t>
+              <a:t>So you focus </a:t>
+            </a:r>
+            <a:r>
+              <a:rPr lang="en-US" dirty="0" smtClean="0"/>
+              <a:t>on innovation</a:t>
             </a:r>
           </a:p>
           <a:p>
@@ -2639,8 +2683,15 @@
           <a:p>
             <a:r>
               <a:rPr lang="en-US" dirty="0" smtClean="0"/>
+              <a:t>Cloud-native movement</a:t>
+            </a:r>
+          </a:p>
+          <a:p>
+            <a:r>
+              <a:rPr lang="en-US" dirty="0" smtClean="0"/>
               <a:t>Fast</a:t>
             </a:r>
+            <a:endParaRPr lang="en-US" dirty="0" smtClean="0"/>
           </a:p>
           <a:p>
             <a:r>
@@ -2669,8 +2720,23 @@
           <a:p>
             <a:r>
               <a:rPr lang="en-US" dirty="0" smtClean="0"/>
-              <a:t>No SSH</a:t>
-            </a:r>
+              <a:t>No </a:t>
+            </a:r>
+            <a:r>
+              <a:rPr lang="en-US" dirty="0" smtClean="0"/>
+              <a:t>SSH</a:t>
+            </a:r>
+          </a:p>
+          <a:p>
+            <a:r>
+              <a:rPr lang="en-US" dirty="0" smtClean="0"/>
+              <a:t>Blue/Green deployment for Stage </a:t>
+            </a:r>
+            <a:r>
+              <a:rPr lang="en-US" smtClean="0"/>
+              <a:t>to Prod</a:t>
+            </a:r>
+            <a:endParaRPr lang="en-US" dirty="0" smtClean="0"/>
           </a:p>
         </p:txBody>
       </p:sp>
@@ -4161,8 +4227,8 @@
         </p:nvSpPr>
         <p:spPr>
           <a:xfrm>
-            <a:off x="6053905" y="2044822"/>
-            <a:ext cx="915635" cy="369332"/>
+            <a:off x="6053905" y="2169682"/>
+            <a:ext cx="889987" cy="307777"/>
           </a:xfrm>
           <a:prstGeom prst="rect">
             <a:avLst/>
@@ -4180,16 +4246,16 @@
               <a:buChar char="q"/>
             </a:pPr>
             <a:r>
-              <a:rPr lang="en-US" sz="1800" dirty="0" smtClean="0">
+              <a:rPr lang="en-US" dirty="0" smtClean="0">
                 <a:solidFill>
                   <a:schemeClr val="accent3"/>
                 </a:solidFill>
                 <a:latin typeface="Open Sans"/>
                 <a:cs typeface="Open Sans"/>
               </a:rPr>
-              <a:t>Test</a:t>
-            </a:r>
-            <a:endParaRPr lang="en-US" sz="1800" dirty="0">
+              <a:t>Build</a:t>
+            </a:r>
+            <a:endParaRPr lang="en-US" dirty="0">
               <a:solidFill>
                 <a:schemeClr val="accent3"/>
               </a:solidFill>
@@ -4207,8 +4273,8 @@
         </p:nvSpPr>
         <p:spPr>
           <a:xfrm>
-            <a:off x="6053905" y="2642135"/>
-            <a:ext cx="1043876" cy="369332"/>
+            <a:off x="6053905" y="2609040"/>
+            <a:ext cx="825867" cy="307777"/>
           </a:xfrm>
           <a:prstGeom prst="rect">
             <a:avLst/>
@@ -4226,16 +4292,16 @@
               <a:buChar char="q"/>
             </a:pPr>
             <a:r>
-              <a:rPr lang="en-US" sz="1800" dirty="0" smtClean="0">
+              <a:rPr lang="en-US" dirty="0" smtClean="0">
                 <a:solidFill>
                   <a:schemeClr val="accent3"/>
                 </a:solidFill>
                 <a:latin typeface="Open Sans"/>
                 <a:cs typeface="Open Sans"/>
               </a:rPr>
-              <a:t>Prod.</a:t>
-            </a:r>
-            <a:endParaRPr lang="en-US" sz="1800" dirty="0">
+              <a:t>UAT</a:t>
+            </a:r>
+            <a:endParaRPr lang="en-US" dirty="0">
               <a:solidFill>
                 <a:schemeClr val="accent3"/>
               </a:solidFill>
@@ -4253,8 +4319,8 @@
         </p:nvSpPr>
         <p:spPr>
           <a:xfrm>
-            <a:off x="6053905" y="2343479"/>
-            <a:ext cx="954107" cy="369332"/>
+            <a:off x="6053905" y="2389361"/>
+            <a:ext cx="723275" cy="307777"/>
           </a:xfrm>
           <a:prstGeom prst="rect">
             <a:avLst/>
@@ -4272,15 +4338,22 @@
               <a:buChar char="q"/>
             </a:pPr>
             <a:r>
-              <a:rPr lang="en-US" sz="1800" dirty="0" smtClean="0">
+              <a:rPr lang="en-US" dirty="0" smtClean="0">
                 <a:solidFill>
                   <a:schemeClr val="accent3"/>
                 </a:solidFill>
                 <a:latin typeface="Open Sans"/>
                 <a:cs typeface="Open Sans"/>
               </a:rPr>
-              <a:t>Beta</a:t>
-            </a:r>
+              <a:t>SIT</a:t>
+            </a:r>
+            <a:endParaRPr lang="en-US" dirty="0" smtClean="0">
+              <a:solidFill>
+                <a:schemeClr val="accent3"/>
+              </a:solidFill>
+              <a:latin typeface="Open Sans"/>
+              <a:cs typeface="Open Sans"/>
+            </a:endParaRPr>
           </a:p>
         </p:txBody>
       </p:sp>
@@ -4326,7 +4399,7 @@
         </p:nvSpPr>
         <p:spPr>
           <a:xfrm>
-            <a:off x="4122640" y="3296448"/>
+            <a:off x="4122640" y="3369927"/>
             <a:ext cx="966931" cy="369332"/>
           </a:xfrm>
           <a:prstGeom prst="rect">
@@ -4374,7 +4447,7 @@
         </p:nvSpPr>
         <p:spPr>
           <a:xfrm>
-            <a:off x="6223929" y="3296448"/>
+            <a:off x="6223929" y="3369927"/>
             <a:ext cx="1082348" cy="369332"/>
           </a:xfrm>
           <a:prstGeom prst="rect">
@@ -4422,7 +4495,7 @@
         </p:nvSpPr>
         <p:spPr>
           <a:xfrm>
-            <a:off x="5045044" y="3296448"/>
+            <a:off x="5045044" y="3369927"/>
             <a:ext cx="1223412" cy="369332"/>
           </a:xfrm>
           <a:prstGeom prst="rect">
@@ -4463,7 +4536,7 @@
         </p:nvSpPr>
         <p:spPr>
           <a:xfrm>
-            <a:off x="7261751" y="3296448"/>
+            <a:off x="7261751" y="3369927"/>
             <a:ext cx="1505540" cy="369332"/>
           </a:xfrm>
           <a:prstGeom prst="rect">
@@ -4666,6 +4739,175 @@
           </a:p>
         </p:txBody>
       </p:sp>
+      <p:sp>
+        <p:nvSpPr>
+          <p:cNvPr id="44" name="TextBox 43"/>
+          <p:cNvSpPr txBox="1"/>
+          <p:nvPr/>
+        </p:nvSpPr>
+        <p:spPr>
+          <a:xfrm>
+            <a:off x="6053905" y="3048400"/>
+            <a:ext cx="915635" cy="307777"/>
+          </a:xfrm>
+          <a:prstGeom prst="rect">
+            <a:avLst/>
+          </a:prstGeom>
+          <a:noFill/>
+        </p:spPr>
+        <p:txBody>
+          <a:bodyPr wrap="none" rtlCol="0">
+            <a:spAutoFit/>
+          </a:bodyPr>
+          <a:lstStyle/>
+          <a:p>
+            <a:pPr marL="285750" indent="-285750">
+              <a:buFont typeface="Wingdings" charset="2"/>
+              <a:buChar char="q"/>
+            </a:pPr>
+            <a:r>
+              <a:rPr lang="en-US" dirty="0" smtClean="0">
+                <a:solidFill>
+                  <a:schemeClr val="accent3"/>
+                </a:solidFill>
+                <a:latin typeface="Open Sans"/>
+                <a:cs typeface="Open Sans"/>
+              </a:rPr>
+              <a:t>Prod.</a:t>
+            </a:r>
+            <a:endParaRPr lang="en-US" dirty="0">
+              <a:solidFill>
+                <a:schemeClr val="accent3"/>
+              </a:solidFill>
+              <a:latin typeface="Open Sans"/>
+              <a:cs typeface="Open Sans"/>
+            </a:endParaRPr>
+          </a:p>
+        </p:txBody>
+      </p:sp>
+      <p:sp>
+        <p:nvSpPr>
+          <p:cNvPr id="45" name="TextBox 44"/>
+          <p:cNvSpPr txBox="1"/>
+          <p:nvPr/>
+        </p:nvSpPr>
+        <p:spPr>
+          <a:xfrm>
+            <a:off x="6053905" y="2828719"/>
+            <a:ext cx="838691" cy="307777"/>
+          </a:xfrm>
+          <a:prstGeom prst="rect">
+            <a:avLst/>
+          </a:prstGeom>
+          <a:noFill/>
+        </p:spPr>
+        <p:txBody>
+          <a:bodyPr wrap="none" rtlCol="0">
+            <a:spAutoFit/>
+          </a:bodyPr>
+          <a:lstStyle/>
+          <a:p>
+            <a:pPr marL="285750" indent="-285750">
+              <a:buFont typeface="Wingdings" charset="2"/>
+              <a:buChar char="q"/>
+            </a:pPr>
+            <a:r>
+              <a:rPr lang="en-US" dirty="0" smtClean="0">
+                <a:solidFill>
+                  <a:schemeClr val="accent3"/>
+                </a:solidFill>
+                <a:latin typeface="Open Sans"/>
+                <a:cs typeface="Open Sans"/>
+              </a:rPr>
+              <a:t>Beta</a:t>
+            </a:r>
+          </a:p>
+        </p:txBody>
+      </p:sp>
+      <p:sp>
+        <p:nvSpPr>
+          <p:cNvPr id="46" name="TextBox 45"/>
+          <p:cNvSpPr txBox="1"/>
+          <p:nvPr/>
+        </p:nvSpPr>
+        <p:spPr>
+          <a:xfrm>
+            <a:off x="6053905" y="1950003"/>
+            <a:ext cx="838691" cy="307777"/>
+          </a:xfrm>
+          <a:prstGeom prst="rect">
+            <a:avLst/>
+          </a:prstGeom>
+          <a:noFill/>
+        </p:spPr>
+        <p:txBody>
+          <a:bodyPr wrap="none" rtlCol="0">
+            <a:spAutoFit/>
+          </a:bodyPr>
+          <a:lstStyle/>
+          <a:p>
+            <a:pPr marL="285750" indent="-285750">
+              <a:buFont typeface="Wingdings" charset="2"/>
+              <a:buChar char="q"/>
+            </a:pPr>
+            <a:r>
+              <a:rPr lang="en-US" dirty="0" smtClean="0">
+                <a:solidFill>
+                  <a:schemeClr val="accent3"/>
+                </a:solidFill>
+                <a:latin typeface="Open Sans"/>
+                <a:cs typeface="Open Sans"/>
+              </a:rPr>
+              <a:t>Dev.</a:t>
+            </a:r>
+            <a:endParaRPr lang="en-US" dirty="0">
+              <a:solidFill>
+                <a:schemeClr val="accent3"/>
+              </a:solidFill>
+              <a:latin typeface="Open Sans"/>
+              <a:cs typeface="Open Sans"/>
+            </a:endParaRPr>
+          </a:p>
+        </p:txBody>
+      </p:sp>
+      <p:cxnSp>
+        <p:nvCxnSpPr>
+          <p:cNvPr id="47" name="Straight Arrow Connector 46"/>
+          <p:cNvCxnSpPr>
+            <a:stCxn id="25" idx="4"/>
+          </p:cNvCxnSpPr>
+          <p:nvPr/>
+        </p:nvCxnSpPr>
+        <p:spPr>
+          <a:xfrm flipV="1">
+            <a:off x="5625462" y="1615697"/>
+            <a:ext cx="408495" cy="920983"/>
+          </a:xfrm>
+          <a:prstGeom prst="straightConnector1">
+            <a:avLst/>
+          </a:prstGeom>
+          <a:ln>
+            <a:solidFill>
+              <a:schemeClr val="tx1"/>
+            </a:solidFill>
+            <a:tailEnd type="triangle" w="lg" len="lg"/>
+          </a:ln>
+        </p:spPr>
+        <p:style>
+          <a:lnRef idx="1">
+            <a:schemeClr val="accent1"/>
+          </a:lnRef>
+          <a:fillRef idx="0">
+            <a:schemeClr val="accent1"/>
+          </a:fillRef>
+          <a:effectRef idx="0">
+            <a:schemeClr val="accent1"/>
+          </a:effectRef>
+          <a:fontRef idx="minor">
+            <a:schemeClr val="tx1"/>
+          </a:fontRef>
+        </p:style>
+      </p:cxnSp>
     </p:spTree>
     <p:extLst>
       <p:ext uri="{BB962C8B-B14F-4D97-AF65-F5344CB8AC3E}">
@@ -6010,6 +6252,150 @@
                                   </p:childTnLst>
                                 </p:cTn>
                               </p:par>
+                              <p:par>
+                                <p:cTn id="115" presetID="1" presetClass="entr" presetSubtype="0" fill="hold" grpId="0" nodeType="withEffect">
+                                  <p:stCondLst>
+                                    <p:cond delay="0"/>
+                                  </p:stCondLst>
+                                  <p:childTnLst>
+                                    <p:set>
+                                      <p:cBhvr>
+                                        <p:cTn id="116" dur="1" fill="hold">
+                                          <p:stCondLst>
+                                            <p:cond delay="0"/>
+                                          </p:stCondLst>
+                                        </p:cTn>
+                                        <p:tgtEl>
+                                          <p:spTgt spid="45"/>
+                                        </p:tgtEl>
+                                        <p:attrNameLst>
+                                          <p:attrName>style.visibility</p:attrName>
+                                        </p:attrNameLst>
+                                      </p:cBhvr>
+                                      <p:to>
+                                        <p:strVal val="visible"/>
+                                      </p:to>
+                                    </p:set>
+                                  </p:childTnLst>
+                                </p:cTn>
+                              </p:par>
+                              <p:par>
+                                <p:cTn id="117" presetID="1" presetClass="entr" presetSubtype="0" fill="hold" grpId="0" nodeType="withEffect">
+                                  <p:stCondLst>
+                                    <p:cond delay="0"/>
+                                  </p:stCondLst>
+                                  <p:childTnLst>
+                                    <p:set>
+                                      <p:cBhvr>
+                                        <p:cTn id="118" dur="1" fill="hold">
+                                          <p:stCondLst>
+                                            <p:cond delay="0"/>
+                                          </p:stCondLst>
+                                        </p:cTn>
+                                        <p:tgtEl>
+                                          <p:spTgt spid="44"/>
+                                        </p:tgtEl>
+                                        <p:attrNameLst>
+                                          <p:attrName>style.visibility</p:attrName>
+                                        </p:attrNameLst>
+                                      </p:cBhvr>
+                                      <p:to>
+                                        <p:strVal val="visible"/>
+                                      </p:to>
+                                    </p:set>
+                                  </p:childTnLst>
+                                </p:cTn>
+                              </p:par>
+                            </p:childTnLst>
+                          </p:cTn>
+                        </p:par>
+                      </p:childTnLst>
+                    </p:cTn>
+                  </p:par>
+                  <p:par>
+                    <p:cTn id="119" fill="hold">
+                      <p:stCondLst>
+                        <p:cond delay="indefinite"/>
+                      </p:stCondLst>
+                      <p:childTnLst>
+                        <p:par>
+                          <p:cTn id="120" fill="hold">
+                            <p:stCondLst>
+                              <p:cond delay="0"/>
+                            </p:stCondLst>
+                            <p:childTnLst>
+                              <p:par>
+                                <p:cTn id="121" presetID="1" presetClass="entr" presetSubtype="0" fill="hold" grpId="0" nodeType="clickEffect">
+                                  <p:stCondLst>
+                                    <p:cond delay="0"/>
+                                  </p:stCondLst>
+                                  <p:childTnLst>
+                                    <p:set>
+                                      <p:cBhvr>
+                                        <p:cTn id="122" dur="1" fill="hold">
+                                          <p:stCondLst>
+                                            <p:cond delay="0"/>
+                                          </p:stCondLst>
+                                        </p:cTn>
+                                        <p:tgtEl>
+                                          <p:spTgt spid="46"/>
+                                        </p:tgtEl>
+                                        <p:attrNameLst>
+                                          <p:attrName>style.visibility</p:attrName>
+                                        </p:attrNameLst>
+                                      </p:cBhvr>
+                                      <p:to>
+                                        <p:strVal val="visible"/>
+                                      </p:to>
+                                    </p:set>
+                                  </p:childTnLst>
+                                </p:cTn>
+                              </p:par>
+                            </p:childTnLst>
+                          </p:cTn>
+                        </p:par>
+                      </p:childTnLst>
+                    </p:cTn>
+                  </p:par>
+                  <p:par>
+                    <p:cTn id="123" fill="hold">
+                      <p:stCondLst>
+                        <p:cond delay="indefinite"/>
+                      </p:stCondLst>
+                      <p:childTnLst>
+                        <p:par>
+                          <p:cTn id="124" fill="hold">
+                            <p:stCondLst>
+                              <p:cond delay="0"/>
+                            </p:stCondLst>
+                            <p:childTnLst>
+                              <p:par>
+                                <p:cTn id="125" presetID="1" presetClass="entr" presetSubtype="0" fill="hold" nodeType="clickEffect">
+                                  <p:stCondLst>
+                                    <p:cond delay="0"/>
+                                  </p:stCondLst>
+                                  <p:childTnLst>
+                                    <p:set>
+                                      <p:cBhvr>
+                                        <p:cTn id="126" dur="1" fill="hold">
+                                          <p:stCondLst>
+                                            <p:cond delay="0"/>
+                                          </p:stCondLst>
+                                        </p:cTn>
+                                        <p:tgtEl>
+                                          <p:spTgt spid="47"/>
+                                        </p:tgtEl>
+                                        <p:attrNameLst>
+                                          <p:attrName>style.visibility</p:attrName>
+                                        </p:attrNameLst>
+                                      </p:cBhvr>
+                                      <p:to>
+                                        <p:strVal val="visible"/>
+                                      </p:to>
+                                    </p:set>
+                                  </p:childTnLst>
+                                </p:cTn>
+                              </p:par>
                             </p:childTnLst>
                           </p:cTn>
                         </p:par>
@@ -6069,6 +6455,9 @@
       <p:bldP spid="61" grpId="0"/>
       <p:bldP spid="68" grpId="0"/>
       <p:bldP spid="79" grpId="0"/>
+      <p:bldP spid="44" grpId="0"/>
+      <p:bldP spid="45" grpId="0"/>
+      <p:bldP spid="46" grpId="0"/>
     </p:bldLst>
   </p:timing>
 </p:sld>

--- a/fig/shippable-v01.pptx
+++ b/fig/shippable-v01.pptx
@@ -2661,7 +2661,7 @@
           <a:p>
             <a:r>
               <a:rPr lang="en-US" dirty="0" smtClean="0"/>
-              <a:t>So you focus </a:t>
+              <a:t>So devs focus </a:t>
             </a:r>
             <a:r>
               <a:rPr lang="en-US" dirty="0" smtClean="0"/>
@@ -2683,13 +2683,19 @@
           <a:p>
             <a:r>
               <a:rPr lang="en-US" dirty="0" smtClean="0"/>
-              <a:t>Cloud-native movement</a:t>
+              <a:t>Cloud-native apps movement</a:t>
             </a:r>
           </a:p>
           <a:p>
             <a:r>
               <a:rPr lang="en-US" dirty="0" smtClean="0"/>
-              <a:t>Fast</a:t>
+              <a:t>Containers</a:t>
+            </a:r>
+          </a:p>
+          <a:p>
+            <a:r>
+              <a:rPr lang="en-US" dirty="0" smtClean="0"/>
+              <a:t>Fastest</a:t>
             </a:r>
             <a:endParaRPr lang="en-US" dirty="0" smtClean="0"/>
           </a:p>
@@ -2707,34 +2713,30 @@
           </a:p>
           <a:p>
             <a:r>
+              <a:rPr lang="en-US" dirty="0"/>
+              <a:t>Arbitrage vendor-neutral/agnostic</a:t>
+            </a:r>
+          </a:p>
+          <a:p>
+            <a:r>
               <a:rPr lang="en-US" dirty="0" smtClean="0"/>
-              <a:t>On-premises</a:t>
-            </a:r>
-          </a:p>
-          <a:p>
+              <a:t>On</a:t>
+            </a:r>
             <a:r>
               <a:rPr lang="en-US" dirty="0" smtClean="0"/>
-              <a:t>Arbitrage</a:t>
+              <a:t>-premises</a:t>
             </a:r>
           </a:p>
           <a:p>
             <a:r>
               <a:rPr lang="en-US" dirty="0" smtClean="0"/>
-              <a:t>No </a:t>
-            </a:r>
+              <a:t>No SSH</a:t>
+            </a:r>
+          </a:p>
+          <a:p>
             <a:r>
               <a:rPr lang="en-US" dirty="0" smtClean="0"/>
-              <a:t>SSH</a:t>
-            </a:r>
-          </a:p>
-          <a:p>
-            <a:r>
-              <a:rPr lang="en-US" dirty="0" smtClean="0"/>
-              <a:t>Blue/Green deployment for Stage </a:t>
-            </a:r>
-            <a:r>
-              <a:rPr lang="en-US" smtClean="0"/>
-              <a:t>to Prod</a:t>
+              <a:t>Blue/Green deployment for Stage to Prod</a:t>
             </a:r>
             <a:endParaRPr lang="en-US" dirty="0" smtClean="0"/>
           </a:p>
@@ -3613,12 +3615,12 @@
               <a:defRPr/>
             </a:pPr>
             <a:r>
-              <a:rPr lang="en-US" sz="1600" dirty="0" smtClean="0">
+              <a:rPr lang="en-US" sz="1600" dirty="0" err="1" smtClean="0">
                 <a:latin typeface="Open Sans Light"/>
                 <a:ea typeface="Open Sans Light" charset="0"/>
                 <a:cs typeface="Open Sans Light"/>
               </a:rPr>
-              <a:t>servers</a:t>
+              <a:t>Kub</a:t>
             </a:r>
             <a:endParaRPr lang="en-US" sz="1600" dirty="0">
               <a:latin typeface="Open Sans Light"/>
@@ -3679,8 +3681,8 @@
         </p:nvSpPr>
         <p:spPr>
           <a:xfrm>
-            <a:off x="7238970" y="1692911"/>
-            <a:ext cx="1287632" cy="338554"/>
+            <a:off x="7501913" y="1692911"/>
+            <a:ext cx="761747" cy="338554"/>
           </a:xfrm>
           <a:prstGeom prst="rect">
             <a:avLst/>
@@ -3702,7 +3704,7 @@
                 <a:latin typeface="Open Sans Light"/>
                 <a:cs typeface="Open Sans Light"/>
               </a:rPr>
-              <a:t>Kubernetes</a:t>
+              <a:t>server</a:t>
             </a:r>
             <a:endParaRPr lang="en-US" sz="1600" dirty="0">
               <a:solidFill>
@@ -4727,7 +4729,17 @@
                 <a:latin typeface="Open Sans Light"/>
                 <a:cs typeface="Open Sans Light"/>
               </a:rPr>
-              <a:t>“cells”</a:t>
+              <a:t>“cells</a:t>
+            </a:r>
+            <a:r>
+              <a:rPr lang="en-US" sz="1600" dirty="0" smtClean="0">
+                <a:solidFill>
+                  <a:schemeClr val="bg1"/>
+                </a:solidFill>
+                <a:latin typeface="Open Sans Light"/>
+                <a:cs typeface="Open Sans Light"/>
+              </a:rPr>
+              <a:t>”</a:t>
             </a:r>
             <a:endParaRPr lang="en-US" sz="1600" dirty="0">
               <a:solidFill>
@@ -4874,14 +4886,14 @@
         <p:nvCxnSpPr>
           <p:cNvPr id="47" name="Straight Arrow Connector 46"/>
           <p:cNvCxnSpPr>
-            <a:stCxn id="25" idx="4"/>
+            <a:endCxn id="18" idx="1"/>
           </p:cNvCxnSpPr>
           <p:nvPr/>
         </p:nvCxnSpPr>
         <p:spPr>
           <a:xfrm flipV="1">
-            <a:off x="5625462" y="1615697"/>
-            <a:ext cx="408495" cy="920983"/>
+            <a:off x="4932775" y="1413099"/>
+            <a:ext cx="2465103" cy="818071"/>
           </a:xfrm>
           <a:prstGeom prst="straightConnector1">
             <a:avLst/>
@@ -4908,6 +4920,48 @@
           </a:fontRef>
         </p:style>
       </p:cxnSp>
+      <p:sp>
+        <p:nvSpPr>
+          <p:cNvPr id="55" name="TextBox 54"/>
+          <p:cNvSpPr txBox="1"/>
+          <p:nvPr/>
+        </p:nvSpPr>
+        <p:spPr>
+          <a:xfrm>
+            <a:off x="4354413" y="1201132"/>
+            <a:ext cx="1234332" cy="338554"/>
+          </a:xfrm>
+          <a:prstGeom prst="rect">
+            <a:avLst/>
+          </a:prstGeom>
+          <a:noFill/>
+        </p:spPr>
+        <p:txBody>
+          <a:bodyPr wrap="none" rtlCol="0">
+            <a:spAutoFit/>
+          </a:bodyPr>
+          <a:lstStyle/>
+          <a:p>
+            <a:r>
+              <a:rPr lang="en-US" sz="1600" dirty="0" smtClean="0">
+                <a:solidFill>
+                  <a:schemeClr val="bg1"/>
+                </a:solidFill>
+                <a:latin typeface="Open Sans Light"/>
+                <a:cs typeface="Open Sans Light"/>
+              </a:rPr>
+              <a:t>deploy.json</a:t>
+            </a:r>
+            <a:endParaRPr lang="en-US" sz="1600" dirty="0">
+              <a:solidFill>
+                <a:schemeClr val="bg1"/>
+              </a:solidFill>
+              <a:latin typeface="Open Sans Light"/>
+              <a:cs typeface="Open Sans Light"/>
+            </a:endParaRPr>
+          </a:p>
+        </p:txBody>
+      </p:sp>
     </p:spTree>
     <p:extLst>
       <p:ext uri="{BB962C8B-B14F-4D97-AF65-F5344CB8AC3E}">
@@ -6396,6 +6450,33 @@
                                   </p:childTnLst>
                                 </p:cTn>
                               </p:par>
+                              <p:par>
+                                <p:cTn id="127" presetID="1" presetClass="entr" presetSubtype="0" fill="hold" grpId="0" nodeType="withEffect">
+                                  <p:stCondLst>
+                                    <p:cond delay="0"/>
+                                  </p:stCondLst>
+                                  <p:childTnLst>
+                                    <p:set>
+                                      <p:cBhvr>
+                                        <p:cTn id="128" dur="1" fill="hold">
+                                          <p:stCondLst>
+                                            <p:cond delay="0"/>
+                                          </p:stCondLst>
+                                        </p:cTn>
+                                        <p:tgtEl>
+                                          <p:spTgt spid="55"/>
+                                        </p:tgtEl>
+                                        <p:attrNameLst>
+                                          <p:attrName>style.visibility</p:attrName>
+                                        </p:attrNameLst>
+                                      </p:cBhvr>
+                                      <p:to>
+                                        <p:strVal val="visible"/>
+                                      </p:to>
+                                    </p:set>
+                                  </p:childTnLst>
+                                </p:cTn>
+                              </p:par>
                             </p:childTnLst>
                           </p:cTn>
                         </p:par>
@@ -6458,6 +6539,7 @@
       <p:bldP spid="44" grpId="0"/>
       <p:bldP spid="45" grpId="0"/>
       <p:bldP spid="46" grpId="0"/>
+      <p:bldP spid="55" grpId="0"/>
     </p:bldLst>
   </p:timing>
 </p:sld>
@@ -7447,7 +7529,7 @@
         </p:blipFill>
         <p:spPr>
           <a:xfrm>
-            <a:off x="772973" y="2099721"/>
+            <a:off x="765133" y="2552989"/>
             <a:ext cx="724289" cy="724289"/>
           </a:xfrm>
           <a:prstGeom prst="rect">
@@ -7463,7 +7545,7 @@
         </p:nvSpPr>
         <p:spPr>
           <a:xfrm>
-            <a:off x="715772" y="2776017"/>
+            <a:off x="707932" y="3229285"/>
             <a:ext cx="838691" cy="276999"/>
           </a:xfrm>
           <a:prstGeom prst="rect">
@@ -7580,7 +7662,7 @@
         </p:nvSpPr>
         <p:spPr>
           <a:xfrm>
-            <a:off x="840017" y="1862526"/>
+            <a:off x="832177" y="2121769"/>
             <a:ext cx="590201" cy="276999"/>
           </a:xfrm>
           <a:prstGeom prst="rect">
@@ -7896,7 +7978,7 @@
         </p:blipFill>
         <p:spPr>
           <a:xfrm>
-            <a:off x="772973" y="1211602"/>
+            <a:off x="765133" y="1470845"/>
             <a:ext cx="724289" cy="724289"/>
           </a:xfrm>
           <a:prstGeom prst="rect">
@@ -8575,6 +8657,100 @@
                 <a:cs typeface="Open Sans Light"/>
               </a:rPr>
               <a:t>Quay</a:t>
+            </a:r>
+            <a:endParaRPr lang="en-US" sz="1200" dirty="0">
+              <a:solidFill>
+                <a:schemeClr val="bg1">
+                  <a:lumMod val="65000"/>
+                </a:schemeClr>
+              </a:solidFill>
+              <a:latin typeface="Open Sans Light"/>
+              <a:cs typeface="Open Sans Light"/>
+            </a:endParaRPr>
+          </a:p>
+        </p:txBody>
+      </p:sp>
+      <p:pic>
+        <p:nvPicPr>
+          <p:cNvPr id="53" name="Picture 52"/>
+          <p:cNvPicPr>
+            <a:picLocks noChangeAspect="1"/>
+          </p:cNvPicPr>
+          <p:nvPr/>
+        </p:nvPicPr>
+        <p:blipFill>
+          <a:blip r:embed="rId3"/>
+          <a:stretch>
+            <a:fillRect/>
+          </a:stretch>
+        </p:blipFill>
+        <p:spPr>
+          <a:xfrm>
+            <a:off x="1761372" y="300273"/>
+            <a:ext cx="689673" cy="689673"/>
+          </a:xfrm>
+          <a:prstGeom prst="rect">
+            <a:avLst/>
+          </a:prstGeom>
+        </p:spPr>
+      </p:pic>
+      <p:sp>
+        <p:nvSpPr>
+          <p:cNvPr id="56" name="TextBox 55"/>
+          <p:cNvSpPr txBox="1"/>
+          <p:nvPr/>
+        </p:nvSpPr>
+        <p:spPr>
+          <a:xfrm>
+            <a:off x="1741979" y="937283"/>
+            <a:ext cx="728460" cy="461665"/>
+          </a:xfrm>
+          <a:prstGeom prst="rect">
+            <a:avLst/>
+          </a:prstGeom>
+          <a:noFill/>
+        </p:spPr>
+        <p:txBody>
+          <a:bodyPr wrap="none" rtlCol="0">
+            <a:spAutoFit/>
+          </a:bodyPr>
+          <a:lstStyle/>
+          <a:p>
+            <a:pPr algn="ctr"/>
+            <a:r>
+              <a:rPr lang="en-US" sz="1200" dirty="0" smtClean="0">
+                <a:solidFill>
+                  <a:schemeClr val="bg1">
+                    <a:lumMod val="65000"/>
+                  </a:schemeClr>
+                </a:solidFill>
+                <a:latin typeface="Open Sans Light"/>
+                <a:cs typeface="Open Sans Light"/>
+              </a:rPr>
+              <a:t>Code</a:t>
+            </a:r>
+            <a:br>
+              <a:rPr lang="en-US" sz="1200" dirty="0" smtClean="0">
+                <a:solidFill>
+                  <a:schemeClr val="bg1">
+                    <a:lumMod val="65000"/>
+                  </a:schemeClr>
+                </a:solidFill>
+                <a:latin typeface="Open Sans Light"/>
+                <a:cs typeface="Open Sans Light"/>
+              </a:rPr>
+            </a:br>
+            <a:r>
+              <a:rPr lang="en-US" sz="1200" dirty="0" smtClean="0">
+                <a:solidFill>
+                  <a:schemeClr val="bg1">
+                    <a:lumMod val="65000"/>
+                  </a:schemeClr>
+                </a:solidFill>
+                <a:latin typeface="Open Sans Light"/>
+                <a:cs typeface="Open Sans Light"/>
+              </a:rPr>
+              <a:t>Commit</a:t>
             </a:r>
             <a:endParaRPr lang="en-US" sz="1200" dirty="0">
               <a:solidFill>
@@ -9731,6 +9907,51 @@
                       </p:childTnLst>
                     </p:cTn>
                   </p:par>
+                  <p:par>
+                    <p:cTn id="103" fill="hold">
+                      <p:stCondLst>
+                        <p:cond delay="indefinite"/>
+                      </p:stCondLst>
+                      <p:childTnLst>
+                        <p:par>
+                          <p:cTn id="104" fill="hold">
+                            <p:stCondLst>
+                              <p:cond delay="0"/>
+                            </p:stCondLst>
+                            <p:childTnLst>
+                              <p:par>
+                                <p:cTn id="105" presetID="1" presetClass="entr" presetSubtype="0" fill="hold" grpId="0" nodeType="clickEffect">
+                                  <p:stCondLst>
+                                    <p:cond delay="0"/>
+                                  </p:stCondLst>
+                                  <p:childTnLst>
+                                    <p:set>
+                                      <p:cBhvr>
+                                        <p:cTn id="106" dur="1" fill="hold">
+                                          <p:stCondLst>
+                                            <p:cond delay="0"/>
+                                          </p:stCondLst>
+                                        </p:cTn>
+                                        <p:tgtEl>
+                                          <p:spTgt spid="56"/>
+                                        </p:tgtEl>
+                                        <p:attrNameLst>
+                                          <p:attrName>style.visibility</p:attrName>
+                                        </p:attrNameLst>
+                                      </p:cBhvr>
+                                      <p:to>
+                                        <p:strVal val="visible"/>
+                                      </p:to>
+                                    </p:set>
+                                  </p:childTnLst>
+                                </p:cTn>
+                              </p:par>
+                            </p:childTnLst>
+                          </p:cTn>
+                        </p:par>
+                      </p:childTnLst>
+                    </p:cTn>
+                  </p:par>
                 </p:childTnLst>
               </p:cTn>
               <p:prevCondLst>
@@ -9778,6 +9999,7 @@
       <p:bldP spid="90" grpId="0"/>
       <p:bldP spid="92" grpId="0"/>
       <p:bldP spid="54" grpId="0"/>
+      <p:bldP spid="56" grpId="0"/>
     </p:bldLst>
   </p:timing>
 </p:sld>
